--- a/Docs/JMMPresentationStripped.pptx
+++ b/Docs/JMMPresentationStripped.pptx
@@ -33,7 +33,6 @@
     <p:sldId id="278" r:id="rId28"/>
     <p:sldId id="279" r:id="rId29"/>
     <p:sldId id="280" r:id="rId30"/>
-    <p:sldId id="281" r:id="rId31"/>
   </p:sldIdLst>
   <p:sldSz cx="10080625" cy="5670550"/>
   <p:notesSz cx="7772400" cy="10058400"/>
@@ -91,7 +90,7 @@
         <p:txBody>
           <a:bodyPr/>
           <a:p>
-            <a:fld id="{4BA04E11-8C79-440F-A429-7DA0ED27C352}" type="slidenum">
+            <a:fld id="{C9B15BBE-3D09-434D-9AC9-3E0ECE36ECE1}" type="slidenum">
               <a:t>&lt;#&gt;</a:t>
             </a:fld>
           </a:p>
@@ -279,7 +278,7 @@
         <p:txBody>
           <a:bodyPr/>
           <a:p>
-            <a:fld id="{60890D92-F454-445D-9799-5A25F68362FE}" type="slidenum">
+            <a:fld id="{7B1B2DC8-DA09-44A4-8F1B-24AAA6407519}" type="slidenum">
               <a:t>&lt;#&gt;</a:t>
             </a:fld>
           </a:p>
@@ -535,7 +534,7 @@
         <p:txBody>
           <a:bodyPr/>
           <a:p>
-            <a:fld id="{D302B3F8-9CD9-4D8B-B8C3-D5ED97FCA610}" type="slidenum">
+            <a:fld id="{D85579C9-9FF4-4C97-847F-9BC43F573344}" type="slidenum">
               <a:t>&lt;#&gt;</a:t>
             </a:fld>
           </a:p>
@@ -859,7 +858,7 @@
         <p:txBody>
           <a:bodyPr/>
           <a:p>
-            <a:fld id="{9FE88AE5-1C8A-4EC6-BEA1-BEEE2956E914}" type="slidenum">
+            <a:fld id="{A933CDFA-BF09-4CE3-8961-1538BBCEBDBE}" type="slidenum">
               <a:t>&lt;#&gt;</a:t>
             </a:fld>
           </a:p>
@@ -1920,7 +1919,7 @@
         <p:txBody>
           <a:bodyPr/>
           <a:p>
-            <a:fld id="{1816F766-0339-46C6-8D10-CC7A64C64764}" type="slidenum">
+            <a:fld id="{F652B1AC-CFFE-41F0-BF11-035F9188FF65}" type="slidenum">
               <a:t>&lt;#&gt;</a:t>
             </a:fld>
           </a:p>
@@ -3788,7 +3787,7 @@
         <p:txBody>
           <a:bodyPr/>
           <a:p>
-            <a:fld id="{70439771-F403-45F1-89D8-CEAB96D1CA25}" type="slidenum">
+            <a:fld id="{341BE634-7871-43F4-8B0E-0E15C8018660}" type="slidenum">
               <a:t>&lt;#&gt;</a:t>
             </a:fld>
           </a:p>
@@ -5724,7 +5723,7 @@
         <p:txBody>
           <a:bodyPr/>
           <a:p>
-            <a:fld id="{44D66E22-D92F-4273-9397-2262A6BC1178}" type="slidenum">
+            <a:fld id="{1ABB5923-EFE7-47C2-AF6C-25526F3101ED}" type="slidenum">
               <a:t>&lt;#&gt;</a:t>
             </a:fld>
           </a:p>
@@ -7526,7 +7525,7 @@
         <p:txBody>
           <a:bodyPr/>
           <a:p>
-            <a:fld id="{7A0DDFAE-E686-4C0F-BA48-9A524959BD5E}" type="slidenum">
+            <a:fld id="{A7CA5296-FFFF-49FC-AFE7-B3A9DD4F1EAF}" type="slidenum">
               <a:t>&lt;#&gt;</a:t>
             </a:fld>
           </a:p>
@@ -7646,7 +7645,7 @@
         <p:txBody>
           <a:bodyPr/>
           <a:p>
-            <a:fld id="{CD3E9C60-9182-4EFB-850B-BDF65D1C4CA3}" type="slidenum">
+            <a:fld id="{BEDE241F-A100-428A-B30E-C65FC511DDA2}" type="slidenum">
               <a:t>&lt;#&gt;</a:t>
             </a:fld>
           </a:p>
@@ -7868,7 +7867,7 @@
         <p:txBody>
           <a:bodyPr/>
           <a:p>
-            <a:fld id="{BD35EE09-9C27-4D53-AAD9-A2177064DA09}" type="slidenum">
+            <a:fld id="{83CF3327-6433-45BA-B4EB-A57AF1D5C074}" type="slidenum">
               <a:t>&lt;#&gt;</a:t>
             </a:fld>
           </a:p>
@@ -8090,7 +8089,7 @@
         <p:txBody>
           <a:bodyPr/>
           <a:p>
-            <a:fld id="{1C546B4A-B6B2-4881-8533-C4B526F0727F}" type="slidenum">
+            <a:fld id="{BAEBFC27-D3D0-4E84-A6BA-B67520EFE6ED}" type="slidenum">
               <a:t>&lt;#&gt;</a:t>
             </a:fld>
           </a:p>
@@ -8312,7 +8311,7 @@
         <p:txBody>
           <a:bodyPr/>
           <a:p>
-            <a:fld id="{42722BA5-FC45-4EC1-84AB-50E8F61EC6FC}" type="slidenum">
+            <a:fld id="{BC4051D6-A511-4198-A75C-45DFAF6214D0}" type="slidenum">
               <a:t>&lt;#&gt;</a:t>
             </a:fld>
           </a:p>
@@ -8370,7 +8369,7 @@
         <p:spPr>
           <a:xfrm>
             <a:off x="0" y="0"/>
-            <a:ext cx="10075320" cy="5665320"/>
+            <a:ext cx="10074960" cy="5664960"/>
           </a:xfrm>
           <a:prstGeom prst="rect">
             <a:avLst/>
@@ -8398,7 +8397,7 @@
         <p:spPr>
           <a:xfrm>
             <a:off x="0" y="0"/>
-            <a:ext cx="10075320" cy="3775320"/>
+            <a:ext cx="10074960" cy="3774960"/>
           </a:xfrm>
           <a:prstGeom prst="rect">
             <a:avLst/>
@@ -8433,7 +8432,7 @@
         <p:spPr>
           <a:xfrm>
             <a:off x="3420000" y="5400000"/>
-            <a:ext cx="3235320" cy="265320"/>
+            <a:ext cx="3234960" cy="264960"/>
           </a:xfrm>
           <a:prstGeom prst="rect">
             <a:avLst/>
@@ -8496,7 +8495,7 @@
         <p:spPr>
           <a:xfrm>
             <a:off x="9180000" y="5130000"/>
-            <a:ext cx="715320" cy="535320"/>
+            <a:ext cx="714960" cy="534960"/>
           </a:xfrm>
           <a:prstGeom prst="rect">
             <a:avLst/>
@@ -8531,7 +8530,7 @@
               </a:lnSpc>
               <a:buNone/>
             </a:pPr>
-            <a:fld id="{413CE3A8-930C-4554-AC56-69AC171E834B}" type="slidenum">
+            <a:fld id="{70F3F285-071D-43C0-8A6F-C1426BCA7B0C}" type="slidenum">
               <a:rPr b="1" lang="en-US" sz="1800" spc="-1" strike="noStrike">
                 <a:solidFill>
                   <a:srgbClr val="ffffff"/>
@@ -8559,7 +8558,7 @@
         <p:spPr>
           <a:xfrm>
             <a:off x="360000" y="5400000"/>
-            <a:ext cx="2875320" cy="265320"/>
+            <a:ext cx="2874960" cy="264960"/>
           </a:xfrm>
           <a:prstGeom prst="rect">
             <a:avLst/>
@@ -8865,7 +8864,7 @@
         <p:spPr>
           <a:xfrm>
             <a:off x="0" y="5400000"/>
-            <a:ext cx="10075320" cy="265320"/>
+            <a:ext cx="10074960" cy="264960"/>
           </a:xfrm>
           <a:prstGeom prst="rect">
             <a:avLst/>
@@ -8893,7 +8892,7 @@
         <p:spPr>
           <a:xfrm>
             <a:off x="0" y="0"/>
-            <a:ext cx="10075320" cy="1210320"/>
+            <a:ext cx="10074960" cy="1209960"/>
           </a:xfrm>
           <a:prstGeom prst="rect">
             <a:avLst/>
@@ -8921,7 +8920,7 @@
         <p:spPr>
           <a:xfrm>
             <a:off x="9315000" y="5175000"/>
-            <a:ext cx="445320" cy="445320"/>
+            <a:ext cx="444960" cy="444960"/>
           </a:xfrm>
           <a:prstGeom prst="ellipse">
             <a:avLst/>
@@ -8952,7 +8951,7 @@
         <p:spPr>
           <a:xfrm>
             <a:off x="9180000" y="5130000"/>
-            <a:ext cx="715320" cy="535320"/>
+            <a:ext cx="714960" cy="534960"/>
           </a:xfrm>
           <a:prstGeom prst="rect">
             <a:avLst/>
@@ -8979,7 +8978,7 @@
               </a:lnSpc>
               <a:buNone/>
             </a:pPr>
-            <a:fld id="{F27FF1C5-6142-4646-AD04-9A4AF711E007}" type="slidenum">
+            <a:fld id="{52F11576-F6D4-4139-BC65-4B3E57D8FC98}" type="slidenum">
               <a:rPr b="1" lang="en-US" sz="1800" spc="-1" strike="noStrike">
                 <a:solidFill>
                   <a:srgbClr val="ffffff"/>
@@ -9008,7 +9007,7 @@
         <p:spPr>
           <a:xfrm>
             <a:off x="3420000" y="5400000"/>
-            <a:ext cx="3235320" cy="265320"/>
+            <a:ext cx="3234960" cy="264960"/>
           </a:xfrm>
           <a:prstGeom prst="rect">
             <a:avLst/>
@@ -9071,7 +9070,7 @@
         <p:spPr>
           <a:xfrm>
             <a:off x="360000" y="5400000"/>
-            <a:ext cx="2875320" cy="265320"/>
+            <a:ext cx="2874960" cy="264960"/>
           </a:xfrm>
           <a:prstGeom prst="rect">
             <a:avLst/>
@@ -9377,7 +9376,7 @@
         <p:spPr>
           <a:xfrm>
             <a:off x="0" y="5400000"/>
-            <a:ext cx="10075320" cy="265320"/>
+            <a:ext cx="10074960" cy="264960"/>
           </a:xfrm>
           <a:prstGeom prst="rect">
             <a:avLst/>
@@ -9405,7 +9404,7 @@
         <p:spPr>
           <a:xfrm>
             <a:off x="0" y="0"/>
-            <a:ext cx="10075320" cy="1210320"/>
+            <a:ext cx="10074960" cy="1209960"/>
           </a:xfrm>
           <a:prstGeom prst="rect">
             <a:avLst/>
@@ -9433,7 +9432,7 @@
         <p:spPr>
           <a:xfrm>
             <a:off x="9315000" y="5175000"/>
-            <a:ext cx="445320" cy="445320"/>
+            <a:ext cx="444960" cy="444960"/>
           </a:xfrm>
           <a:prstGeom prst="ellipse">
             <a:avLst/>
@@ -9464,7 +9463,7 @@
         <p:spPr>
           <a:xfrm>
             <a:off x="9180000" y="5130000"/>
-            <a:ext cx="715320" cy="535320"/>
+            <a:ext cx="714960" cy="534960"/>
           </a:xfrm>
           <a:prstGeom prst="rect">
             <a:avLst/>
@@ -9491,7 +9490,7 @@
               </a:lnSpc>
               <a:buNone/>
             </a:pPr>
-            <a:fld id="{B0702461-60EF-46BA-B460-DED72272D0F9}" type="slidenum">
+            <a:fld id="{5975FD8C-4392-4C32-8C03-EC37368D3F2B}" type="slidenum">
               <a:rPr b="1" lang="en-US" sz="1800" spc="-1" strike="noStrike">
                 <a:solidFill>
                   <a:srgbClr val="ffffff"/>
@@ -9560,7 +9559,7 @@
         <p:spPr>
           <a:xfrm>
             <a:off x="3420000" y="5400000"/>
-            <a:ext cx="3235320" cy="265320"/>
+            <a:ext cx="3234960" cy="264960"/>
           </a:xfrm>
           <a:prstGeom prst="rect">
             <a:avLst/>
@@ -9623,7 +9622,7 @@
         <p:spPr>
           <a:xfrm>
             <a:off x="360000" y="5400000"/>
-            <a:ext cx="2875320" cy="265320"/>
+            <a:ext cx="2874960" cy="264960"/>
           </a:xfrm>
           <a:prstGeom prst="rect">
             <a:avLst/>
@@ -9886,7 +9885,7 @@
         <p:spPr>
           <a:xfrm>
             <a:off x="0" y="5400000"/>
-            <a:ext cx="10075320" cy="265320"/>
+            <a:ext cx="10074960" cy="264960"/>
           </a:xfrm>
           <a:prstGeom prst="rect">
             <a:avLst/>
@@ -9914,7 +9913,7 @@
         <p:spPr>
           <a:xfrm>
             <a:off x="0" y="0"/>
-            <a:ext cx="10075320" cy="1210320"/>
+            <a:ext cx="10074960" cy="1209960"/>
           </a:xfrm>
           <a:prstGeom prst="rect">
             <a:avLst/>
@@ -9942,7 +9941,7 @@
         <p:spPr>
           <a:xfrm>
             <a:off x="9315000" y="5175000"/>
-            <a:ext cx="445320" cy="445320"/>
+            <a:ext cx="444960" cy="444960"/>
           </a:xfrm>
           <a:prstGeom prst="ellipse">
             <a:avLst/>
@@ -9973,7 +9972,7 @@
         <p:spPr>
           <a:xfrm>
             <a:off x="9180000" y="5130000"/>
-            <a:ext cx="715320" cy="535320"/>
+            <a:ext cx="714960" cy="534960"/>
           </a:xfrm>
           <a:prstGeom prst="rect">
             <a:avLst/>
@@ -10000,7 +9999,7 @@
               </a:lnSpc>
               <a:buNone/>
             </a:pPr>
-            <a:fld id="{5E463D46-AD1F-489A-9DEC-5A1DE215CEEB}" type="slidenum">
+            <a:fld id="{8A4026D2-8DAB-4978-8734-1BD9CEF1CE98}" type="slidenum">
               <a:rPr b="1" lang="en-US" sz="1800" spc="-1" strike="noStrike">
                 <a:solidFill>
                   <a:srgbClr val="ffffff"/>
@@ -10029,7 +10028,7 @@
         <p:spPr>
           <a:xfrm>
             <a:off x="3420000" y="5400000"/>
-            <a:ext cx="3235320" cy="265320"/>
+            <a:ext cx="3234960" cy="264960"/>
           </a:xfrm>
           <a:prstGeom prst="rect">
             <a:avLst/>
@@ -10092,7 +10091,7 @@
         <p:spPr>
           <a:xfrm>
             <a:off x="360000" y="5400000"/>
-            <a:ext cx="2875320" cy="265320"/>
+            <a:ext cx="2874960" cy="264960"/>
           </a:xfrm>
           <a:prstGeom prst="rect">
             <a:avLst/>
@@ -10402,7 +10401,7 @@
         <p:spPr>
           <a:xfrm>
             <a:off x="360000" y="225720"/>
-            <a:ext cx="9355320" cy="2741760"/>
+            <a:ext cx="9354960" cy="2741400"/>
           </a:xfrm>
           <a:prstGeom prst="rect">
             <a:avLst/>
@@ -10448,7 +10447,7 @@
         <p:spPr>
           <a:xfrm>
             <a:off x="504000" y="4071960"/>
-            <a:ext cx="9067680" cy="1181880"/>
+            <a:ext cx="9067320" cy="1181520"/>
           </a:xfrm>
           <a:prstGeom prst="rect">
             <a:avLst/>
@@ -10567,7 +10566,7 @@
         <p:spPr>
           <a:xfrm>
             <a:off x="360000" y="225720"/>
-            <a:ext cx="9355320" cy="714240"/>
+            <a:ext cx="9354960" cy="713880"/>
           </a:xfrm>
           <a:prstGeom prst="rect">
             <a:avLst/>
@@ -10616,7 +10615,7 @@
         <p:spPr>
           <a:xfrm>
             <a:off x="360000" y="1485000"/>
-            <a:ext cx="9355320" cy="3775320"/>
+            <a:ext cx="9354960" cy="3774960"/>
           </a:xfrm>
           <a:prstGeom prst="rect">
             <a:avLst/>
@@ -10628,7 +10627,7 @@
         </p:spPr>
         <p:txBody>
           <a:bodyPr lIns="0" rIns="0" tIns="0" bIns="0" anchor="t">
-            <a:normAutofit fontScale="78000"/>
+            <a:normAutofit fontScale="77000"/>
           </a:bodyPr>
           <a:p>
             <a:pPr marL="432000" indent="-324000">
@@ -10685,7 +10684,7 @@
               <a:rPr b="0" lang="en-US" sz="3200" spc="-1" strike="noStrike">
                 <a:latin typeface="Arial"/>
               </a:rPr>
-              <a:t>can be a part of.</a:t>
+              <a:t>can be in.</a:t>
             </a:r>
             <a:endParaRPr b="0" lang="en-US" sz="3200" spc="-1" strike="noStrike">
               <a:latin typeface="Arial"/>
@@ -10844,7 +10843,7 @@
         <p:spPr>
           <a:xfrm>
             <a:off x="360000" y="225720"/>
-            <a:ext cx="9355320" cy="714240"/>
+            <a:ext cx="9354960" cy="713880"/>
           </a:xfrm>
           <a:prstGeom prst="rect">
             <a:avLst/>
@@ -10893,7 +10892,7 @@
         <p:spPr>
           <a:xfrm>
             <a:off x="360000" y="1485000"/>
-            <a:ext cx="9355320" cy="3775320"/>
+            <a:ext cx="9354960" cy="3774960"/>
           </a:xfrm>
           <a:prstGeom prst="rect">
             <a:avLst/>
@@ -10905,7 +10904,7 @@
         </p:spPr>
         <p:txBody>
           <a:bodyPr lIns="0" rIns="0" tIns="0" bIns="0" anchor="t">
-            <a:normAutofit fontScale="54000"/>
+            <a:normAutofit fontScale="66000"/>
           </a:bodyPr>
           <a:p>
             <a:pPr marL="91440">
@@ -10918,7 +10917,7 @@
               <a:rPr b="0" lang="en-US" sz="3200" spc="-1" strike="noStrike">
                 <a:latin typeface="Arial"/>
               </a:rPr>
-              <a:t>The Picard Group is comprised of two parts:</a:t>
+              <a:t>The Picard Group is comprised of two parts, the Jacobian and the rank:</a:t>
             </a:r>
             <a:endParaRPr b="0" lang="en-US" sz="3200" spc="-1" strike="noStrike">
               <a:latin typeface="Arial"/>
@@ -10942,31 +10941,6 @@
             <a:r>
               <a:rPr b="0" lang="en-US" sz="3200" spc="-1" strike="noStrike">
                 <a:latin typeface="Arial"/>
-              </a:rPr>
-              <a:t>The Jacobian</a:t>
-            </a:r>
-            <a:endParaRPr b="0" lang="en-US" sz="3200" spc="-1" strike="noStrike">
-              <a:latin typeface="Arial"/>
-            </a:endParaRPr>
-          </a:p>
-          <a:p>
-            <a:pPr lvl="1" marL="864000" indent="-324000">
-              <a:lnSpc>
-                <a:spcPct val="100000"/>
-              </a:lnSpc>
-              <a:spcBef>
-                <a:spcPts val="1134"/>
-              </a:spcBef>
-              <a:buClr>
-                <a:srgbClr val="000000"/>
-              </a:buClr>
-              <a:buSzPct val="75000"/>
-              <a:buFont typeface="Symbol"/>
-              <a:buChar char=""/>
-            </a:pPr>
-            <a:r>
-              <a:rPr b="0" lang="en-US" sz="3200" spc="-1" strike="noStrike">
-                <a:latin typeface="Arial"/>
                 <a:ea typeface="Noto Sans CJK SC"/>
               </a:rPr>
               <a:t>The Jacobian itself is comprised of one or more invariant factors which are each in the form of </a:t>
@@ -10990,54 +10964,7 @@
                 <a:latin typeface="Arial"/>
                 <a:ea typeface="Noto Sans CJK SC"/>
               </a:rPr>
-              <a:t>. </a:t>
-            </a:r>
-            <a:r>
-              <a:rPr b="0" lang="en-US" sz="3200" spc="-1" strike="noStrike">
-                <a:latin typeface="Arial"/>
-                <a:ea typeface="Noto Sans CJK SC"/>
-              </a:rPr>
-              <a:t> With </a:t>
-            </a:r>
-            <a:r>
-              <a:rPr b="0" i="1" lang="en-US" sz="3200" spc="-1" strike="noStrike">
-                <a:latin typeface="Arial"/>
-                <a:ea typeface="Noto Sans CJK SC"/>
-              </a:rPr>
-              <a:t>x</a:t>
-            </a:r>
-            <a:r>
-              <a:rPr b="0" lang="en-US" sz="3200" spc="-1" strike="noStrike">
-                <a:latin typeface="Arial"/>
-                <a:ea typeface="Noto Sans CJK SC"/>
-              </a:rPr>
-              <a:t> representing the number of distinct basis equivalency classes.</a:t>
-            </a:r>
-            <a:endParaRPr b="0" lang="en-US" sz="3200" spc="-1" strike="noStrike">
-              <a:latin typeface="Arial"/>
-            </a:endParaRPr>
-          </a:p>
-          <a:p>
-            <a:pPr lvl="1" marL="864000" indent="-324000">
-              <a:lnSpc>
-                <a:spcPct val="100000"/>
-              </a:lnSpc>
-              <a:spcBef>
-                <a:spcPts val="1134"/>
-              </a:spcBef>
-              <a:buClr>
-                <a:srgbClr val="000000"/>
-              </a:buClr>
-              <a:buSzPct val="75000"/>
-              <a:buFont typeface="Symbol"/>
-              <a:buChar char=""/>
-            </a:pPr>
-            <a:r>
-              <a:rPr b="0" lang="en-US" sz="3200" spc="-1" strike="noStrike">
-                <a:latin typeface="Arial"/>
-                <a:ea typeface="Noto Sans CJK SC"/>
-              </a:rPr>
-              <a:t>Two invariant factors multiplied together represent a tuple.  These represent a graph state that is a combination of multiple classes combined together.</a:t>
+              <a:t>.</a:t>
             </a:r>
             <a:endParaRPr b="0" lang="en-US" sz="3200" spc="-1" strike="noStrike">
               <a:latin typeface="Arial"/>
@@ -11063,26 +10990,26 @@
                 <a:latin typeface="Arial"/>
                 <a:ea typeface="Noto Sans CJK SC"/>
               </a:rPr>
-              <a:t>The sets of integers represented by its rank</a:t>
+              <a:t>Two invariant factors multiplied together represent a tuple.  These represent a graph state that is a combination of multiple classes combined together.</a:t>
             </a:r>
             <a:endParaRPr b="0" lang="en-US" sz="3200" spc="-1" strike="noStrike">
               <a:latin typeface="Arial"/>
             </a:endParaRPr>
           </a:p>
           <a:p>
-            <a:pPr lvl="1" marL="864000" indent="-324000">
+            <a:pPr marL="432000" indent="-324000">
               <a:lnSpc>
                 <a:spcPct val="100000"/>
               </a:lnSpc>
               <a:spcBef>
-                <a:spcPts val="1134"/>
+                <a:spcPts val="1417"/>
               </a:spcBef>
               <a:buClr>
                 <a:srgbClr val="000000"/>
               </a:buClr>
-              <a:buSzPct val="75000"/>
-              <a:buFont typeface="Symbol"/>
-              <a:buChar char=""/>
+              <a:buSzPct val="45000"/>
+              <a:buFont typeface="Wingdings" charset="2"/>
+              <a:buChar char=""/>
             </a:pPr>
             <a:r>
               <a:rPr b="0" lang="en-US" sz="3200" spc="-1" strike="noStrike">
@@ -11117,7 +11044,7 @@
                 <a:latin typeface="Arial"/>
                 <a:ea typeface="Noto Sans CJK SC"/>
               </a:rPr>
-              <a:t>, representing the number of ways any number of chips can be distributed along classes represented by the Jacobian.  This tuple can represent the scaling up or down of the invariant factor(s) that make up the Jacobian</a:t>
+              <a:t>, representing the number of ways any number of chips can be distributed along classes represented by the Jacobian.</a:t>
             </a:r>
             <a:endParaRPr b="0" lang="en-US" sz="3200" spc="-1" strike="noStrike">
               <a:latin typeface="Arial"/>
@@ -11189,7 +11116,7 @@
         <p:spPr>
           <a:xfrm>
             <a:off x="360000" y="225720"/>
-            <a:ext cx="9355320" cy="714240"/>
+            <a:ext cx="9354960" cy="713880"/>
           </a:xfrm>
           <a:prstGeom prst="rect">
             <a:avLst/>
@@ -11250,7 +11177,7 @@
         <p:spPr>
           <a:xfrm>
             <a:off x="360000" y="1485000"/>
-            <a:ext cx="9355320" cy="3775320"/>
+            <a:ext cx="9354960" cy="3774960"/>
           </a:xfrm>
           <a:prstGeom prst="rect">
             <a:avLst/>
@@ -11262,7 +11189,7 @@
         </p:spPr>
         <p:txBody>
           <a:bodyPr lIns="0" rIns="0" tIns="0" bIns="0" anchor="t">
-            <a:normAutofit fontScale="69000"/>
+            <a:normAutofit fontScale="84000"/>
           </a:bodyPr>
           <a:p>
             <a:pPr marL="432000" indent="-324000">
@@ -11392,33 +11319,7 @@
                 <a:latin typeface="Arial"/>
                 <a:ea typeface="Noto Sans CJK SC"/>
               </a:rPr>
-              <a:t> (SNF) of a Laplacian is a matrix obtained from the Laplacian. While the Laplacian itself encodes information about lending or borrowing moves, the SNF encodes information about the Picard Group and the Jacobian in its diagonal elements.</a:t>
-            </a:r>
-            <a:endParaRPr b="0" lang="en-US" sz="3200" spc="-1" strike="noStrike">
-              <a:latin typeface="Arial"/>
-            </a:endParaRPr>
-          </a:p>
-          <a:p>
-            <a:pPr lvl="1" marL="864000" indent="-324000">
-              <a:lnSpc>
-                <a:spcPct val="100000"/>
-              </a:lnSpc>
-              <a:spcBef>
-                <a:spcPts val="1134"/>
-              </a:spcBef>
-              <a:buClr>
-                <a:srgbClr val="000000"/>
-              </a:buClr>
-              <a:buSzPct val="75000"/>
-              <a:buFont typeface="Symbol"/>
-              <a:buChar char=""/>
-            </a:pPr>
-            <a:r>
-              <a:rPr b="0" lang="en-US" sz="3200" spc="-1" strike="noStrike">
-                <a:latin typeface="Arial"/>
-                <a:ea typeface="Noto Sans CJK SC"/>
-              </a:rPr>
-              <a:t>Calculating the SNF allows us to know more information on the possible ways a game can be played out.</a:t>
+              <a:t> (SNF) of a Laplacian is a matrix obtained from the Laplacian. The SNF encodes information about the Picard Group in its diagonal elements.</a:t>
             </a:r>
             <a:endParaRPr b="0" lang="en-US" sz="3200" spc="-1" strike="noStrike">
               <a:latin typeface="Arial"/>
@@ -11469,7 +11370,7 @@
         <p:spPr>
           <a:xfrm>
             <a:off x="360000" y="225720"/>
-            <a:ext cx="9355320" cy="714240"/>
+            <a:ext cx="9354960" cy="713880"/>
           </a:xfrm>
           <a:prstGeom prst="rect">
             <a:avLst/>
@@ -11530,7 +11431,7 @@
         <p:spPr>
           <a:xfrm>
             <a:off x="457200" y="1744920"/>
-            <a:ext cx="1112040" cy="3052080"/>
+            <a:ext cx="1111680" cy="3051720"/>
           </a:xfrm>
           <a:prstGeom prst="rect">
             <a:avLst/>
@@ -11670,7 +11571,7 @@
         <p:spPr>
           <a:xfrm>
             <a:off x="1572840" y="1371600"/>
-            <a:ext cx="6195960" cy="2014920"/>
+            <a:ext cx="6195600" cy="2014560"/>
           </a:xfrm>
           <a:prstGeom prst="rect">
             <a:avLst/>
@@ -11693,7 +11594,7 @@
         <p:spPr>
           <a:xfrm>
             <a:off x="1572840" y="3390120"/>
-            <a:ext cx="6195960" cy="2014920"/>
+            <a:ext cx="6195600" cy="2014560"/>
           </a:xfrm>
           <a:prstGeom prst="rect">
             <a:avLst/>
@@ -11712,7 +11613,7 @@
         <p:spPr>
           <a:xfrm>
             <a:off x="7772400" y="1371600"/>
-            <a:ext cx="2282400" cy="3885120"/>
+            <a:ext cx="2282040" cy="3884760"/>
           </a:xfrm>
           <a:prstGeom prst="rect">
             <a:avLst/>
@@ -11929,7 +11830,7 @@
         <p:spPr>
           <a:xfrm>
             <a:off x="360000" y="225720"/>
-            <a:ext cx="9355320" cy="714240"/>
+            <a:ext cx="9354960" cy="713880"/>
           </a:xfrm>
           <a:prstGeom prst="rect">
             <a:avLst/>
@@ -11978,7 +11879,7 @@
         <p:spPr>
           <a:xfrm>
             <a:off x="228600" y="1279440"/>
-            <a:ext cx="2742120" cy="2056320"/>
+            <a:ext cx="2741760" cy="2055960"/>
           </a:xfrm>
           <a:prstGeom prst="rect">
             <a:avLst/>
@@ -12001,7 +11902,7 @@
         <p:spPr>
           <a:xfrm>
             <a:off x="228600" y="3336840"/>
-            <a:ext cx="2742120" cy="2056320"/>
+            <a:ext cx="2741760" cy="2055960"/>
           </a:xfrm>
           <a:prstGeom prst="rect">
             <a:avLst/>
@@ -12024,7 +11925,7 @@
         <p:spPr>
           <a:xfrm>
             <a:off x="3657600" y="1279440"/>
-            <a:ext cx="2742120" cy="2056320"/>
+            <a:ext cx="2741760" cy="2055960"/>
           </a:xfrm>
           <a:prstGeom prst="rect">
             <a:avLst/>
@@ -12047,7 +11948,7 @@
         <p:spPr>
           <a:xfrm>
             <a:off x="3657600" y="3336840"/>
-            <a:ext cx="2742120" cy="2056320"/>
+            <a:ext cx="2741760" cy="2055960"/>
           </a:xfrm>
           <a:prstGeom prst="rect">
             <a:avLst/>
@@ -12070,7 +11971,7 @@
         <p:spPr>
           <a:xfrm>
             <a:off x="6354000" y="1828800"/>
-            <a:ext cx="3474720" cy="2605680"/>
+            <a:ext cx="3474360" cy="2605320"/>
           </a:xfrm>
           <a:prstGeom prst="rect">
             <a:avLst/>
@@ -12089,7 +11990,7 @@
         <p:spPr>
           <a:xfrm>
             <a:off x="457200" y="1143000"/>
-            <a:ext cx="2284920" cy="345240"/>
+            <a:ext cx="2284560" cy="344880"/>
           </a:xfrm>
           <a:prstGeom prst="rect">
             <a:avLst/>
@@ -12141,7 +12042,7 @@
         <p:spPr>
           <a:xfrm>
             <a:off x="7086600" y="1711080"/>
-            <a:ext cx="2284920" cy="345240"/>
+            <a:ext cx="2284560" cy="344880"/>
           </a:xfrm>
           <a:prstGeom prst="rect">
             <a:avLst/>
@@ -12193,7 +12094,7 @@
         <p:spPr>
           <a:xfrm>
             <a:off x="3909240" y="3207600"/>
-            <a:ext cx="2284920" cy="345240"/>
+            <a:ext cx="2284560" cy="344880"/>
           </a:xfrm>
           <a:prstGeom prst="rect">
             <a:avLst/>
@@ -12245,7 +12146,7 @@
         <p:spPr>
           <a:xfrm>
             <a:off x="3886200" y="1143000"/>
-            <a:ext cx="2284920" cy="345240"/>
+            <a:ext cx="2284560" cy="344880"/>
           </a:xfrm>
           <a:prstGeom prst="rect">
             <a:avLst/>
@@ -12297,7 +12198,7 @@
         <p:spPr>
           <a:xfrm>
             <a:off x="457200" y="3200400"/>
-            <a:ext cx="2284920" cy="345240"/>
+            <a:ext cx="2284560" cy="344880"/>
           </a:xfrm>
           <a:prstGeom prst="rect">
             <a:avLst/>
@@ -12383,7 +12284,7 @@
         <p:spPr>
           <a:xfrm>
             <a:off x="360000" y="225720"/>
-            <a:ext cx="9355320" cy="714240"/>
+            <a:ext cx="9354960" cy="713880"/>
           </a:xfrm>
           <a:prstGeom prst="rect">
             <a:avLst/>
@@ -12411,223 +12312,9 @@
                 </a:solidFill>
                 <a:latin typeface="Arial"/>
               </a:rPr>
-              <a:t>Focused Graphs</a:t>
+              <a:t>Research</a:t>
             </a:r>
             <a:endParaRPr b="0" lang="en-US" sz="4400" spc="-1" strike="noStrike">
-              <a:latin typeface="Arial"/>
-            </a:endParaRPr>
-          </a:p>
-        </p:txBody>
-      </p:sp>
-      <p:sp>
-        <p:nvSpPr>
-          <p:cNvPr id="218" name="PlaceHolder 2"/>
-          <p:cNvSpPr>
-            <a:spLocks noGrp="1"/>
-          </p:cNvSpPr>
-          <p:nvPr>
-            <p:ph/>
-          </p:nvPr>
-        </p:nvSpPr>
-        <p:spPr>
-          <a:xfrm>
-            <a:off x="360000" y="1485000"/>
-            <a:ext cx="9355320" cy="3775320"/>
-          </a:xfrm>
-          <a:prstGeom prst="rect">
-            <a:avLst/>
-          </a:prstGeom>
-          <a:noFill/>
-          <a:ln w="0">
-            <a:noFill/>
-          </a:ln>
-        </p:spPr>
-        <p:txBody>
-          <a:bodyPr lIns="0" rIns="0" tIns="0" bIns="0" anchor="t">
-            <a:normAutofit fontScale="79000"/>
-          </a:bodyPr>
-          <a:p>
-            <a:pPr marL="432000" indent="-324000">
-              <a:lnSpc>
-                <a:spcPct val="100000"/>
-              </a:lnSpc>
-              <a:spcBef>
-                <a:spcPts val="1417"/>
-              </a:spcBef>
-              <a:buClr>
-                <a:srgbClr val="000000"/>
-              </a:buClr>
-              <a:buSzPct val="45000"/>
-              <a:buFont typeface="Wingdings" charset="2"/>
-              <a:buChar char=""/>
-            </a:pPr>
-            <a:r>
-              <a:rPr b="0" lang="en-US" sz="2400" spc="-1" strike="noStrike">
-                <a:latin typeface="Arial"/>
-              </a:rPr>
-              <a:t>A </a:t>
-            </a:r>
-            <a:r>
-              <a:rPr b="1" lang="en-US" sz="2400" spc="-1" strike="noStrike">
-                <a:latin typeface="Arial"/>
-              </a:rPr>
-              <a:t>Tree Graph</a:t>
-            </a:r>
-            <a:r>
-              <a:rPr b="0" lang="en-US" sz="2400" spc="-1" strike="noStrike">
-                <a:latin typeface="Arial"/>
-              </a:rPr>
-              <a:t> is a graph where there is only one path between vertices and contains no cycles.</a:t>
-            </a:r>
-            <a:endParaRPr b="0" lang="en-US" sz="2400" spc="-1" strike="noStrike">
-              <a:latin typeface="Arial"/>
-            </a:endParaRPr>
-          </a:p>
-          <a:p>
-            <a:pPr marL="432000" indent="-324000">
-              <a:lnSpc>
-                <a:spcPct val="100000"/>
-              </a:lnSpc>
-              <a:spcBef>
-                <a:spcPts val="1417"/>
-              </a:spcBef>
-              <a:buClr>
-                <a:srgbClr val="000000"/>
-              </a:buClr>
-              <a:buSzPct val="45000"/>
-              <a:buFont typeface="Wingdings" charset="2"/>
-              <a:buChar char=""/>
-            </a:pPr>
-            <a:r>
-              <a:rPr b="0" lang="en-US" sz="2400" spc="-1" strike="noStrike">
-                <a:latin typeface="Arial"/>
-              </a:rPr>
-              <a:t>A </a:t>
-            </a:r>
-            <a:r>
-              <a:rPr b="1" lang="en-US" sz="2400" spc="-1" strike="noStrike">
-                <a:latin typeface="Arial"/>
-              </a:rPr>
-              <a:t>Cycle Graph</a:t>
-            </a:r>
-            <a:r>
-              <a:rPr b="0" lang="en-US" sz="2400" spc="-1" strike="noStrike">
-                <a:latin typeface="Arial"/>
-              </a:rPr>
-              <a:t> is a graph that only has one cycle, or a line graph with another connection between the first and last vertices.</a:t>
-            </a:r>
-            <a:endParaRPr b="0" lang="en-US" sz="2400" spc="-1" strike="noStrike">
-              <a:latin typeface="Arial"/>
-            </a:endParaRPr>
-          </a:p>
-          <a:p>
-            <a:pPr marL="432000" indent="-324000">
-              <a:lnSpc>
-                <a:spcPct val="100000"/>
-              </a:lnSpc>
-              <a:spcBef>
-                <a:spcPts val="1417"/>
-              </a:spcBef>
-              <a:buClr>
-                <a:srgbClr val="000000"/>
-              </a:buClr>
-              <a:buSzPct val="45000"/>
-              <a:buFont typeface="Wingdings" charset="2"/>
-              <a:buChar char=""/>
-            </a:pPr>
-            <a:r>
-              <a:rPr b="0" lang="en-US" sz="2400" spc="-1" strike="noStrike">
-                <a:latin typeface="Arial"/>
-              </a:rPr>
-              <a:t>A </a:t>
-            </a:r>
-            <a:r>
-              <a:rPr b="1" lang="en-US" sz="2400" spc="-1" strike="noStrike">
-                <a:latin typeface="Arial"/>
-              </a:rPr>
-              <a:t>Pseudo-Tree Graph</a:t>
-            </a:r>
-            <a:r>
-              <a:rPr b="0" lang="en-US" sz="2400" spc="-1" strike="noStrike">
-                <a:latin typeface="Arial"/>
-              </a:rPr>
-              <a:t> is a combination of these two.  This graph is created by gluing a tree to one of the vertices of a cycle graph.</a:t>
-            </a:r>
-            <a:endParaRPr b="0" lang="en-US" sz="2400" spc="-1" strike="noStrike">
-              <a:latin typeface="Arial"/>
-            </a:endParaRPr>
-          </a:p>
-          <a:p>
-            <a:pPr marL="432000" indent="-324000">
-              <a:lnSpc>
-                <a:spcPct val="100000"/>
-              </a:lnSpc>
-              <a:spcBef>
-                <a:spcPts val="1417"/>
-              </a:spcBef>
-              <a:buClr>
-                <a:srgbClr val="000000"/>
-              </a:buClr>
-              <a:buSzPct val="45000"/>
-              <a:buFont typeface="Wingdings" charset="2"/>
-              <a:buChar char=""/>
-            </a:pPr>
-            <a:r>
-              <a:rPr b="0" lang="en-US" sz="2400" spc="-1" strike="noStrike">
-                <a:latin typeface="Arial"/>
-              </a:rPr>
-              <a:t>A </a:t>
-            </a:r>
-            <a:r>
-              <a:rPr b="1" lang="en-US" sz="2400" spc="-1" strike="noStrike">
-                <a:latin typeface="Arial"/>
-              </a:rPr>
-              <a:t>Wheel Graph</a:t>
-            </a:r>
-            <a:r>
-              <a:rPr b="0" lang="en-US" sz="2400" spc="-1" strike="noStrike">
-                <a:latin typeface="Arial"/>
-              </a:rPr>
-              <a:t> is a cycle graph with an added central vertex to which all others connect.</a:t>
-            </a:r>
-            <a:endParaRPr b="0" lang="en-US" sz="2400" spc="-1" strike="noStrike">
-              <a:latin typeface="Arial"/>
-            </a:endParaRPr>
-          </a:p>
-          <a:p>
-            <a:pPr marL="432000" indent="-324000">
-              <a:lnSpc>
-                <a:spcPct val="100000"/>
-              </a:lnSpc>
-              <a:spcBef>
-                <a:spcPts val="1417"/>
-              </a:spcBef>
-              <a:buClr>
-                <a:srgbClr val="000000"/>
-              </a:buClr>
-              <a:buSzPct val="45000"/>
-              <a:buFont typeface="Wingdings" charset="2"/>
-              <a:buChar char=""/>
-            </a:pPr>
-            <a:r>
-              <a:rPr b="0" lang="en-US" sz="2400" spc="-1" strike="noStrike">
-                <a:latin typeface="Arial"/>
-              </a:rPr>
-              <a:t>A </a:t>
-            </a:r>
-            <a:r>
-              <a:rPr b="1" lang="en-US" sz="2400" spc="-1" strike="noStrike">
-                <a:latin typeface="Arial"/>
-              </a:rPr>
-              <a:t>Multipartite Graph</a:t>
-            </a:r>
-            <a:r>
-              <a:rPr b="0" lang="en-US" sz="2400" spc="-1" strike="noStrike">
-                <a:latin typeface="Arial"/>
-              </a:rPr>
-              <a:t> is a graph made up of several groups of vertices in which their vertices have no connection to each other, but are each strongly connected to another such group.</a:t>
-            </a:r>
-            <a:endParaRPr b="0" lang="en-US" sz="2400" spc="-1" strike="noStrike">
               <a:latin typeface="Arial"/>
             </a:endParaRPr>
           </a:p>
@@ -12665,7 +12352,7 @@
       </p:grpSpPr>
       <p:sp>
         <p:nvSpPr>
-          <p:cNvPr id="219" name="PlaceHolder 1"/>
+          <p:cNvPr id="218" name="PlaceHolder 1"/>
           <p:cNvSpPr>
             <a:spLocks noGrp="1"/>
           </p:cNvSpPr>
@@ -12676,7 +12363,7 @@
         <p:spPr>
           <a:xfrm>
             <a:off x="360000" y="225720"/>
-            <a:ext cx="9355320" cy="714240"/>
+            <a:ext cx="9354960" cy="713880"/>
           </a:xfrm>
           <a:prstGeom prst="rect">
             <a:avLst/>
@@ -12704,9 +12391,88 @@
                 </a:solidFill>
                 <a:latin typeface="Arial"/>
               </a:rPr>
-              <a:t>Research</a:t>
+              <a:t>Objectives</a:t>
             </a:r>
             <a:endParaRPr b="0" lang="en-US" sz="4400" spc="-1" strike="noStrike">
+              <a:latin typeface="Arial"/>
+            </a:endParaRPr>
+          </a:p>
+        </p:txBody>
+      </p:sp>
+      <p:sp>
+        <p:nvSpPr>
+          <p:cNvPr id="219" name="PlaceHolder 2"/>
+          <p:cNvSpPr>
+            <a:spLocks noGrp="1"/>
+          </p:cNvSpPr>
+          <p:nvPr>
+            <p:ph/>
+          </p:nvPr>
+        </p:nvSpPr>
+        <p:spPr>
+          <a:xfrm>
+            <a:off x="360000" y="1485000"/>
+            <a:ext cx="9354960" cy="3774960"/>
+          </a:xfrm>
+          <a:prstGeom prst="rect">
+            <a:avLst/>
+          </a:prstGeom>
+          <a:noFill/>
+          <a:ln w="0">
+            <a:noFill/>
+          </a:ln>
+        </p:spPr>
+        <p:txBody>
+          <a:bodyPr lIns="0" rIns="0" tIns="0" bIns="0" anchor="t">
+            <a:normAutofit/>
+          </a:bodyPr>
+          <a:p>
+            <a:pPr marL="432000" indent="-324000">
+              <a:lnSpc>
+                <a:spcPct val="100000"/>
+              </a:lnSpc>
+              <a:spcBef>
+                <a:spcPts val="1417"/>
+              </a:spcBef>
+              <a:buClr>
+                <a:srgbClr val="000000"/>
+              </a:buClr>
+              <a:buSzPct val="45000"/>
+              <a:buFont typeface="Wingdings" charset="2"/>
+              <a:buChar char=""/>
+            </a:pPr>
+            <a:r>
+              <a:rPr b="0" lang="en-US" sz="2480" spc="-1" strike="noStrike">
+                <a:latin typeface="Arial"/>
+              </a:rPr>
+              <a:t>While chip firing games with undirected graphs are well studied and explored, the directed case has not received as much attention.</a:t>
+            </a:r>
+            <a:endParaRPr b="0" lang="en-US" sz="2480" spc="-1" strike="noStrike">
+              <a:latin typeface="Arial"/>
+            </a:endParaRPr>
+          </a:p>
+          <a:p>
+            <a:pPr marL="432000" indent="-324000">
+              <a:lnSpc>
+                <a:spcPct val="100000"/>
+              </a:lnSpc>
+              <a:spcBef>
+                <a:spcPts val="1417"/>
+              </a:spcBef>
+              <a:buClr>
+                <a:srgbClr val="000000"/>
+              </a:buClr>
+              <a:buSzPct val="45000"/>
+              <a:buFont typeface="Wingdings" charset="2"/>
+              <a:buChar char=""/>
+            </a:pPr>
+            <a:r>
+              <a:rPr b="0" lang="en-US" sz="2480" spc="-1" strike="noStrike">
+                <a:latin typeface="Arial"/>
+              </a:rPr>
+              <a:t>Our goal is to explore ways to calculate these directed graphs and to study their relationships with their undirected counterparts.</a:t>
+            </a:r>
+            <a:endParaRPr b="0" lang="en-US" sz="2480" spc="-1" strike="noStrike">
               <a:latin typeface="Arial"/>
             </a:endParaRPr>
           </a:p>
@@ -12755,7 +12521,7 @@
         <p:spPr>
           <a:xfrm>
             <a:off x="360000" y="225720"/>
-            <a:ext cx="9355320" cy="714240"/>
+            <a:ext cx="9354960" cy="713880"/>
           </a:xfrm>
           <a:prstGeom prst="rect">
             <a:avLst/>
@@ -12783,7 +12549,7 @@
                 </a:solidFill>
                 <a:latin typeface="Arial"/>
               </a:rPr>
-              <a:t>Objectives</a:t>
+              <a:t>Methods</a:t>
             </a:r>
             <a:endParaRPr b="0" lang="en-US" sz="4400" spc="-1" strike="noStrike">
               <a:latin typeface="Arial"/>
@@ -12804,7 +12570,7 @@
         <p:spPr>
           <a:xfrm>
             <a:off x="360000" y="1485000"/>
-            <a:ext cx="9355320" cy="3775320"/>
+            <a:ext cx="9354960" cy="3774960"/>
           </a:xfrm>
           <a:prstGeom prst="rect">
             <a:avLst/>
@@ -12837,7 +12603,7 @@
               <a:rPr b="0" lang="en-US" sz="2480" spc="-1" strike="noStrike">
                 <a:latin typeface="Arial"/>
               </a:rPr>
-              <a:t>While chip firing games with undirected graphs are well studied and explored, the directed case has not received as much attention.</a:t>
+              <a:t>By using our focused graphs as a guide, we conducted our research by looking for patterns within different configurations and graph sizes.</a:t>
             </a:r>
             <a:endParaRPr b="0" lang="en-US" sz="2480" spc="-1" strike="noStrike">
               <a:latin typeface="Arial"/>
@@ -12862,7 +12628,32 @@
               <a:rPr b="0" lang="en-US" sz="2480" spc="-1" strike="noStrike">
                 <a:latin typeface="Arial"/>
               </a:rPr>
-              <a:t>Our goal is to explore ways to calculate these directed graphs and to study their relationships with their undirected counterparts.</a:t>
+              <a:t>We then computed many examples of said configuration to see if our original guesses held up.</a:t>
+            </a:r>
+            <a:endParaRPr b="0" lang="en-US" sz="2480" spc="-1" strike="noStrike">
+              <a:latin typeface="Arial"/>
+            </a:endParaRPr>
+          </a:p>
+          <a:p>
+            <a:pPr marL="432000" indent="-324000">
+              <a:lnSpc>
+                <a:spcPct val="100000"/>
+              </a:lnSpc>
+              <a:spcBef>
+                <a:spcPts val="1417"/>
+              </a:spcBef>
+              <a:buClr>
+                <a:srgbClr val="000000"/>
+              </a:buClr>
+              <a:buSzPct val="45000"/>
+              <a:buFont typeface="Wingdings" charset="2"/>
+              <a:buChar char=""/>
+            </a:pPr>
+            <a:r>
+              <a:rPr b="0" lang="en-US" sz="2480" spc="-1" strike="noStrike">
+                <a:latin typeface="Arial"/>
+              </a:rPr>
+              <a:t>If that was the case, we then moved on to rigorously proving the conjectures that we could and adding even more computational results to those that we could not.</a:t>
             </a:r>
             <a:endParaRPr b="0" lang="en-US" sz="2480" spc="-1" strike="noStrike">
               <a:latin typeface="Arial"/>
@@ -12912,8 +12703,8 @@
         </p:nvSpPr>
         <p:spPr>
           <a:xfrm>
-            <a:off x="360000" y="225720"/>
-            <a:ext cx="9355320" cy="714240"/>
+            <a:off x="360000" y="-39960"/>
+            <a:ext cx="9354960" cy="1245600"/>
           </a:xfrm>
           <a:prstGeom prst="rect">
             <a:avLst/>
@@ -12941,7 +12732,7 @@
                 </a:solidFill>
                 <a:latin typeface="Arial"/>
               </a:rPr>
-              <a:t>Methods</a:t>
+              <a:t>Finding a Tree’s Picard Group</a:t>
             </a:r>
             <a:endParaRPr b="0" lang="en-US" sz="4400" spc="-1" strike="noStrike">
               <a:latin typeface="Arial"/>
@@ -12962,7 +12753,7 @@
         <p:spPr>
           <a:xfrm>
             <a:off x="360000" y="1485000"/>
-            <a:ext cx="9355320" cy="3775320"/>
+            <a:ext cx="9354960" cy="3774960"/>
           </a:xfrm>
           <a:prstGeom prst="rect">
             <a:avLst/>
@@ -12974,8 +12765,137 @@
         </p:spPr>
         <p:txBody>
           <a:bodyPr lIns="0" rIns="0" tIns="0" bIns="0" anchor="t">
-            <a:normAutofit/>
-          </a:bodyPr>
+            <a:normAutofit fontScale="66000"/>
+          </a:bodyPr>
+          <a:p>
+            <a:pPr marL="216000" indent="-216000">
+              <a:lnSpc>
+                <a:spcPct val="100000"/>
+              </a:lnSpc>
+              <a:spcBef>
+                <a:spcPts val="1417"/>
+              </a:spcBef>
+              <a:buClr>
+                <a:srgbClr val="000000"/>
+              </a:buClr>
+              <a:buSzPct val="45000"/>
+              <a:buFont typeface="Wingdings" charset="2"/>
+              <a:buChar char=""/>
+            </a:pPr>
+            <a:r>
+              <a:rPr b="0" lang="en-US" sz="3200" spc="-1" strike="noStrike">
+                <a:latin typeface="Arial"/>
+              </a:rPr>
+              <a:t>The Picard group is commonly written in the form </a:t>
+            </a:r>
+            <a:r>
+              <a:rPr b="0" i="1" lang="en-US" sz="3200" spc="-1" strike="noStrike">
+                <a:latin typeface="Arial"/>
+              </a:rPr>
+              <a:t>Pic(G) = Jac(G) x ℤ</a:t>
+            </a:r>
+            <a:r>
+              <a:rPr b="0" i="1" lang="en-US" sz="3200" spc="-1" strike="noStrike" baseline="33000">
+                <a:latin typeface="Arial"/>
+              </a:rPr>
+              <a:t>n</a:t>
+            </a:r>
+            <a:r>
+              <a:rPr b="0" lang="en-US" sz="3200" spc="-1" strike="noStrike">
+                <a:latin typeface="Arial"/>
+              </a:rPr>
+              <a:t>, where </a:t>
+            </a:r>
+            <a:r>
+              <a:rPr b="0" i="1" lang="en-US" sz="3200" spc="-1" strike="noStrike">
+                <a:latin typeface="Arial"/>
+              </a:rPr>
+              <a:t>n</a:t>
+            </a:r>
+            <a:r>
+              <a:rPr b="0" lang="en-US" sz="3200" spc="-1" strike="noStrike">
+                <a:latin typeface="Arial"/>
+              </a:rPr>
+              <a:t> is the rank of the Picard group.</a:t>
+            </a:r>
+            <a:endParaRPr b="0" lang="en-US" sz="3200" spc="-1" strike="noStrike">
+              <a:latin typeface="Arial"/>
+            </a:endParaRPr>
+          </a:p>
+          <a:p>
+            <a:pPr lvl="1" marL="864000" indent="-324000">
+              <a:lnSpc>
+                <a:spcPct val="100000"/>
+              </a:lnSpc>
+              <a:spcBef>
+                <a:spcPts val="1134"/>
+              </a:spcBef>
+              <a:buClr>
+                <a:srgbClr val="000000"/>
+              </a:buClr>
+              <a:buSzPct val="75000"/>
+              <a:buFont typeface="Symbol"/>
+              <a:buChar char=""/>
+            </a:pPr>
+            <a:r>
+              <a:rPr b="0" lang="en-US" sz="3200" spc="-1" strike="noStrike">
+                <a:solidFill>
+                  <a:srgbClr val="000000"/>
+                </a:solidFill>
+                <a:latin typeface="Arial"/>
+              </a:rPr>
+              <a:t>We have noticed that this rank for a tree graph can be easily calculated inductively.  Its rank can be determined by following two rules </a:t>
+            </a:r>
+            <a:r>
+              <a:rPr b="0" i="1" lang="en-US" sz="2200" spc="-1" strike="noStrike">
+                <a:solidFill>
+                  <a:srgbClr val="000000"/>
+                </a:solidFill>
+                <a:latin typeface="Arial"/>
+              </a:rPr>
+              <a:t>(thrm)</a:t>
+            </a:r>
+            <a:r>
+              <a:rPr b="0" lang="en-US" sz="3200" spc="-1" strike="noStrike">
+                <a:solidFill>
+                  <a:srgbClr val="000000"/>
+                </a:solidFill>
+                <a:latin typeface="Arial"/>
+              </a:rPr>
+              <a:t>.</a:t>
+            </a:r>
+            <a:endParaRPr b="0" lang="en-US" sz="3200" spc="-1" strike="noStrike">
+              <a:latin typeface="Arial"/>
+            </a:endParaRPr>
+          </a:p>
+          <a:p>
+            <a:pPr lvl="1" marL="864000" indent="-324000">
+              <a:lnSpc>
+                <a:spcPct val="100000"/>
+              </a:lnSpc>
+              <a:spcBef>
+                <a:spcPts val="1134"/>
+              </a:spcBef>
+              <a:buClr>
+                <a:srgbClr val="000000"/>
+              </a:buClr>
+              <a:buSzPct val="75000"/>
+              <a:buFont typeface="Symbol"/>
+              <a:buChar char=""/>
+            </a:pPr>
+            <a:r>
+              <a:rPr b="0" lang="en-US" sz="3200" spc="-1" strike="noStrike">
+                <a:solidFill>
+                  <a:srgbClr val="000000"/>
+                </a:solidFill>
+                <a:latin typeface="Arial"/>
+              </a:rPr>
+              <a:t>We can see that the rank of a tree corresponds to the number of terminal strong components of that tree.</a:t>
+            </a:r>
+            <a:endParaRPr b="0" lang="en-US" sz="3200" spc="-1" strike="noStrike">
+              <a:latin typeface="Arial"/>
+            </a:endParaRPr>
+          </a:p>
           <a:p>
             <a:pPr marL="432000" indent="-324000">
               <a:lnSpc>
@@ -12992,62 +12912,61 @@
               <a:buChar char=""/>
             </a:pPr>
             <a:r>
-              <a:rPr b="0" lang="en-US" sz="2480" spc="-1" strike="noStrike">
-                <a:latin typeface="Arial"/>
-              </a:rPr>
-              <a:t>By using our target graphs as a guide, we conducted our research by looking for patterns within different configurations and graph sizes.</a:t>
-            </a:r>
-            <a:endParaRPr b="0" lang="en-US" sz="2480" spc="-1" strike="noStrike">
-              <a:latin typeface="Arial"/>
-            </a:endParaRPr>
-          </a:p>
-          <a:p>
-            <a:pPr marL="432000" indent="-324000">
+              <a:rPr b="0" lang="en-US" sz="3200" spc="-1" strike="noStrike">
+                <a:solidFill>
+                  <a:srgbClr val="000000"/>
+                </a:solidFill>
+                <a:latin typeface="Arial"/>
+              </a:rPr>
+              <a:t>The Jacobian of a tree is relatively simple, it is always the trivial group </a:t>
+            </a:r>
+            <a:r>
+              <a:rPr b="0" i="1" lang="en-US" sz="2200" spc="-1" strike="noStrike">
+                <a:solidFill>
+                  <a:srgbClr val="000000"/>
+                </a:solidFill>
+                <a:latin typeface="Arial"/>
+              </a:rPr>
+              <a:t>(thrm)</a:t>
+            </a:r>
+            <a:r>
+              <a:rPr b="0" lang="en-US" sz="3200" spc="-1" strike="noStrike">
+                <a:solidFill>
+                  <a:srgbClr val="000000"/>
+                </a:solidFill>
+                <a:latin typeface="Arial"/>
+              </a:rPr>
+              <a:t>.</a:t>
+            </a:r>
+            <a:endParaRPr b="0" lang="en-US" sz="3200" spc="-1" strike="noStrike">
+              <a:latin typeface="Arial"/>
+            </a:endParaRPr>
+          </a:p>
+          <a:p>
+            <a:pPr lvl="1" marL="864000" indent="-324000">
               <a:lnSpc>
                 <a:spcPct val="100000"/>
               </a:lnSpc>
               <a:spcBef>
-                <a:spcPts val="1417"/>
+                <a:spcPts val="1134"/>
               </a:spcBef>
               <a:buClr>
                 <a:srgbClr val="000000"/>
               </a:buClr>
-              <a:buSzPct val="45000"/>
-              <a:buFont typeface="Wingdings" charset="2"/>
-              <a:buChar char=""/>
-            </a:pPr>
-            <a:r>
-              <a:rPr b="0" lang="en-US" sz="2480" spc="-1" strike="noStrike">
-                <a:latin typeface="Arial"/>
-              </a:rPr>
-              <a:t>We then computed many examples of said configuration to see if our original guesses held up.</a:t>
-            </a:r>
-            <a:endParaRPr b="0" lang="en-US" sz="2480" spc="-1" strike="noStrike">
-              <a:latin typeface="Arial"/>
-            </a:endParaRPr>
-          </a:p>
-          <a:p>
-            <a:pPr marL="432000" indent="-324000">
-              <a:lnSpc>
-                <a:spcPct val="100000"/>
-              </a:lnSpc>
-              <a:spcBef>
-                <a:spcPts val="1417"/>
-              </a:spcBef>
-              <a:buClr>
-                <a:srgbClr val="000000"/>
-              </a:buClr>
-              <a:buSzPct val="45000"/>
-              <a:buFont typeface="Wingdings" charset="2"/>
-              <a:buChar char=""/>
-            </a:pPr>
-            <a:r>
-              <a:rPr b="0" lang="en-US" sz="2480" spc="-1" strike="noStrike">
-                <a:latin typeface="Arial"/>
-              </a:rPr>
-              <a:t>If that was the case, we then moved on to rigorously proving the conjectures that we could and adding even more computational results to those that we could not.</a:t>
-            </a:r>
-            <a:endParaRPr b="0" lang="en-US" sz="2480" spc="-1" strike="noStrike">
+              <a:buSzPct val="75000"/>
+              <a:buFont typeface="Symbol"/>
+              <a:buChar char=""/>
+            </a:pPr>
+            <a:r>
+              <a:rPr b="0" lang="en-US" sz="3200" spc="-1" strike="noStrike">
+                <a:solidFill>
+                  <a:srgbClr val="000000"/>
+                </a:solidFill>
+                <a:latin typeface="Arial"/>
+              </a:rPr>
+              <a:t>This comes from the directed version of the matrix tree theorem, where the rank of a graph corresponds to the number of spanning trees.  This is one in the case of tree graphs.</a:t>
+            </a:r>
+            <a:endParaRPr b="0" lang="en-US" sz="3200" spc="-1" strike="noStrike">
               <a:latin typeface="Arial"/>
             </a:endParaRPr>
           </a:p>
@@ -13096,7 +13015,7 @@
         <p:spPr>
           <a:xfrm>
             <a:off x="360000" y="-39960"/>
-            <a:ext cx="9355320" cy="1245960"/>
+            <a:ext cx="9354960" cy="1245600"/>
           </a:xfrm>
           <a:prstGeom prst="rect">
             <a:avLst/>
@@ -13124,7 +13043,7 @@
                 </a:solidFill>
                 <a:latin typeface="Arial"/>
               </a:rPr>
-              <a:t>Finding a Tree’s Picard Group</a:t>
+              <a:t>Creating a Pseudo-Tree</a:t>
             </a:r>
             <a:endParaRPr b="0" lang="en-US" sz="4400" spc="-1" strike="noStrike">
               <a:latin typeface="Arial"/>
@@ -13145,7 +13064,7 @@
         <p:spPr>
           <a:xfrm>
             <a:off x="360000" y="1485000"/>
-            <a:ext cx="9355320" cy="3775320"/>
+            <a:ext cx="9465480" cy="3774960"/>
           </a:xfrm>
           <a:prstGeom prst="rect">
             <a:avLst/>
@@ -13157,137 +13076,8 @@
         </p:spPr>
         <p:txBody>
           <a:bodyPr lIns="0" rIns="0" tIns="0" bIns="0" anchor="t">
-            <a:normAutofit fontScale="66000"/>
-          </a:bodyPr>
-          <a:p>
-            <a:pPr marL="216000" indent="-216000">
-              <a:lnSpc>
-                <a:spcPct val="100000"/>
-              </a:lnSpc>
-              <a:spcBef>
-                <a:spcPts val="1417"/>
-              </a:spcBef>
-              <a:buClr>
-                <a:srgbClr val="000000"/>
-              </a:buClr>
-              <a:buSzPct val="45000"/>
-              <a:buFont typeface="Wingdings" charset="2"/>
-              <a:buChar char=""/>
-            </a:pPr>
-            <a:r>
-              <a:rPr b="0" lang="en-US" sz="3200" spc="-1" strike="noStrike">
-                <a:latin typeface="Arial"/>
-              </a:rPr>
-              <a:t>The Picard group is commonly written in the form </a:t>
-            </a:r>
-            <a:r>
-              <a:rPr b="0" i="1" lang="en-US" sz="3200" spc="-1" strike="noStrike">
-                <a:latin typeface="Arial"/>
-              </a:rPr>
-              <a:t>Pic(G) = Jac(G) x ℤ</a:t>
-            </a:r>
-            <a:r>
-              <a:rPr b="0" i="1" lang="en-US" sz="3200" spc="-1" strike="noStrike" baseline="33000">
-                <a:latin typeface="Arial"/>
-              </a:rPr>
-              <a:t>n</a:t>
-            </a:r>
-            <a:r>
-              <a:rPr b="0" lang="en-US" sz="3200" spc="-1" strike="noStrike">
-                <a:latin typeface="Arial"/>
-              </a:rPr>
-              <a:t>, where </a:t>
-            </a:r>
-            <a:r>
-              <a:rPr b="0" i="1" lang="en-US" sz="3200" spc="-1" strike="noStrike">
-                <a:latin typeface="Arial"/>
-              </a:rPr>
-              <a:t>n</a:t>
-            </a:r>
-            <a:r>
-              <a:rPr b="0" lang="en-US" sz="3200" spc="-1" strike="noStrike">
-                <a:latin typeface="Arial"/>
-              </a:rPr>
-              <a:t> is the rank of the Picard group.</a:t>
-            </a:r>
-            <a:endParaRPr b="0" lang="en-US" sz="3200" spc="-1" strike="noStrike">
-              <a:latin typeface="Arial"/>
-            </a:endParaRPr>
-          </a:p>
-          <a:p>
-            <a:pPr lvl="1" marL="864000" indent="-324000">
-              <a:lnSpc>
-                <a:spcPct val="100000"/>
-              </a:lnSpc>
-              <a:spcBef>
-                <a:spcPts val="1134"/>
-              </a:spcBef>
-              <a:buClr>
-                <a:srgbClr val="000000"/>
-              </a:buClr>
-              <a:buSzPct val="75000"/>
-              <a:buFont typeface="Symbol"/>
-              <a:buChar char=""/>
-            </a:pPr>
-            <a:r>
-              <a:rPr b="0" lang="en-US" sz="3200" spc="-1" strike="noStrike">
-                <a:solidFill>
-                  <a:srgbClr val="000000"/>
-                </a:solidFill>
-                <a:latin typeface="Arial"/>
-              </a:rPr>
-              <a:t>We have noticed that this rank for a tree graph can be easily calculated inductively.  Its rank can be determined by following two rules </a:t>
-            </a:r>
-            <a:r>
-              <a:rPr b="0" i="1" lang="en-US" sz="2200" spc="-1" strike="noStrike">
-                <a:solidFill>
-                  <a:srgbClr val="000000"/>
-                </a:solidFill>
-                <a:latin typeface="Arial"/>
-              </a:rPr>
-              <a:t>(thrm)</a:t>
-            </a:r>
-            <a:r>
-              <a:rPr b="0" lang="en-US" sz="3200" spc="-1" strike="noStrike">
-                <a:solidFill>
-                  <a:srgbClr val="000000"/>
-                </a:solidFill>
-                <a:latin typeface="Arial"/>
-              </a:rPr>
-              <a:t>.</a:t>
-            </a:r>
-            <a:endParaRPr b="0" lang="en-US" sz="3200" spc="-1" strike="noStrike">
-              <a:latin typeface="Arial"/>
-            </a:endParaRPr>
-          </a:p>
-          <a:p>
-            <a:pPr lvl="1" marL="864000" indent="-324000">
-              <a:lnSpc>
-                <a:spcPct val="100000"/>
-              </a:lnSpc>
-              <a:spcBef>
-                <a:spcPts val="1134"/>
-              </a:spcBef>
-              <a:buClr>
-                <a:srgbClr val="000000"/>
-              </a:buClr>
-              <a:buSzPct val="75000"/>
-              <a:buFont typeface="Symbol"/>
-              <a:buChar char=""/>
-            </a:pPr>
-            <a:r>
-              <a:rPr b="0" lang="en-US" sz="3200" spc="-1" strike="noStrike">
-                <a:solidFill>
-                  <a:srgbClr val="000000"/>
-                </a:solidFill>
-                <a:latin typeface="Arial"/>
-              </a:rPr>
-              <a:t>We can see that the rank of a tree corresponds to the number of terminal strong components of that tree.</a:t>
-            </a:r>
-            <a:endParaRPr b="0" lang="en-US" sz="3200" spc="-1" strike="noStrike">
-              <a:latin typeface="Arial"/>
-            </a:endParaRPr>
-          </a:p>
+            <a:normAutofit/>
+          </a:bodyPr>
           <a:p>
             <a:pPr marL="432000" indent="-324000">
               <a:lnSpc>
@@ -13304,61 +13094,104 @@
               <a:buChar char=""/>
             </a:pPr>
             <a:r>
-              <a:rPr b="0" lang="en-US" sz="3200" spc="-1" strike="noStrike">
+              <a:rPr b="0" lang="en-US" sz="2400" spc="-1" strike="noStrike">
                 <a:solidFill>
                   <a:srgbClr val="000000"/>
                 </a:solidFill>
                 <a:latin typeface="Arial"/>
-              </a:rPr>
-              <a:t>The Jacobian of a tree is relatively simple, it is always the trivial group </a:t>
-            </a:r>
-            <a:r>
-              <a:rPr b="0" i="1" lang="en-US" sz="2200" spc="-1" strike="noStrike">
-                <a:solidFill>
-                  <a:srgbClr val="000000"/>
-                </a:solidFill>
-                <a:latin typeface="Arial"/>
-              </a:rPr>
-              <a:t>(thrm)</a:t>
-            </a:r>
-            <a:r>
-              <a:rPr b="0" lang="en-US" sz="3200" spc="-1" strike="noStrike">
-                <a:solidFill>
-                  <a:srgbClr val="000000"/>
-                </a:solidFill>
-                <a:latin typeface="Arial"/>
-              </a:rPr>
-              <a:t>.</a:t>
-            </a:r>
-            <a:endParaRPr b="0" lang="en-US" sz="3200" spc="-1" strike="noStrike">
-              <a:latin typeface="Arial"/>
-            </a:endParaRPr>
-          </a:p>
-          <a:p>
-            <a:pPr lvl="1" marL="864000" indent="-324000">
+                <a:ea typeface="JetBrains Mono"/>
+              </a:rPr>
+              <a:t>A Pseudo-tree can be created by gluing a tree to a cycle graph in one of two ways.</a:t>
+            </a:r>
+            <a:endParaRPr b="0" lang="en-US" sz="2400" spc="-1" strike="noStrike">
+              <a:latin typeface="Arial"/>
+            </a:endParaRPr>
+          </a:p>
+          <a:p>
+            <a:pPr marL="432000" indent="-324000">
               <a:lnSpc>
                 <a:spcPct val="100000"/>
               </a:lnSpc>
               <a:spcBef>
-                <a:spcPts val="1134"/>
+                <a:spcPts val="1417"/>
               </a:spcBef>
               <a:buClr>
                 <a:srgbClr val="000000"/>
               </a:buClr>
-              <a:buSzPct val="75000"/>
-              <a:buFont typeface="Symbol"/>
-              <a:buChar char=""/>
-            </a:pPr>
-            <a:r>
-              <a:rPr b="0" lang="en-US" sz="3200" spc="-1" strike="noStrike">
+              <a:buSzPct val="45000"/>
+              <a:buFont typeface="Wingdings" charset="2"/>
+              <a:buChar char=""/>
+            </a:pPr>
+            <a:r>
+              <a:rPr b="0" lang="en-US" sz="2400" spc="-1" strike="noStrike">
                 <a:solidFill>
                   <a:srgbClr val="000000"/>
                 </a:solidFill>
                 <a:latin typeface="Arial"/>
-              </a:rPr>
-              <a:t>This comes from the directed version of the matrix tree theorem, where the rank of a graph corresponds to the number of spanning trees.  This is one in the case of tree graphs.</a:t>
-            </a:r>
-            <a:endParaRPr b="0" lang="en-US" sz="3200" spc="-1" strike="noStrike">
+                <a:ea typeface="JetBrains Mono"/>
+              </a:rPr>
+              <a:t>By Vertex – Here, whichever vertices will be glued together will be merged into one vertex.</a:t>
+            </a:r>
+            <a:endParaRPr b="0" lang="en-US" sz="2400" spc="-1" strike="noStrike">
+              <a:latin typeface="Arial"/>
+            </a:endParaRPr>
+          </a:p>
+          <a:p>
+            <a:pPr marL="432000" indent="-324000">
+              <a:lnSpc>
+                <a:spcPct val="100000"/>
+              </a:lnSpc>
+              <a:spcBef>
+                <a:spcPts val="1417"/>
+              </a:spcBef>
+              <a:buClr>
+                <a:srgbClr val="000000"/>
+              </a:buClr>
+              <a:buSzPct val="45000"/>
+              <a:buFont typeface="Wingdings" charset="2"/>
+              <a:buChar char=""/>
+            </a:pPr>
+            <a:r>
+              <a:rPr b="0" lang="en-US" sz="2400" spc="-1" strike="noStrike">
+                <a:solidFill>
+                  <a:srgbClr val="000000"/>
+                </a:solidFill>
+                <a:latin typeface="Arial"/>
+                <a:ea typeface="JetBrains Mono"/>
+              </a:rPr>
+              <a:t>By Edge – With this method, the two graphs are joined by an additional edge.  This helps to preserve the attributes of the original graphs into the resulting glues pseudo-tree, such as the Jacobian often being </a:t>
+            </a:r>
+            <a:r>
+              <a:rPr b="0" i="1" lang="en-US" sz="2400" spc="-1" strike="noStrike">
+                <a:solidFill>
+                  <a:srgbClr val="000000"/>
+                </a:solidFill>
+                <a:latin typeface="Arial"/>
+                <a:ea typeface="JetBrains Mono"/>
+              </a:rPr>
+              <a:t>Jac(cycle) x Jac(tree) </a:t>
+            </a:r>
+            <a:r>
+              <a:rPr b="0" i="1" lang="en-US" sz="1800" spc="-1" strike="noStrike">
+                <a:solidFill>
+                  <a:srgbClr val="000000"/>
+                </a:solidFill>
+                <a:latin typeface="Arial"/>
+                <a:ea typeface="Noto Sans CJK SC"/>
+              </a:rPr>
+              <a:t>(conj)</a:t>
+            </a:r>
+            <a:r>
+              <a:rPr b="0" lang="en-US" sz="2400" spc="-1" strike="noStrike">
+                <a:solidFill>
+                  <a:srgbClr val="000000"/>
+                </a:solidFill>
+                <a:latin typeface="Arial"/>
+                <a:ea typeface="JetBrains Mono"/>
+              </a:rPr>
+              <a:t>.</a:t>
+            </a:r>
+            <a:endParaRPr b="0" lang="en-US" sz="2400" spc="-1" strike="noStrike">
               <a:latin typeface="Arial"/>
             </a:endParaRPr>
           </a:p>
@@ -13407,7 +13240,7 @@
         <p:spPr>
           <a:xfrm>
             <a:off x="360000" y="225720"/>
-            <a:ext cx="9355320" cy="714240"/>
+            <a:ext cx="9354960" cy="713880"/>
           </a:xfrm>
           <a:prstGeom prst="rect">
             <a:avLst/>
@@ -13456,7 +13289,7 @@
         <p:spPr>
           <a:xfrm>
             <a:off x="360000" y="1485000"/>
-            <a:ext cx="9355320" cy="3775320"/>
+            <a:ext cx="9354960" cy="3774960"/>
           </a:xfrm>
           <a:prstGeom prst="rect">
             <a:avLst/>
@@ -13468,7 +13301,7 @@
         </p:spPr>
         <p:txBody>
           <a:bodyPr lIns="0" rIns="0" tIns="0" bIns="0" anchor="t">
-            <a:normAutofit fontScale="77000"/>
+            <a:normAutofit fontScale="85000"/>
           </a:bodyPr>
           <a:p>
             <a:pPr marL="432000" indent="-324000">
@@ -13539,7 +13372,7 @@
               <a:rPr b="0" lang="en-US" sz="3200" spc="-1" strike="noStrike">
                 <a:latin typeface="Arial"/>
               </a:rPr>
-              <a:t>The main area of study of this game is on its standard, undirected variant.  However, this game can also be played on directed graphs.</a:t>
+              <a:t>This game has directed and undirected variants.  The directed case has been studied much less.</a:t>
             </a:r>
             <a:endParaRPr b="0" lang="en-US" sz="3200" spc="-1" strike="noStrike">
               <a:latin typeface="Arial"/>
@@ -13564,7 +13397,7 @@
               <a:rPr b="0" lang="en-US" sz="3200" spc="-1" strike="noStrike">
                 <a:latin typeface="Arial"/>
               </a:rPr>
-              <a:t>Though this area has been comparatively less researched, we hope to change that through the patterns and techniques we have developed in our investigation.</a:t>
+              <a:t>We hope to change this through the patterns and techniques we have developed in our investigation.</a:t>
             </a:r>
             <a:endParaRPr b="0" lang="en-US" sz="3200" spc="-1" strike="noStrike">
               <a:latin typeface="Arial"/>
@@ -13615,7 +13448,7 @@
         <p:spPr>
           <a:xfrm>
             <a:off x="360000" y="-39960"/>
-            <a:ext cx="9355320" cy="1245960"/>
+            <a:ext cx="9354960" cy="1245600"/>
           </a:xfrm>
           <a:prstGeom prst="rect">
             <a:avLst/>
@@ -13643,7 +13476,7 @@
                 </a:solidFill>
                 <a:latin typeface="Arial"/>
               </a:rPr>
-              <a:t>Creating a Pseudo-Tree</a:t>
+              <a:t>Finding The Picard Group of a Cycle Graph</a:t>
             </a:r>
             <a:endParaRPr b="0" lang="en-US" sz="4400" spc="-1" strike="noStrike">
               <a:latin typeface="Arial"/>
@@ -13664,7 +13497,7 @@
         <p:spPr>
           <a:xfrm>
             <a:off x="360000" y="1485000"/>
-            <a:ext cx="9465840" cy="3775320"/>
+            <a:ext cx="9354960" cy="3774960"/>
           </a:xfrm>
           <a:prstGeom prst="rect">
             <a:avLst/>
@@ -13676,7 +13509,7 @@
         </p:spPr>
         <p:txBody>
           <a:bodyPr lIns="0" rIns="0" tIns="0" bIns="0" anchor="t">
-            <a:normAutofit/>
+            <a:normAutofit fontScale="78000"/>
           </a:bodyPr>
           <a:p>
             <a:pPr marL="432000" indent="-324000">
@@ -13694,16 +13527,16 @@
               <a:buChar char=""/>
             </a:pPr>
             <a:r>
-              <a:rPr b="0" lang="en-US" sz="2100" spc="-1" strike="noStrike">
+              <a:rPr b="0" lang="en-US" sz="3200" spc="-1" strike="noStrike">
                 <a:solidFill>
                   <a:srgbClr val="000000"/>
                 </a:solidFill>
                 <a:latin typeface="Arial"/>
-                <a:ea typeface="JetBrains Mono"/>
-              </a:rPr>
-              <a:t>A Pseudo-tree can be created by gluing a tree to a cycle graph in one of two ways.</a:t>
-            </a:r>
-            <a:endParaRPr b="0" lang="en-US" sz="2100" spc="-1" strike="noStrike">
+                <a:ea typeface="Noto Sans CJK SC"/>
+              </a:rPr>
+              <a:t>We find the rank of the Picard group of a cycle graph is similarly to that of a tree.</a:t>
+            </a:r>
+            <a:endParaRPr b="0" lang="en-US" sz="3200" spc="-1" strike="noStrike">
               <a:latin typeface="Arial"/>
             </a:endParaRPr>
           </a:p>
@@ -13723,16 +13556,106 @@
               <a:buChar char=""/>
             </a:pPr>
             <a:r>
-              <a:rPr b="0" lang="en-US" sz="2100" spc="-1" strike="noStrike">
+              <a:rPr b="0" lang="en-US" sz="3200" spc="-1" strike="noStrike">
                 <a:solidFill>
                   <a:srgbClr val="000000"/>
                 </a:solidFill>
                 <a:latin typeface="Arial"/>
-                <a:ea typeface="JetBrains Mono"/>
-              </a:rPr>
-              <a:t>By Vertex – Here, whichever vertices will be glued together will be merged into one vertex.  With this way of gluing, one vertex will be shared between the two glued graphs.</a:t>
-            </a:r>
-            <a:endParaRPr b="0" lang="en-US" sz="2100" spc="-1" strike="noStrike">
+                <a:ea typeface="Noto Sans CJK SC"/>
+              </a:rPr>
+              <a:t>We have proved that there is always some orientation of a cycle such that the Jacobian is trivial or </a:t>
+            </a:r>
+            <a:r>
+              <a:rPr b="0" i="1" lang="en-US" sz="3200" spc="-1" strike="noStrike">
+                <a:solidFill>
+                  <a:srgbClr val="000000"/>
+                </a:solidFill>
+                <a:latin typeface="Arial"/>
+                <a:ea typeface="Noto Sans CJK SC"/>
+              </a:rPr>
+              <a:t>ℤ</a:t>
+            </a:r>
+            <a:r>
+              <a:rPr b="0" i="1" lang="en-US" sz="3200" spc="-1" strike="noStrike" baseline="-8000">
+                <a:solidFill>
+                  <a:srgbClr val="000000"/>
+                </a:solidFill>
+                <a:latin typeface="Arial"/>
+                <a:ea typeface="Noto Sans CJK SC"/>
+              </a:rPr>
+              <a:t>k</a:t>
+            </a:r>
+            <a:r>
+              <a:rPr b="0" lang="en-US" sz="3200" spc="-1" strike="noStrike" baseline="-8000">
+                <a:solidFill>
+                  <a:srgbClr val="000000"/>
+                </a:solidFill>
+                <a:latin typeface="Arial"/>
+                <a:ea typeface="Noto Sans CJK SC"/>
+              </a:rPr>
+              <a:t> </a:t>
+            </a:r>
+            <a:r>
+              <a:rPr b="0" lang="en-US" sz="3200" spc="-1" strike="noStrike">
+                <a:solidFill>
+                  <a:srgbClr val="000000"/>
+                </a:solidFill>
+                <a:latin typeface="Arial"/>
+                <a:ea typeface="Noto Sans CJK SC"/>
+              </a:rPr>
+              <a:t>where </a:t>
+            </a:r>
+            <a:r>
+              <a:rPr b="0" i="1" lang="en-US" sz="3200" spc="-1" strike="noStrike">
+                <a:solidFill>
+                  <a:srgbClr val="000000"/>
+                </a:solidFill>
+                <a:latin typeface="Arial"/>
+                <a:ea typeface="Noto Sans CJK SC"/>
+              </a:rPr>
+              <a:t>k≤n</a:t>
+            </a:r>
+            <a:r>
+              <a:rPr b="0" lang="en-US" sz="3200" spc="-1" strike="noStrike">
+                <a:solidFill>
+                  <a:srgbClr val="000000"/>
+                </a:solidFill>
+                <a:latin typeface="Arial"/>
+                <a:ea typeface="Noto Sans CJK SC"/>
+              </a:rPr>
+              <a:t> when </a:t>
+            </a:r>
+            <a:r>
+              <a:rPr b="0" i="1" lang="en-US" sz="3200" spc="-1" strike="noStrike">
+                <a:solidFill>
+                  <a:srgbClr val="000000"/>
+                </a:solidFill>
+                <a:latin typeface="Arial"/>
+                <a:ea typeface="Noto Sans CJK SC"/>
+              </a:rPr>
+              <a:t>n≥3 </a:t>
+            </a:r>
+            <a:r>
+              <a:rPr b="0" i="1" lang="en-US" sz="2200" spc="-1" strike="noStrike">
+                <a:solidFill>
+                  <a:srgbClr val="000000"/>
+                </a:solidFill>
+                <a:latin typeface="Arial"/>
+                <a:ea typeface="Noto Sans CJK SC"/>
+              </a:rPr>
+              <a:t>(thrm)</a:t>
+            </a:r>
+            <a:r>
+              <a:rPr b="0" lang="en-US" sz="3200" spc="-1" strike="noStrike">
+                <a:solidFill>
+                  <a:srgbClr val="000000"/>
+                </a:solidFill>
+                <a:latin typeface="Arial"/>
+                <a:ea typeface="Noto Sans CJK SC"/>
+              </a:rPr>
+              <a:t>.</a:t>
+            </a:r>
+            <a:endParaRPr b="0" lang="en-US" sz="3200" spc="-1" strike="noStrike">
               <a:latin typeface="Arial"/>
             </a:endParaRPr>
           </a:p>
@@ -13752,46 +13675,175 @@
               <a:buChar char=""/>
             </a:pPr>
             <a:r>
-              <a:rPr b="0" lang="en-US" sz="2100" spc="-1" strike="noStrike">
+              <a:rPr b="0" lang="en-US" sz="3200" spc="-1" strike="noStrike">
                 <a:solidFill>
                   <a:srgbClr val="000000"/>
                 </a:solidFill>
                 <a:latin typeface="Arial"/>
-                <a:ea typeface="JetBrains Mono"/>
-              </a:rPr>
-              <a:t>By Edge – With this method, the two graphs are joined by an additional edge.  This helps to preserve the attributes of the original graphs into the resulting glues pseudo-tree, such as the Jacobian often being </a:t>
-            </a:r>
-            <a:r>
-              <a:rPr b="0" lang="en-US" sz="2100" spc="-1" strike="noStrike">
+                <a:ea typeface="Noto Sans CJK SC"/>
+              </a:rPr>
+              <a:t>We have been able to calculate the Jacobian for any arbitrary cycle graph (</a:t>
+            </a:r>
+            <a:r>
+              <a:rPr b="0" i="1" lang="en-US" sz="3200" spc="-1" strike="noStrike">
                 <a:solidFill>
                   <a:srgbClr val="000000"/>
                 </a:solidFill>
                 <a:latin typeface="Arial"/>
-                <a:ea typeface="JetBrains Mono"/>
-              </a:rPr>
-              <a:t>	</a:t>
-            </a:r>
-            <a:r>
-              <a:rPr b="0" i="1" lang="en-US" sz="2100" spc="-1" strike="noStrike">
+                <a:ea typeface="Noto Sans CJK SC"/>
+              </a:rPr>
+              <a:t>C</a:t>
+            </a:r>
+            <a:r>
+              <a:rPr b="0" i="1" lang="en-US" sz="3200" spc="-1" strike="noStrike" baseline="-8000">
                 <a:solidFill>
                   <a:srgbClr val="000000"/>
                 </a:solidFill>
                 <a:latin typeface="Arial"/>
-                <a:ea typeface="JetBrains Mono"/>
-              </a:rPr>
-              <a:t>Jac(cycle) x Jac(tree)</a:t>
-            </a:r>
-            <a:r>
-              <a:rPr b="0" lang="en-US" sz="2100" spc="-1" strike="noStrike">
+                <a:ea typeface="Noto Sans CJK SC"/>
+              </a:rPr>
+              <a:t>n</a:t>
+            </a:r>
+            <a:r>
+              <a:rPr b="0" lang="en-US" sz="3200" spc="-1" strike="noStrike">
                 <a:solidFill>
                   <a:srgbClr val="000000"/>
                 </a:solidFill>
                 <a:latin typeface="Arial"/>
-                <a:ea typeface="JetBrains Mono"/>
+                <a:ea typeface="Noto Sans CJK SC"/>
+              </a:rPr>
+              <a:t>) with two </a:t>
+            </a:r>
+            <a:r>
+              <a:rPr b="0" i="1" lang="en-US" sz="3200" spc="-1" strike="noStrike">
+                <a:solidFill>
+                  <a:srgbClr val="000000"/>
+                </a:solidFill>
+                <a:latin typeface="Arial"/>
+                <a:ea typeface="Noto Sans CJK SC"/>
+              </a:rPr>
+              <a:t>paths.</a:t>
+            </a:r>
+            <a:r>
+              <a:rPr b="0" lang="en-US" sz="3200" spc="-1" strike="noStrike">
+                <a:solidFill>
+                  <a:srgbClr val="000000"/>
+                </a:solidFill>
+                <a:latin typeface="Arial"/>
+                <a:ea typeface="Noto Sans CJK SC"/>
+              </a:rPr>
+              <a:t> </a:t>
+            </a:r>
+            <a:r>
+              <a:rPr b="0" i="1" lang="en-US" sz="2200" spc="-1" strike="noStrike">
+                <a:solidFill>
+                  <a:srgbClr val="000000"/>
+                </a:solidFill>
+                <a:latin typeface="Arial"/>
+                <a:ea typeface="Noto Sans CJK SC"/>
+              </a:rPr>
+              <a:t>(thrm)</a:t>
+            </a:r>
+            <a:r>
+              <a:rPr b="0" lang="en-US" sz="3200" spc="-1" strike="noStrike">
+                <a:solidFill>
+                  <a:srgbClr val="000000"/>
+                </a:solidFill>
+                <a:latin typeface="Arial"/>
+                <a:ea typeface="Noto Sans CJK SC"/>
               </a:rPr>
               <a:t>.</a:t>
             </a:r>
-            <a:endParaRPr b="0" lang="en-US" sz="2100" spc="-1" strike="noStrike">
+            <a:endParaRPr b="0" lang="en-US" sz="3200" spc="-1" strike="noStrike">
+              <a:latin typeface="Arial"/>
+            </a:endParaRPr>
+          </a:p>
+          <a:p>
+            <a:pPr lvl="1" marL="864000" indent="-324000">
+              <a:lnSpc>
+                <a:spcPct val="100000"/>
+              </a:lnSpc>
+              <a:spcBef>
+                <a:spcPts val="1134"/>
+              </a:spcBef>
+              <a:buClr>
+                <a:srgbClr val="000000"/>
+              </a:buClr>
+              <a:buSzPct val="75000"/>
+              <a:buFont typeface="Symbol"/>
+              <a:buChar char=""/>
+            </a:pPr>
+            <a:r>
+              <a:rPr b="0" lang="en-US" sz="3200" spc="-1" strike="noStrike">
+                <a:solidFill>
+                  <a:srgbClr val="000000"/>
+                </a:solidFill>
+                <a:latin typeface="Arial"/>
+                <a:ea typeface="Noto Sans CJK SC"/>
+              </a:rPr>
+              <a:t>For these graphs, the Jacobian is </a:t>
+            </a:r>
+            <a:r>
+              <a:rPr b="0" i="1" lang="en-US" sz="3200" spc="-1" strike="noStrike">
+                <a:solidFill>
+                  <a:srgbClr val="000000"/>
+                </a:solidFill>
+                <a:latin typeface="Arial"/>
+                <a:ea typeface="Noto Sans CJK SC"/>
+              </a:rPr>
+              <a:t>ℤ</a:t>
+            </a:r>
+            <a:r>
+              <a:rPr b="0" i="1" lang="en-US" sz="3200" spc="-1" strike="noStrike" baseline="-8000">
+                <a:solidFill>
+                  <a:srgbClr val="000000"/>
+                </a:solidFill>
+                <a:latin typeface="Arial"/>
+                <a:ea typeface="Noto Sans CJK SC"/>
+              </a:rPr>
+              <a:t>(x+2)</a:t>
+            </a:r>
+            <a:r>
+              <a:rPr b="0" i="1" lang="en-US" sz="3200" spc="-1" strike="noStrike">
+                <a:solidFill>
+                  <a:srgbClr val="000000"/>
+                </a:solidFill>
+                <a:latin typeface="Arial"/>
+                <a:ea typeface="Noto Sans CJK SC"/>
+              </a:rPr>
+              <a:t> </a:t>
+            </a:r>
+            <a:r>
+              <a:rPr b="0" lang="en-US" sz="3200" spc="-1" strike="noStrike">
+                <a:solidFill>
+                  <a:srgbClr val="000000"/>
+                </a:solidFill>
+                <a:latin typeface="Arial"/>
+                <a:ea typeface="Noto Sans CJK SC"/>
+              </a:rPr>
+              <a:t>where</a:t>
+            </a:r>
+            <a:r>
+              <a:rPr b="0" i="1" lang="en-US" sz="3200" spc="-1" strike="noStrike">
+                <a:solidFill>
+                  <a:srgbClr val="000000"/>
+                </a:solidFill>
+                <a:latin typeface="Arial"/>
+                <a:ea typeface="Noto Sans CJK SC"/>
+              </a:rPr>
+              <a:t> x</a:t>
+            </a:r>
+            <a:r>
+              <a:rPr b="0" lang="en-US" sz="3200" spc="-1" strike="noStrike">
+                <a:solidFill>
+                  <a:srgbClr val="000000"/>
+                </a:solidFill>
+                <a:latin typeface="Arial"/>
+                <a:ea typeface="Noto Sans CJK SC"/>
+              </a:rPr>
+              <a:t> is the number of bidirectional edges on one side of the paths.</a:t>
+            </a:r>
+            <a:endParaRPr b="0" lang="en-US" sz="3200" spc="-1" strike="noStrike">
               <a:latin typeface="Arial"/>
             </a:endParaRPr>
           </a:p>
@@ -13839,8 +13891,8 @@
         </p:nvSpPr>
         <p:spPr>
           <a:xfrm>
-            <a:off x="360000" y="-39960"/>
-            <a:ext cx="9355320" cy="1245960"/>
+            <a:off x="360000" y="225720"/>
+            <a:ext cx="9354960" cy="713880"/>
           </a:xfrm>
           <a:prstGeom prst="rect">
             <a:avLst/>
@@ -13868,450 +13920,6 @@
                 </a:solidFill>
                 <a:latin typeface="Arial"/>
               </a:rPr>
-              <a:t>Finding The Picard Group of a Cycle Graph</a:t>
-            </a:r>
-            <a:endParaRPr b="0" lang="en-US" sz="4400" spc="-1" strike="noStrike">
-              <a:latin typeface="Arial"/>
-            </a:endParaRPr>
-          </a:p>
-        </p:txBody>
-      </p:sp>
-      <p:sp>
-        <p:nvSpPr>
-          <p:cNvPr id="229" name="PlaceHolder 2"/>
-          <p:cNvSpPr>
-            <a:spLocks noGrp="1"/>
-          </p:cNvSpPr>
-          <p:nvPr>
-            <p:ph/>
-          </p:nvPr>
-        </p:nvSpPr>
-        <p:spPr>
-          <a:xfrm>
-            <a:off x="360000" y="1485000"/>
-            <a:ext cx="9355320" cy="3775320"/>
-          </a:xfrm>
-          <a:prstGeom prst="rect">
-            <a:avLst/>
-          </a:prstGeom>
-          <a:noFill/>
-          <a:ln w="0">
-            <a:noFill/>
-          </a:ln>
-        </p:spPr>
-        <p:txBody>
-          <a:bodyPr lIns="0" rIns="0" tIns="0" bIns="0" anchor="t">
-            <a:normAutofit fontScale="78000"/>
-          </a:bodyPr>
-          <a:p>
-            <a:pPr marL="432000" indent="-324000">
-              <a:lnSpc>
-                <a:spcPct val="100000"/>
-              </a:lnSpc>
-              <a:spcBef>
-                <a:spcPts val="1417"/>
-              </a:spcBef>
-              <a:buClr>
-                <a:srgbClr val="000000"/>
-              </a:buClr>
-              <a:buSzPct val="45000"/>
-              <a:buFont typeface="Wingdings" charset="2"/>
-              <a:buChar char=""/>
-            </a:pPr>
-            <a:r>
-              <a:rPr b="0" lang="en-US" sz="3200" spc="-1" strike="noStrike">
-                <a:solidFill>
-                  <a:srgbClr val="000000"/>
-                </a:solidFill>
-                <a:latin typeface="Arial"/>
-                <a:ea typeface="Noto Sans CJK SC"/>
-              </a:rPr>
-              <a:t>The rank of the Picard group of a cycle graph is similar to that of a tree.</a:t>
-            </a:r>
-            <a:endParaRPr b="0" lang="en-US" sz="3200" spc="-1" strike="noStrike">
-              <a:latin typeface="Arial"/>
-            </a:endParaRPr>
-          </a:p>
-          <a:p>
-            <a:pPr marL="432000" indent="-324000">
-              <a:lnSpc>
-                <a:spcPct val="100000"/>
-              </a:lnSpc>
-              <a:spcBef>
-                <a:spcPts val="1417"/>
-              </a:spcBef>
-              <a:buClr>
-                <a:srgbClr val="000000"/>
-              </a:buClr>
-              <a:buSzPct val="45000"/>
-              <a:buFont typeface="Wingdings" charset="2"/>
-              <a:buChar char=""/>
-            </a:pPr>
-            <a:r>
-              <a:rPr b="0" lang="en-US" sz="3200" spc="-1" strike="noStrike">
-                <a:solidFill>
-                  <a:srgbClr val="000000"/>
-                </a:solidFill>
-                <a:latin typeface="Arial"/>
-                <a:ea typeface="Noto Sans CJK SC"/>
-              </a:rPr>
-              <a:t>We have proved that there is always some orientation of a cycle such that the Jacobian is trivial or </a:t>
-            </a:r>
-            <a:r>
-              <a:rPr b="0" i="1" lang="en-US" sz="3200" spc="-1" strike="noStrike">
-                <a:solidFill>
-                  <a:srgbClr val="000000"/>
-                </a:solidFill>
-                <a:latin typeface="Arial"/>
-                <a:ea typeface="Noto Sans CJK SC"/>
-              </a:rPr>
-              <a:t>ℤ</a:t>
-            </a:r>
-            <a:r>
-              <a:rPr b="0" i="1" lang="en-US" sz="3200" spc="-1" strike="noStrike" baseline="-8000">
-                <a:solidFill>
-                  <a:srgbClr val="000000"/>
-                </a:solidFill>
-                <a:latin typeface="Arial"/>
-                <a:ea typeface="Noto Sans CJK SC"/>
-              </a:rPr>
-              <a:t>k</a:t>
-            </a:r>
-            <a:r>
-              <a:rPr b="0" lang="en-US" sz="3200" spc="-1" strike="noStrike" baseline="-8000">
-                <a:solidFill>
-                  <a:srgbClr val="000000"/>
-                </a:solidFill>
-                <a:latin typeface="Arial"/>
-                <a:ea typeface="Noto Sans CJK SC"/>
-              </a:rPr>
-              <a:t> </a:t>
-            </a:r>
-            <a:r>
-              <a:rPr b="0" lang="en-US" sz="3200" spc="-1" strike="noStrike">
-                <a:solidFill>
-                  <a:srgbClr val="000000"/>
-                </a:solidFill>
-                <a:latin typeface="Arial"/>
-                <a:ea typeface="Noto Sans CJK SC"/>
-              </a:rPr>
-              <a:t>where </a:t>
-            </a:r>
-            <a:r>
-              <a:rPr b="0" i="1" lang="en-US" sz="3200" spc="-1" strike="noStrike">
-                <a:solidFill>
-                  <a:srgbClr val="000000"/>
-                </a:solidFill>
-                <a:latin typeface="Arial"/>
-                <a:ea typeface="Noto Sans CJK SC"/>
-              </a:rPr>
-              <a:t>k≤n</a:t>
-            </a:r>
-            <a:r>
-              <a:rPr b="0" lang="en-US" sz="3200" spc="-1" strike="noStrike">
-                <a:solidFill>
-                  <a:srgbClr val="000000"/>
-                </a:solidFill>
-                <a:latin typeface="Arial"/>
-                <a:ea typeface="Noto Sans CJK SC"/>
-              </a:rPr>
-              <a:t> when </a:t>
-            </a:r>
-            <a:r>
-              <a:rPr b="0" i="1" lang="en-US" sz="3200" spc="-1" strike="noStrike">
-                <a:solidFill>
-                  <a:srgbClr val="000000"/>
-                </a:solidFill>
-                <a:latin typeface="Arial"/>
-                <a:ea typeface="Noto Sans CJK SC"/>
-              </a:rPr>
-              <a:t>n≥3 </a:t>
-            </a:r>
-            <a:r>
-              <a:rPr b="0" i="1" lang="en-US" sz="2200" spc="-1" strike="noStrike">
-                <a:solidFill>
-                  <a:srgbClr val="000000"/>
-                </a:solidFill>
-                <a:latin typeface="Arial"/>
-                <a:ea typeface="Noto Sans CJK SC"/>
-              </a:rPr>
-              <a:t>(thrm)</a:t>
-            </a:r>
-            <a:r>
-              <a:rPr b="0" lang="en-US" sz="3200" spc="-1" strike="noStrike">
-                <a:solidFill>
-                  <a:srgbClr val="000000"/>
-                </a:solidFill>
-                <a:latin typeface="Arial"/>
-                <a:ea typeface="Noto Sans CJK SC"/>
-              </a:rPr>
-              <a:t>.</a:t>
-            </a:r>
-            <a:endParaRPr b="0" lang="en-US" sz="3200" spc="-1" strike="noStrike">
-              <a:latin typeface="Arial"/>
-            </a:endParaRPr>
-          </a:p>
-          <a:p>
-            <a:pPr marL="432000" indent="-324000">
-              <a:lnSpc>
-                <a:spcPct val="100000"/>
-              </a:lnSpc>
-              <a:spcBef>
-                <a:spcPts val="1417"/>
-              </a:spcBef>
-              <a:buClr>
-                <a:srgbClr val="000000"/>
-              </a:buClr>
-              <a:buSzPct val="45000"/>
-              <a:buFont typeface="Wingdings" charset="2"/>
-              <a:buChar char=""/>
-            </a:pPr>
-            <a:r>
-              <a:rPr b="0" lang="en-US" sz="3200" spc="-1" strike="noStrike">
-                <a:solidFill>
-                  <a:srgbClr val="000000"/>
-                </a:solidFill>
-                <a:latin typeface="Arial"/>
-                <a:ea typeface="Noto Sans CJK SC"/>
-              </a:rPr>
-              <a:t>Additionally, we have been able to calculate the Jacobian for any arbitrary cycle graph (</a:t>
-            </a:r>
-            <a:r>
-              <a:rPr b="0" i="1" lang="en-US" sz="3200" spc="-1" strike="noStrike">
-                <a:solidFill>
-                  <a:srgbClr val="000000"/>
-                </a:solidFill>
-                <a:latin typeface="Arial"/>
-                <a:ea typeface="Noto Sans CJK SC"/>
-              </a:rPr>
-              <a:t>C</a:t>
-            </a:r>
-            <a:r>
-              <a:rPr b="0" i="1" lang="en-US" sz="3200" spc="-1" strike="noStrike" baseline="-8000">
-                <a:solidFill>
-                  <a:srgbClr val="000000"/>
-                </a:solidFill>
-                <a:latin typeface="Arial"/>
-                <a:ea typeface="Noto Sans CJK SC"/>
-              </a:rPr>
-              <a:t>n</a:t>
-            </a:r>
-            <a:r>
-              <a:rPr b="0" lang="en-US" sz="3200" spc="-1" strike="noStrike">
-                <a:solidFill>
-                  <a:srgbClr val="000000"/>
-                </a:solidFill>
-                <a:latin typeface="Arial"/>
-                <a:ea typeface="Noto Sans CJK SC"/>
-              </a:rPr>
-              <a:t>) with two </a:t>
-            </a:r>
-            <a:r>
-              <a:rPr b="0" i="1" lang="en-US" sz="3200" spc="-1" strike="noStrike">
-                <a:solidFill>
-                  <a:srgbClr val="000000"/>
-                </a:solidFill>
-                <a:latin typeface="Arial"/>
-                <a:ea typeface="Noto Sans CJK SC"/>
-              </a:rPr>
-              <a:t>paths.</a:t>
-            </a:r>
-            <a:r>
-              <a:rPr b="0" lang="en-US" sz="3200" spc="-1" strike="noStrike">
-                <a:solidFill>
-                  <a:srgbClr val="000000"/>
-                </a:solidFill>
-                <a:latin typeface="Arial"/>
-                <a:ea typeface="Noto Sans CJK SC"/>
-              </a:rPr>
-              <a:t> </a:t>
-            </a:r>
-            <a:r>
-              <a:rPr b="0" i="1" lang="en-US" sz="2200" spc="-1" strike="noStrike">
-                <a:solidFill>
-                  <a:srgbClr val="000000"/>
-                </a:solidFill>
-                <a:latin typeface="Arial"/>
-                <a:ea typeface="Noto Sans CJK SC"/>
-              </a:rPr>
-              <a:t>(thrm)</a:t>
-            </a:r>
-            <a:r>
-              <a:rPr b="0" lang="en-US" sz="3200" spc="-1" strike="noStrike">
-                <a:solidFill>
-                  <a:srgbClr val="000000"/>
-                </a:solidFill>
-                <a:latin typeface="Arial"/>
-                <a:ea typeface="Noto Sans CJK SC"/>
-              </a:rPr>
-              <a:t>.</a:t>
-            </a:r>
-            <a:endParaRPr b="0" lang="en-US" sz="3200" spc="-1" strike="noStrike">
-              <a:latin typeface="Arial"/>
-            </a:endParaRPr>
-          </a:p>
-          <a:p>
-            <a:pPr lvl="1" marL="864000" indent="-324000">
-              <a:lnSpc>
-                <a:spcPct val="100000"/>
-              </a:lnSpc>
-              <a:spcBef>
-                <a:spcPts val="1134"/>
-              </a:spcBef>
-              <a:buClr>
-                <a:srgbClr val="000000"/>
-              </a:buClr>
-              <a:buSzPct val="75000"/>
-              <a:buFont typeface="Symbol"/>
-              <a:buChar char=""/>
-            </a:pPr>
-            <a:r>
-              <a:rPr b="0" lang="en-US" sz="3200" spc="-1" strike="noStrike">
-                <a:solidFill>
-                  <a:srgbClr val="000000"/>
-                </a:solidFill>
-                <a:latin typeface="Arial"/>
-                <a:ea typeface="Noto Sans CJK SC"/>
-              </a:rPr>
-              <a:t>For these graphs, the Jacobian is </a:t>
-            </a:r>
-            <a:r>
-              <a:rPr b="0" i="1" lang="en-US" sz="3200" spc="-1" strike="noStrike">
-                <a:solidFill>
-                  <a:srgbClr val="000000"/>
-                </a:solidFill>
-                <a:latin typeface="Arial"/>
-                <a:ea typeface="Noto Sans CJK SC"/>
-              </a:rPr>
-              <a:t>ℤ</a:t>
-            </a:r>
-            <a:r>
-              <a:rPr b="0" i="1" lang="en-US" sz="3200" spc="-1" strike="noStrike" baseline="-8000">
-                <a:solidFill>
-                  <a:srgbClr val="000000"/>
-                </a:solidFill>
-                <a:latin typeface="Arial"/>
-                <a:ea typeface="Noto Sans CJK SC"/>
-              </a:rPr>
-              <a:t>(x+2)</a:t>
-            </a:r>
-            <a:r>
-              <a:rPr b="0" i="1" lang="en-US" sz="3200" spc="-1" strike="noStrike">
-                <a:solidFill>
-                  <a:srgbClr val="000000"/>
-                </a:solidFill>
-                <a:latin typeface="Arial"/>
-                <a:ea typeface="Noto Sans CJK SC"/>
-              </a:rPr>
-              <a:t> </a:t>
-            </a:r>
-            <a:r>
-              <a:rPr b="0" lang="en-US" sz="3200" spc="-1" strike="noStrike">
-                <a:solidFill>
-                  <a:srgbClr val="000000"/>
-                </a:solidFill>
-                <a:latin typeface="Arial"/>
-                <a:ea typeface="Noto Sans CJK SC"/>
-              </a:rPr>
-              <a:t>where</a:t>
-            </a:r>
-            <a:r>
-              <a:rPr b="0" i="1" lang="en-US" sz="3200" spc="-1" strike="noStrike">
-                <a:solidFill>
-                  <a:srgbClr val="000000"/>
-                </a:solidFill>
-                <a:latin typeface="Arial"/>
-                <a:ea typeface="Noto Sans CJK SC"/>
-              </a:rPr>
-              <a:t> x</a:t>
-            </a:r>
-            <a:r>
-              <a:rPr b="0" lang="en-US" sz="3200" spc="-1" strike="noStrike">
-                <a:solidFill>
-                  <a:srgbClr val="000000"/>
-                </a:solidFill>
-                <a:latin typeface="Arial"/>
-                <a:ea typeface="Noto Sans CJK SC"/>
-              </a:rPr>
-              <a:t> is the number of bidirectional edges on one side of the paths.</a:t>
-            </a:r>
-            <a:endParaRPr b="0" lang="en-US" sz="3200" spc="-1" strike="noStrike">
-              <a:latin typeface="Arial"/>
-            </a:endParaRPr>
-          </a:p>
-        </p:txBody>
-      </p:sp>
-    </p:spTree>
-  </p:cSld>
-  <mc:AlternateContent>
-    <mc:Choice Requires="p14">
-      <p:transition spd="slow" p14:dur="2000"/>
-    </mc:Choice>
-    <mc:Fallback>
-      <p:transition spd="slow"/>
-    </mc:Fallback>
-  </mc:AlternateContent>
-</p:sld>
-</file>
-
-<file path=ppt/slides/slide22.xml><?xml version="1.0" encoding="utf-8"?>
-<p:sld xmlns:a="http://schemas.openxmlformats.org/drawingml/2006/main" xmlns:p="http://schemas.openxmlformats.org/presentationml/2006/main" xmlns:r="http://schemas.openxmlformats.org/officeDocument/2006/relationships" xmlns:p14="http://schemas.microsoft.com/office/powerpoint/2010/main" xmlns:p15="http://schemas.microsoft.com/office/powerpoint/2012/main" xmlns:mc="http://schemas.openxmlformats.org/markup-compatibility/2006">
-  <p:cSld>
-    <p:spTree>
-      <p:nvGrpSpPr>
-        <p:cNvPr id="1" name=""/>
-        <p:cNvGrpSpPr/>
-        <p:nvPr/>
-      </p:nvGrpSpPr>
-      <p:grpSpPr>
-        <a:xfrm>
-          <a:off x="0" y="0"/>
-          <a:ext cx="0" cy="0"/>
-          <a:chOff x="0" y="0"/>
-          <a:chExt cx="0" cy="0"/>
-        </a:xfrm>
-      </p:grpSpPr>
-      <p:sp>
-        <p:nvSpPr>
-          <p:cNvPr id="230" name="PlaceHolder 1"/>
-          <p:cNvSpPr>
-            <a:spLocks noGrp="1"/>
-          </p:cNvSpPr>
-          <p:nvPr>
-            <p:ph type="title"/>
-          </p:nvPr>
-        </p:nvSpPr>
-        <p:spPr>
-          <a:xfrm>
-            <a:off x="360000" y="225720"/>
-            <a:ext cx="9355320" cy="714240"/>
-          </a:xfrm>
-          <a:prstGeom prst="rect">
-            <a:avLst/>
-          </a:prstGeom>
-          <a:noFill/>
-          <a:ln w="0">
-            <a:noFill/>
-          </a:ln>
-        </p:spPr>
-        <p:txBody>
-          <a:bodyPr lIns="0" rIns="0" tIns="0" bIns="0" anchor="ctr">
-            <a:noAutofit/>
-          </a:bodyPr>
-          <a:p>
-            <a:pPr algn="ctr">
-              <a:lnSpc>
-                <a:spcPct val="100000"/>
-              </a:lnSpc>
-              <a:buNone/>
-            </a:pPr>
-            <a:r>
-              <a:rPr b="0" lang="en-US" sz="4400" spc="-1" strike="noStrike">
-                <a:solidFill>
-                  <a:srgbClr val="ffffff"/>
-                </a:solidFill>
-                <a:latin typeface="Arial"/>
-              </a:rPr>
               <a:t>Finding The Jacobian of a Cycle Graph</a:t>
             </a:r>
             <a:endParaRPr b="0" lang="en-US" sz="4400" spc="-1" strike="noStrike">
@@ -14322,7 +13930,7 @@
       </p:sp>
       <p:pic>
         <p:nvPicPr>
-          <p:cNvPr id="231" name="" descr=""/>
+          <p:cNvPr id="229" name="" descr=""/>
           <p:cNvPicPr/>
           <p:nvPr/>
         </p:nvPicPr>
@@ -14333,7 +13941,7 @@
         <p:spPr>
           <a:xfrm>
             <a:off x="2514600" y="2373120"/>
-            <a:ext cx="2929680" cy="2196360"/>
+            <a:ext cx="2929320" cy="2196000"/>
           </a:xfrm>
           <a:prstGeom prst="rect">
             <a:avLst/>
@@ -14345,7 +13953,7 @@
       </p:pic>
       <p:pic>
         <p:nvPicPr>
-          <p:cNvPr id="232" name="" descr=""/>
+          <p:cNvPr id="230" name="" descr=""/>
           <p:cNvPicPr/>
           <p:nvPr/>
         </p:nvPicPr>
@@ -14357,7 +13965,7 @@
         <p:spPr>
           <a:xfrm>
             <a:off x="209520" y="1290960"/>
-            <a:ext cx="2416680" cy="1926000"/>
+            <a:ext cx="2416320" cy="1925640"/>
           </a:xfrm>
           <a:prstGeom prst="rect">
             <a:avLst/>
@@ -14369,7 +13977,7 @@
       </p:pic>
       <p:pic>
         <p:nvPicPr>
-          <p:cNvPr id="233" name="" descr=""/>
+          <p:cNvPr id="231" name="" descr=""/>
           <p:cNvPicPr/>
           <p:nvPr/>
         </p:nvPicPr>
@@ -14381,7 +13989,7 @@
         <p:spPr>
           <a:xfrm>
             <a:off x="0" y="3200400"/>
-            <a:ext cx="2740320" cy="2054880"/>
+            <a:ext cx="2739960" cy="2054520"/>
           </a:xfrm>
           <a:prstGeom prst="rect">
             <a:avLst/>
@@ -14393,14 +14001,14 @@
       </p:pic>
       <p:sp>
         <p:nvSpPr>
-          <p:cNvPr id="234" name=""/>
+          <p:cNvPr id="232" name=""/>
           <p:cNvSpPr/>
           <p:nvPr/>
         </p:nvSpPr>
         <p:spPr>
           <a:xfrm rot="18160800">
-            <a:off x="218880" y="2125440"/>
-            <a:ext cx="1367640" cy="224640"/>
+            <a:off x="218520" y="2125440"/>
+            <a:ext cx="1367280" cy="224280"/>
           </a:xfrm>
           <a:custGeom>
             <a:avLst/>
@@ -14461,14 +14069,14 @@
       </p:sp>
       <p:sp>
         <p:nvSpPr>
-          <p:cNvPr id="235" name=""/>
+          <p:cNvPr id="233" name=""/>
           <p:cNvSpPr/>
           <p:nvPr/>
         </p:nvSpPr>
         <p:spPr>
           <a:xfrm rot="3178800">
             <a:off x="1719720" y="1997280"/>
-            <a:ext cx="910440" cy="224640"/>
+            <a:ext cx="910080" cy="224280"/>
           </a:xfrm>
           <a:custGeom>
             <a:avLst/>
@@ -14520,14 +14128,14 @@
       </p:sp>
       <p:sp>
         <p:nvSpPr>
-          <p:cNvPr id="236" name=""/>
+          <p:cNvPr id="234" name=""/>
           <p:cNvSpPr/>
           <p:nvPr/>
         </p:nvSpPr>
         <p:spPr>
           <a:xfrm>
             <a:off x="1143000" y="2973240"/>
-            <a:ext cx="910440" cy="224640"/>
+            <a:ext cx="910080" cy="224280"/>
           </a:xfrm>
           <a:custGeom>
             <a:avLst/>
@@ -14579,14 +14187,14 @@
       </p:sp>
       <p:sp>
         <p:nvSpPr>
-          <p:cNvPr id="237" name=""/>
+          <p:cNvPr id="235" name=""/>
           <p:cNvSpPr/>
           <p:nvPr/>
         </p:nvSpPr>
         <p:spPr>
           <a:xfrm rot="18160800">
-            <a:off x="218880" y="4049640"/>
-            <a:ext cx="1367640" cy="224640"/>
+            <a:off x="218520" y="4049640"/>
+            <a:ext cx="1367280" cy="224280"/>
           </a:xfrm>
           <a:custGeom>
             <a:avLst/>
@@ -14647,14 +14255,14 @@
       </p:sp>
       <p:sp>
         <p:nvSpPr>
-          <p:cNvPr id="238" name=""/>
+          <p:cNvPr id="236" name=""/>
           <p:cNvSpPr/>
           <p:nvPr/>
         </p:nvSpPr>
         <p:spPr>
           <a:xfrm rot="14195400">
             <a:off x="1585080" y="4054680"/>
-            <a:ext cx="1367640" cy="224640"/>
+            <a:ext cx="1367280" cy="224280"/>
           </a:xfrm>
           <a:custGeom>
             <a:avLst/>
@@ -14715,14 +14323,14 @@
       </p:sp>
       <p:sp>
         <p:nvSpPr>
-          <p:cNvPr id="239" name=""/>
+          <p:cNvPr id="237" name=""/>
           <p:cNvSpPr/>
           <p:nvPr/>
         </p:nvSpPr>
         <p:spPr>
           <a:xfrm rot="21568800">
-            <a:off x="830160" y="5019120"/>
-            <a:ext cx="1367640" cy="224640"/>
+            <a:off x="829800" y="5018760"/>
+            <a:ext cx="1367280" cy="224280"/>
           </a:xfrm>
           <a:custGeom>
             <a:avLst/>
@@ -14783,14 +14391,14 @@
       </p:sp>
       <p:sp>
         <p:nvSpPr>
-          <p:cNvPr id="240" name=""/>
+          <p:cNvPr id="238" name=""/>
           <p:cNvSpPr/>
           <p:nvPr/>
         </p:nvSpPr>
         <p:spPr>
           <a:xfrm>
             <a:off x="3657600" y="4116240"/>
-            <a:ext cx="910440" cy="224640"/>
+            <a:ext cx="910080" cy="224280"/>
           </a:xfrm>
           <a:custGeom>
             <a:avLst/>
@@ -14842,14 +14450,14 @@
       </p:sp>
       <p:sp>
         <p:nvSpPr>
-          <p:cNvPr id="241" name=""/>
+          <p:cNvPr id="239" name=""/>
           <p:cNvSpPr/>
           <p:nvPr/>
         </p:nvSpPr>
         <p:spPr>
           <a:xfrm rot="13918800">
             <a:off x="4201560" y="3116520"/>
-            <a:ext cx="910440" cy="224640"/>
+            <a:ext cx="910080" cy="224280"/>
           </a:xfrm>
           <a:custGeom>
             <a:avLst/>
@@ -14901,14 +14509,14 @@
       </p:sp>
       <p:sp>
         <p:nvSpPr>
-          <p:cNvPr id="242" name=""/>
+          <p:cNvPr id="240" name=""/>
           <p:cNvSpPr/>
           <p:nvPr/>
         </p:nvSpPr>
         <p:spPr>
           <a:xfrm rot="7579800">
-            <a:off x="2878920" y="3292920"/>
-            <a:ext cx="910440" cy="224640"/>
+            <a:off x="2879280" y="3292920"/>
+            <a:ext cx="910080" cy="224280"/>
           </a:xfrm>
           <a:custGeom>
             <a:avLst/>
@@ -14960,7 +14568,7 @@
       </p:sp>
       <p:pic>
         <p:nvPicPr>
-          <p:cNvPr id="243" name="" descr=""/>
+          <p:cNvPr id="241" name="" descr=""/>
           <p:cNvPicPr/>
           <p:nvPr/>
         </p:nvPicPr>
@@ -14971,7 +14579,7 @@
         <p:spPr>
           <a:xfrm>
             <a:off x="5181840" y="1600200"/>
-            <a:ext cx="4874040" cy="3655080"/>
+            <a:ext cx="4873680" cy="3654720"/>
           </a:xfrm>
           <a:prstGeom prst="rect">
             <a:avLst/>
@@ -14981,6 +14589,222 @@
           </a:ln>
         </p:spPr>
       </p:pic>
+    </p:spTree>
+  </p:cSld>
+  <mc:AlternateContent>
+    <mc:Choice Requires="p14">
+      <p:transition spd="slow" p14:dur="2000"/>
+    </mc:Choice>
+    <mc:Fallback>
+      <p:transition spd="slow"/>
+    </mc:Fallback>
+  </mc:AlternateContent>
+</p:sld>
+</file>
+
+<file path=ppt/slides/slide22.xml><?xml version="1.0" encoding="utf-8"?>
+<p:sld xmlns:a="http://schemas.openxmlformats.org/drawingml/2006/main" xmlns:p="http://schemas.openxmlformats.org/presentationml/2006/main" xmlns:r="http://schemas.openxmlformats.org/officeDocument/2006/relationships" xmlns:p14="http://schemas.microsoft.com/office/powerpoint/2010/main" xmlns:p15="http://schemas.microsoft.com/office/powerpoint/2012/main" xmlns:mc="http://schemas.openxmlformats.org/markup-compatibility/2006">
+  <p:cSld>
+    <p:spTree>
+      <p:nvGrpSpPr>
+        <p:cNvPr id="1" name=""/>
+        <p:cNvGrpSpPr/>
+        <p:nvPr/>
+      </p:nvGrpSpPr>
+      <p:grpSpPr>
+        <a:xfrm>
+          <a:off x="0" y="0"/>
+          <a:ext cx="0" cy="0"/>
+          <a:chOff x="0" y="0"/>
+          <a:chExt cx="0" cy="0"/>
+        </a:xfrm>
+      </p:grpSpPr>
+      <p:sp>
+        <p:nvSpPr>
+          <p:cNvPr id="242" name="PlaceHolder 1"/>
+          <p:cNvSpPr>
+            <a:spLocks noGrp="1"/>
+          </p:cNvSpPr>
+          <p:nvPr>
+            <p:ph type="title"/>
+          </p:nvPr>
+        </p:nvSpPr>
+        <p:spPr>
+          <a:xfrm>
+            <a:off x="360000" y="-39960"/>
+            <a:ext cx="9354960" cy="1245600"/>
+          </a:xfrm>
+          <a:prstGeom prst="rect">
+            <a:avLst/>
+          </a:prstGeom>
+          <a:noFill/>
+          <a:ln w="0">
+            <a:noFill/>
+          </a:ln>
+        </p:spPr>
+        <p:txBody>
+          <a:bodyPr lIns="0" rIns="0" tIns="0" bIns="0" anchor="ctr">
+            <a:noAutofit/>
+          </a:bodyPr>
+          <a:p>
+            <a:pPr algn="ctr">
+              <a:lnSpc>
+                <a:spcPct val="100000"/>
+              </a:lnSpc>
+              <a:buNone/>
+            </a:pPr>
+            <a:r>
+              <a:rPr b="0" lang="en-US" sz="4400" spc="-1" strike="noStrike">
+                <a:solidFill>
+                  <a:srgbClr val="ffffff"/>
+                </a:solidFill>
+                <a:latin typeface="Arial"/>
+              </a:rPr>
+              <a:t>Finding The Picard Group of a Wheel Graph</a:t>
+            </a:r>
+            <a:endParaRPr b="0" lang="en-US" sz="4400" spc="-1" strike="noStrike">
+              <a:latin typeface="Arial"/>
+            </a:endParaRPr>
+          </a:p>
+        </p:txBody>
+      </p:sp>
+      <p:sp>
+        <p:nvSpPr>
+          <p:cNvPr id="243" name="PlaceHolder 2"/>
+          <p:cNvSpPr>
+            <a:spLocks noGrp="1"/>
+          </p:cNvSpPr>
+          <p:nvPr>
+            <p:ph/>
+          </p:nvPr>
+        </p:nvSpPr>
+        <p:spPr>
+          <a:xfrm>
+            <a:off x="360000" y="1485000"/>
+            <a:ext cx="9354960" cy="3774960"/>
+          </a:xfrm>
+          <a:prstGeom prst="rect">
+            <a:avLst/>
+          </a:prstGeom>
+          <a:noFill/>
+          <a:ln w="0">
+            <a:noFill/>
+          </a:ln>
+        </p:spPr>
+        <p:txBody>
+          <a:bodyPr lIns="0" rIns="0" tIns="0" bIns="0" anchor="t">
+            <a:normAutofit fontScale="74000"/>
+          </a:bodyPr>
+          <a:p>
+            <a:pPr marL="432000" indent="-324000">
+              <a:lnSpc>
+                <a:spcPct val="100000"/>
+              </a:lnSpc>
+              <a:spcBef>
+                <a:spcPts val="1417"/>
+              </a:spcBef>
+              <a:buClr>
+                <a:srgbClr val="000000"/>
+              </a:buClr>
+              <a:buSzPct val="45000"/>
+              <a:buFont typeface="Wingdings" charset="2"/>
+              <a:buChar char=""/>
+            </a:pPr>
+            <a:r>
+              <a:rPr b="0" lang="en-US" sz="3200" spc="-1" strike="noStrike">
+                <a:solidFill>
+                  <a:srgbClr val="000000"/>
+                </a:solidFill>
+                <a:latin typeface="Arial"/>
+                <a:ea typeface="Noto Sans CJK SC"/>
+              </a:rPr>
+              <a:t>For wheel graphs, we looked for patterns that arose within the invariant factors of the Jacobian.  For this strategy, we broke the edges into those belonging to the rim of the wheel and those of the spokes.  By orienting all the edges of either group the same way and trying all nine combinations, we noticed four well-defined patterns.</a:t>
+            </a:r>
+            <a:endParaRPr b="0" lang="en-US" sz="3200" spc="-1" strike="noStrike">
+              <a:latin typeface="Arial"/>
+            </a:endParaRPr>
+          </a:p>
+          <a:p>
+            <a:pPr marL="432000" indent="-324000">
+              <a:lnSpc>
+                <a:spcPct val="100000"/>
+              </a:lnSpc>
+              <a:spcBef>
+                <a:spcPts val="1417"/>
+              </a:spcBef>
+              <a:buClr>
+                <a:srgbClr val="000000"/>
+              </a:buClr>
+              <a:buSzPct val="45000"/>
+              <a:buFont typeface="Wingdings" charset="2"/>
+              <a:buChar char=""/>
+            </a:pPr>
+            <a:r>
+              <a:rPr b="0" lang="en-US" sz="3200" spc="-1" strike="noStrike">
+                <a:solidFill>
+                  <a:srgbClr val="000000"/>
+                </a:solidFill>
+                <a:latin typeface="Arial"/>
+                <a:ea typeface="Noto Sans CJK SC"/>
+              </a:rPr>
+              <a:t>The most interesting of these cases was for graphs whose rims were bidirectional and whose spokes pointed inward.  Here, the size of each invariant factor was proportional to </a:t>
+            </a:r>
+            <a:r>
+              <a:rPr b="0" lang="en-US" sz="3200" spc="-1" strike="noStrike">
+                <a:solidFill>
+                  <a:srgbClr val="000000"/>
+                </a:solidFill>
+                <a:latin typeface="Arial"/>
+                <a:ea typeface="Noto Sans CJK SC"/>
+              </a:rPr>
+              <a:t>φ</a:t>
+            </a:r>
+            <a:r>
+              <a:rPr b="0" lang="en-US" sz="3200" spc="-1" strike="noStrike" baseline="33000">
+                <a:solidFill>
+                  <a:srgbClr val="000000"/>
+                </a:solidFill>
+                <a:latin typeface="Arial"/>
+                <a:ea typeface="Noto Sans CJK SC"/>
+              </a:rPr>
+              <a:t>n</a:t>
+            </a:r>
+            <a:r>
+              <a:rPr b="0" lang="en-US" sz="3200" spc="-1" strike="noStrike">
+                <a:solidFill>
+                  <a:srgbClr val="000000"/>
+                </a:solidFill>
+                <a:latin typeface="Arial"/>
+                <a:ea typeface="Noto Sans CJK SC"/>
+              </a:rPr>
+              <a:t>, where φ represents the golden ratio </a:t>
+            </a:r>
+            <a:r>
+              <a:rPr b="0" i="1" lang="en-US" sz="2200" spc="-1" strike="noStrike">
+                <a:solidFill>
+                  <a:srgbClr val="000000"/>
+                </a:solidFill>
+                <a:latin typeface="Arial"/>
+                <a:ea typeface="Noto Sans CJK SC"/>
+              </a:rPr>
+              <a:t>(conj)</a:t>
+            </a:r>
+            <a:r>
+              <a:rPr b="0" lang="en-US" sz="3200" spc="-1" strike="noStrike">
+                <a:solidFill>
+                  <a:srgbClr val="000000"/>
+                </a:solidFill>
+                <a:latin typeface="Arial"/>
+                <a:ea typeface="Noto Sans CJK SC"/>
+              </a:rPr>
+              <a:t>.</a:t>
+            </a:r>
+            <a:endParaRPr b="0" lang="en-US" sz="3200" spc="-1" strike="noStrike">
+              <a:latin typeface="Arial"/>
+            </a:endParaRPr>
+          </a:p>
+        </p:txBody>
+      </p:sp>
     </p:spTree>
   </p:cSld>
   <mc:AlternateContent>
@@ -15024,7 +14848,7 @@
         <p:spPr>
           <a:xfrm>
             <a:off x="360000" y="-39960"/>
-            <a:ext cx="9355320" cy="1245960"/>
+            <a:ext cx="9354960" cy="1245600"/>
           </a:xfrm>
           <a:prstGeom prst="rect">
             <a:avLst/>
@@ -15052,7 +14876,7 @@
                 </a:solidFill>
                 <a:latin typeface="Arial"/>
               </a:rPr>
-              <a:t>Finding The Picard Group of a Wheel Graph</a:t>
+              <a:t>Connections Between Wheel and Cycle Graphs</a:t>
             </a:r>
             <a:endParaRPr b="0" lang="en-US" sz="4400" spc="-1" strike="noStrike">
               <a:latin typeface="Arial"/>
@@ -15073,7 +14897,7 @@
         <p:spPr>
           <a:xfrm>
             <a:off x="360000" y="1485000"/>
-            <a:ext cx="9355320" cy="3775320"/>
+            <a:ext cx="9354960" cy="3774960"/>
           </a:xfrm>
           <a:prstGeom prst="rect">
             <a:avLst/>
@@ -15085,7 +14909,7 @@
         </p:spPr>
         <p:txBody>
           <a:bodyPr lIns="0" rIns="0" tIns="0" bIns="0" anchor="t">
-            <a:normAutofit fontScale="67000"/>
+            <a:normAutofit fontScale="76000"/>
           </a:bodyPr>
           <a:p>
             <a:pPr marL="432000" indent="-324000">
@@ -15110,7 +14934,27 @@
                 <a:latin typeface="Arial"/>
                 <a:ea typeface="Noto Sans CJK SC"/>
               </a:rPr>
-              <a:t>For wheel graphs, we looked for patterns that arose within the invariant factors of the Jacobian as a general formula was not immediately obvious.  For this strategy, we broke the edges into those belonging to the rim of the wheel and those of the spokes.  By orienting all the edges of either group the same way and trying all nine combinations, we noticed four well-defined patterns.</a:t>
+              <a:t>During our experiments with wheel graphs whose spokes pointed outward, their Picard groups behave similarly to the cycle graph one size smaller, as if the central vertex was not there at all </a:t>
+            </a:r>
+            <a:r>
+              <a:rPr b="0" i="1" lang="en-US" sz="2200" spc="-1" strike="noStrike">
+                <a:solidFill>
+                  <a:srgbClr val="000000"/>
+                </a:solidFill>
+                <a:latin typeface="Arial"/>
+                <a:ea typeface="Noto Sans CJK SC"/>
+              </a:rPr>
+              <a:t>(thrm)</a:t>
+            </a:r>
+            <a:r>
+              <a:rPr b="0" lang="en-US" sz="3200" spc="-1" strike="noStrike">
+                <a:solidFill>
+                  <a:srgbClr val="000000"/>
+                </a:solidFill>
+                <a:latin typeface="Arial"/>
+                <a:ea typeface="Noto Sans CJK SC"/>
+              </a:rPr>
+              <a:t>.</a:t>
             </a:r>
             <a:endParaRPr b="0" lang="en-US" sz="3200" spc="-1" strike="noStrike">
               <a:latin typeface="Arial"/>
@@ -15139,7 +14983,85 @@
                 <a:latin typeface="Arial"/>
                 <a:ea typeface="Noto Sans CJK SC"/>
               </a:rPr>
-              <a:t>The most interesting of these cases was for graphs whose rims were bidirectional and whose spokes pointed inward.  Here, the Jacobians followed the pattern of </a:t>
+              <a:t>This is due to the fact that chips are only fired along outgoing edges.</a:t>
+            </a:r>
+            <a:endParaRPr b="0" lang="en-US" sz="3200" spc="-1" strike="noStrike">
+              <a:latin typeface="Arial"/>
+            </a:endParaRPr>
+          </a:p>
+          <a:p>
+            <a:pPr marL="432000" indent="-324000">
+              <a:lnSpc>
+                <a:spcPct val="100000"/>
+              </a:lnSpc>
+              <a:spcBef>
+                <a:spcPts val="1417"/>
+              </a:spcBef>
+              <a:buClr>
+                <a:srgbClr val="000000"/>
+              </a:buClr>
+              <a:buSzPct val="45000"/>
+              <a:buFont typeface="Wingdings" charset="2"/>
+              <a:buChar char=""/>
+            </a:pPr>
+            <a:r>
+              <a:rPr b="0" lang="en-US" sz="3200" spc="-1" strike="noStrike">
+                <a:solidFill>
+                  <a:srgbClr val="000000"/>
+                </a:solidFill>
+                <a:latin typeface="Arial"/>
+                <a:ea typeface="Noto Sans CJK SC"/>
+              </a:rPr>
+              <a:t>These relations are also split into several cases, for example:</a:t>
+            </a:r>
+            <a:endParaRPr b="0" lang="en-US" sz="3200" spc="-1" strike="noStrike">
+              <a:latin typeface="Arial"/>
+            </a:endParaRPr>
+          </a:p>
+          <a:p>
+            <a:pPr lvl="1" marL="864000" indent="-324000">
+              <a:lnSpc>
+                <a:spcPct val="100000"/>
+              </a:lnSpc>
+              <a:spcBef>
+                <a:spcPts val="1134"/>
+              </a:spcBef>
+              <a:buClr>
+                <a:srgbClr val="000000"/>
+              </a:buClr>
+              <a:buSzPct val="75000"/>
+              <a:buFont typeface="Symbol"/>
+              <a:buChar char=""/>
+            </a:pPr>
+            <a:r>
+              <a:rPr b="0" lang="en-US" sz="3200" spc="-1" strike="noStrike">
+                <a:solidFill>
+                  <a:srgbClr val="000000"/>
+                </a:solidFill>
+                <a:latin typeface="Arial"/>
+                <a:ea typeface="Noto Sans CJK SC"/>
+              </a:rPr>
+              <a:t>For even wheel graphs, arbitrary Picard groups of Wheel</a:t>
+            </a:r>
+            <a:r>
+              <a:rPr b="0" i="1" lang="en-US" sz="3200" spc="-1" strike="noStrike" baseline="-8000">
+                <a:solidFill>
+                  <a:srgbClr val="000000"/>
+                </a:solidFill>
+                <a:latin typeface="Arial"/>
+                <a:ea typeface="Noto Sans CJK SC"/>
+              </a:rPr>
+              <a:t>n</a:t>
+            </a:r>
+            <a:r>
+              <a:rPr b="0" lang="en-US" sz="3200" spc="-1" strike="noStrike">
+                <a:solidFill>
+                  <a:srgbClr val="000000"/>
+                </a:solidFill>
+                <a:latin typeface="Arial"/>
+                <a:ea typeface="Noto Sans CJK SC"/>
+              </a:rPr>
+              <a:t> appear to be </a:t>
             </a:r>
             <a:r>
               <a:rPr b="0" i="1" lang="en-US" sz="3200" spc="-1" strike="noStrike">
@@ -15159,7 +15081,7 @@
                 <a:latin typeface="Arial"/>
                 <a:ea typeface="Noto Sans CJK SC"/>
               </a:rPr>
-              <a:t>αφ^n </a:t>
+              <a:t>(n-1)*a</a:t>
             </a:r>
             <a:r>
               <a:rPr b="0" i="1" lang="en-US" sz="3200" spc="-1" strike="noStrike">
@@ -15169,7 +15091,27 @@
                 <a:latin typeface="Arial"/>
                 <a:ea typeface="Noto Sans CJK SC"/>
               </a:rPr>
-              <a:t>x ℤ</a:t>
+              <a:t> x ℤ</a:t>
+            </a:r>
+            <a:r>
+              <a:rPr b="0" lang="en-US" sz="3200" spc="-1" strike="noStrike">
+                <a:solidFill>
+                  <a:srgbClr val="000000"/>
+                </a:solidFill>
+                <a:latin typeface="Arial"/>
+                <a:ea typeface="Noto Sans CJK SC"/>
+              </a:rPr>
+              <a:t> where a is in the Picard group of </a:t>
+            </a:r>
+            <a:r>
+              <a:rPr b="0" i="1" lang="en-US" sz="3200" spc="-1" strike="noStrike">
+                <a:solidFill>
+                  <a:srgbClr val="000000"/>
+                </a:solidFill>
+                <a:latin typeface="Arial"/>
+                <a:ea typeface="Noto Sans CJK SC"/>
+              </a:rPr>
+              <a:t>C</a:t>
             </a:r>
             <a:r>
               <a:rPr b="0" i="1" lang="en-US" sz="3200" spc="-1" strike="noStrike" baseline="-8000">
@@ -15179,7 +15121,37 @@
                 <a:latin typeface="Arial"/>
                 <a:ea typeface="Noto Sans CJK SC"/>
               </a:rPr>
-              <a:t>cαφ^n</a:t>
+              <a:t>(n-1)</a:t>
+            </a:r>
+            <a:r>
+              <a:rPr b="0" i="1" lang="en-US" sz="3200" spc="-1" strike="noStrike">
+                <a:solidFill>
+                  <a:srgbClr val="000000"/>
+                </a:solidFill>
+                <a:latin typeface="Arial"/>
+                <a:ea typeface="Noto Sans CJK SC"/>
+              </a:rPr>
+              <a:t>  ℤ</a:t>
+            </a:r>
+            <a:r>
+              <a:rPr b="0" i="1" lang="en-US" sz="3200" spc="-1" strike="noStrike" baseline="-8000">
+                <a:solidFill>
+                  <a:srgbClr val="000000"/>
+                </a:solidFill>
+                <a:latin typeface="Arial"/>
+                <a:ea typeface="Noto Sans CJK SC"/>
+              </a:rPr>
+              <a:t>a</a:t>
+            </a:r>
+            <a:r>
+              <a:rPr b="0" i="1" lang="en-US" sz="3200" spc="-1" strike="noStrike">
+                <a:solidFill>
+                  <a:srgbClr val="000000"/>
+                </a:solidFill>
+                <a:latin typeface="Arial"/>
+                <a:ea typeface="Noto Sans CJK SC"/>
+              </a:rPr>
+              <a:t> x ℤ </a:t>
             </a:r>
             <a:r>
               <a:rPr b="0" lang="en-US" sz="3200" spc="-1" strike="noStrike">
@@ -15189,117 +15161,7 @@
                 <a:latin typeface="Arial"/>
                 <a:ea typeface="Noto Sans CJK SC"/>
               </a:rPr>
-              <a:t> when the size was odd where </a:t>
-            </a:r>
-            <a:r>
-              <a:rPr b="0" i="1" lang="en-US" sz="3200" spc="-1" strike="noStrike">
-                <a:solidFill>
-                  <a:srgbClr val="000000"/>
-                </a:solidFill>
-                <a:latin typeface="Arial"/>
-                <a:ea typeface="Noto Sans CJK SC"/>
-              </a:rPr>
-              <a:t>α≊0.27555</a:t>
-            </a:r>
-            <a:r>
-              <a:rPr b="0" lang="en-US" sz="3200" spc="-1" strike="noStrike">
-                <a:solidFill>
-                  <a:srgbClr val="000000"/>
-                </a:solidFill>
-                <a:latin typeface="Arial"/>
-                <a:ea typeface="Noto Sans CJK SC"/>
-              </a:rPr>
-              <a:t> and </a:t>
-            </a:r>
-            <a:r>
-              <a:rPr b="0" i="1" lang="en-US" sz="3200" spc="-1" strike="noStrike">
-                <a:solidFill>
-                  <a:srgbClr val="000000"/>
-                </a:solidFill>
-                <a:latin typeface="Arial"/>
-                <a:ea typeface="Noto Sans CJK SC"/>
-              </a:rPr>
-              <a:t>ℤ</a:t>
-            </a:r>
-            <a:r>
-              <a:rPr b="0" i="1" lang="en-US" sz="3200" spc="-1" strike="noStrike" baseline="-8000">
-                <a:solidFill>
-                  <a:srgbClr val="000000"/>
-                </a:solidFill>
-                <a:latin typeface="Arial"/>
-                <a:ea typeface="Noto Sans CJK SC"/>
-              </a:rPr>
-              <a:t>βφ^n </a:t>
-            </a:r>
-            <a:r>
-              <a:rPr b="0" i="1" lang="en-US" sz="3200" spc="-1" strike="noStrike">
-                <a:solidFill>
-                  <a:srgbClr val="000000"/>
-                </a:solidFill>
-                <a:latin typeface="Arial"/>
-                <a:ea typeface="Noto Sans CJK SC"/>
-              </a:rPr>
-              <a:t>x ℤ</a:t>
-            </a:r>
-            <a:r>
-              <a:rPr b="0" i="1" lang="en-US" sz="3200" spc="-1" strike="noStrike" baseline="-8000">
-                <a:solidFill>
-                  <a:srgbClr val="000000"/>
-                </a:solidFill>
-                <a:latin typeface="Arial"/>
-                <a:ea typeface="Noto Sans CJK SC"/>
-              </a:rPr>
-              <a:t>βφ^n</a:t>
-            </a:r>
-            <a:r>
-              <a:rPr b="0" lang="en-US" sz="3200" spc="-1" strike="noStrike">
-                <a:solidFill>
-                  <a:srgbClr val="000000"/>
-                </a:solidFill>
-                <a:latin typeface="Arial"/>
-                <a:ea typeface="Noto Sans CJK SC"/>
-              </a:rPr>
-              <a:t> when the size was even where </a:t>
-            </a:r>
-            <a:r>
-              <a:rPr b="0" i="1" lang="en-US" sz="3200" spc="-1" strike="noStrike">
-                <a:solidFill>
-                  <a:srgbClr val="000000"/>
-                </a:solidFill>
-                <a:latin typeface="Arial"/>
-                <a:ea typeface="Noto Sans CJK SC"/>
-              </a:rPr>
-              <a:t>β≊0.618035</a:t>
-            </a:r>
-            <a:r>
-              <a:rPr b="0" lang="en-US" sz="3200" spc="-1" strike="noStrike">
-                <a:solidFill>
-                  <a:srgbClr val="000000"/>
-                </a:solidFill>
-                <a:latin typeface="Arial"/>
-                <a:ea typeface="Noto Sans CJK SC"/>
-              </a:rPr>
-              <a:t>.  In both of these patterns, φ represents the golden ratio </a:t>
-            </a:r>
-            <a:r>
-              <a:rPr b="0" i="1" lang="en-US" sz="2200" spc="-1" strike="noStrike">
-                <a:solidFill>
-                  <a:srgbClr val="000000"/>
-                </a:solidFill>
-                <a:latin typeface="Arial"/>
-                <a:ea typeface="Noto Sans CJK SC"/>
-              </a:rPr>
-              <a:t>(conj)</a:t>
-            </a:r>
-            <a:r>
-              <a:rPr b="0" lang="en-US" sz="3200" spc="-1" strike="noStrike">
-                <a:solidFill>
-                  <a:srgbClr val="000000"/>
-                </a:solidFill>
-                <a:latin typeface="Arial"/>
-                <a:ea typeface="Noto Sans CJK SC"/>
-              </a:rPr>
-              <a:t>.</a:t>
+              <a:t>when all spokes point outward.</a:t>
             </a:r>
             <a:endParaRPr b="0" lang="en-US" sz="3200" spc="-1" strike="noStrike">
               <a:latin typeface="Arial"/>
@@ -15350,7 +15212,7 @@
         <p:spPr>
           <a:xfrm>
             <a:off x="360000" y="-39960"/>
-            <a:ext cx="9355320" cy="1245960"/>
+            <a:ext cx="9354960" cy="1245600"/>
           </a:xfrm>
           <a:prstGeom prst="rect">
             <a:avLst/>
@@ -15386,290 +15248,363 @@
           </a:p>
         </p:txBody>
       </p:sp>
-      <p:sp>
-        <p:nvSpPr>
-          <p:cNvPr id="247" name="PlaceHolder 2"/>
-          <p:cNvSpPr>
-            <a:spLocks noGrp="1"/>
-          </p:cNvSpPr>
-          <p:nvPr>
-            <p:ph/>
-          </p:nvPr>
-        </p:nvSpPr>
-        <p:spPr>
-          <a:xfrm>
-            <a:off x="360000" y="1485000"/>
-            <a:ext cx="9355320" cy="3775320"/>
-          </a:xfrm>
-          <a:prstGeom prst="rect">
-            <a:avLst/>
-          </a:prstGeom>
-          <a:noFill/>
-          <a:ln w="0">
-            <a:noFill/>
-          </a:ln>
-        </p:spPr>
-        <p:txBody>
-          <a:bodyPr lIns="0" rIns="0" tIns="0" bIns="0" anchor="t">
-            <a:normAutofit fontScale="76000"/>
-          </a:bodyPr>
-          <a:p>
-            <a:pPr marL="432000" indent="-324000">
+      <p:pic>
+        <p:nvPicPr>
+          <p:cNvPr id="247" name="" descr=""/>
+          <p:cNvPicPr/>
+          <p:nvPr/>
+        </p:nvPicPr>
+        <p:blipFill>
+          <a:blip r:embed="rId1"/>
+          <a:stretch/>
+        </p:blipFill>
+        <p:spPr>
+          <a:xfrm>
+            <a:off x="1143000" y="2196720"/>
+            <a:ext cx="3775320" cy="2831040"/>
+          </a:xfrm>
+          <a:prstGeom prst="rect">
+            <a:avLst/>
+          </a:prstGeom>
+          <a:ln w="0">
+            <a:noFill/>
+          </a:ln>
+        </p:spPr>
+      </p:pic>
+      <p:pic>
+        <p:nvPicPr>
+          <p:cNvPr id="248" name="" descr=""/>
+          <p:cNvPicPr/>
+          <p:nvPr/>
+        </p:nvPicPr>
+        <p:blipFill>
+          <a:blip r:embed="rId2"/>
+          <a:stretch/>
+        </p:blipFill>
+        <p:spPr>
+          <a:xfrm>
+            <a:off x="4910040" y="2196720"/>
+            <a:ext cx="3775320" cy="2831040"/>
+          </a:xfrm>
+          <a:prstGeom prst="rect">
+            <a:avLst/>
+          </a:prstGeom>
+          <a:ln w="0">
+            <a:noFill/>
+          </a:ln>
+        </p:spPr>
+      </p:pic>
+      <p:sp>
+        <p:nvSpPr>
+          <p:cNvPr id="249" name=""/>
+          <p:cNvSpPr/>
+          <p:nvPr/>
+        </p:nvSpPr>
+        <p:spPr>
+          <a:xfrm>
+            <a:off x="1600200" y="1828800"/>
+            <a:ext cx="6627960" cy="344880"/>
+          </a:xfrm>
+          <a:prstGeom prst="rect">
+            <a:avLst/>
+          </a:prstGeom>
+          <a:noFill/>
+          <a:ln w="0">
+            <a:noFill/>
+          </a:ln>
+        </p:spPr>
+        <p:style>
+          <a:lnRef idx="0"/>
+          <a:fillRef idx="0"/>
+          <a:effectRef idx="0"/>
+          <a:fontRef idx="minor"/>
+        </p:style>
+        <p:txBody>
+          <a:bodyPr lIns="90000" rIns="90000" tIns="45000" bIns="45000" anchor="t">
+            <a:noAutofit/>
+          </a:bodyPr>
+          <a:p>
+            <a:pPr algn="ctr">
               <a:lnSpc>
                 <a:spcPct val="100000"/>
               </a:lnSpc>
-              <a:spcBef>
-                <a:spcPts val="1417"/>
-              </a:spcBef>
-              <a:buClr>
-                <a:srgbClr val="000000"/>
-              </a:buClr>
-              <a:buSzPct val="45000"/>
-              <a:buFont typeface="Wingdings" charset="2"/>
-              <a:buChar char=""/>
-            </a:pPr>
-            <a:r>
-              <a:rPr b="0" lang="en-US" sz="3200" spc="-1" strike="noStrike">
+              <a:buNone/>
+            </a:pPr>
+            <a:r>
+              <a:rPr b="0" lang="en-US" sz="1800" spc="-1" strike="noStrike">
                 <a:solidFill>
                   <a:srgbClr val="000000"/>
                 </a:solidFill>
                 <a:latin typeface="Arial"/>
-                <a:ea typeface="Noto Sans CJK SC"/>
-              </a:rPr>
-              <a:t>During our experiments with wheel graphs whose spokes pointed outward, their Picard groups behave similarly to the cycle graph one size smaller, as if the central vertex was not there at all </a:t>
-            </a:r>
-            <a:r>
-              <a:rPr b="0" i="1" lang="en-US" sz="2200" spc="-1" strike="noStrike">
+                <a:ea typeface="DejaVu Sans"/>
+              </a:rPr>
+              <a:t>Pic(C</a:t>
+            </a:r>
+            <a:r>
+              <a:rPr b="0" lang="en-US" sz="1800" spc="-1" strike="noStrike" baseline="-8000">
                 <a:solidFill>
                   <a:srgbClr val="000000"/>
                 </a:solidFill>
                 <a:latin typeface="Arial"/>
-                <a:ea typeface="Noto Sans CJK SC"/>
-              </a:rPr>
-              <a:t>(thrm)</a:t>
-            </a:r>
-            <a:r>
-              <a:rPr b="0" lang="en-US" sz="3200" spc="-1" strike="noStrike">
+                <a:ea typeface="DejaVu Sans"/>
+              </a:rPr>
+              <a:t>7</a:t>
+            </a:r>
+            <a:r>
+              <a:rPr b="0" lang="en-US" sz="1800" spc="-1" strike="noStrike">
                 <a:solidFill>
                   <a:srgbClr val="000000"/>
                 </a:solidFill>
                 <a:latin typeface="Arial"/>
-                <a:ea typeface="Noto Sans CJK SC"/>
-              </a:rPr>
-              <a:t>.</a:t>
-            </a:r>
-            <a:endParaRPr b="0" lang="en-US" sz="3200" spc="-1" strike="noStrike">
-              <a:latin typeface="Arial"/>
-            </a:endParaRPr>
-          </a:p>
-          <a:p>
-            <a:pPr marL="432000" indent="-324000">
-              <a:lnSpc>
-                <a:spcPct val="100000"/>
-              </a:lnSpc>
-              <a:spcBef>
-                <a:spcPts val="1417"/>
-              </a:spcBef>
-              <a:buClr>
-                <a:srgbClr val="000000"/>
-              </a:buClr>
-              <a:buSzPct val="45000"/>
-              <a:buFont typeface="Wingdings" charset="2"/>
-              <a:buChar char=""/>
-            </a:pPr>
-            <a:r>
-              <a:rPr b="0" lang="en-US" sz="3200" spc="-1" strike="noStrike">
+                <a:ea typeface="DejaVu Sans"/>
+              </a:rPr>
+              <a:t>) = ℤ</a:t>
+            </a:r>
+            <a:r>
+              <a:rPr b="0" lang="en-US" sz="1800" spc="-1" strike="noStrike" baseline="-8000">
                 <a:solidFill>
                   <a:srgbClr val="000000"/>
                 </a:solidFill>
                 <a:latin typeface="Arial"/>
-                <a:ea typeface="Noto Sans CJK SC"/>
-              </a:rPr>
-              <a:t>This is due to the fact that chips are only fired along outgoing edges.</a:t>
-            </a:r>
-            <a:endParaRPr b="0" lang="en-US" sz="3200" spc="-1" strike="noStrike">
-              <a:latin typeface="Arial"/>
-            </a:endParaRPr>
-          </a:p>
-          <a:p>
-            <a:pPr marL="432000" indent="-324000">
-              <a:lnSpc>
-                <a:spcPct val="100000"/>
-              </a:lnSpc>
-              <a:spcBef>
-                <a:spcPts val="1417"/>
-              </a:spcBef>
-              <a:buClr>
-                <a:srgbClr val="000000"/>
-              </a:buClr>
-              <a:buSzPct val="45000"/>
-              <a:buFont typeface="Wingdings" charset="2"/>
-              <a:buChar char=""/>
-            </a:pPr>
-            <a:r>
-              <a:rPr b="0" lang="en-US" sz="3200" spc="-1" strike="noStrike">
+                <a:ea typeface="DejaVu Sans"/>
+              </a:rPr>
+              <a:t>5</a:t>
+            </a:r>
+            <a:r>
+              <a:rPr b="0" lang="en-US" sz="1800" spc="-1" strike="noStrike">
                 <a:solidFill>
                   <a:srgbClr val="000000"/>
                 </a:solidFill>
                 <a:latin typeface="Arial"/>
-                <a:ea typeface="Noto Sans CJK SC"/>
-              </a:rPr>
-              <a:t>These relations are also split into several cases, for example:</a:t>
-            </a:r>
-            <a:endParaRPr b="0" lang="en-US" sz="3200" spc="-1" strike="noStrike">
-              <a:latin typeface="Arial"/>
-            </a:endParaRPr>
-          </a:p>
-          <a:p>
-            <a:pPr lvl="1" marL="864000" indent="-324000">
-              <a:lnSpc>
-                <a:spcPct val="100000"/>
-              </a:lnSpc>
-              <a:spcBef>
-                <a:spcPts val="1134"/>
-              </a:spcBef>
-              <a:buClr>
-                <a:srgbClr val="000000"/>
-              </a:buClr>
-              <a:buSzPct val="75000"/>
-              <a:buFont typeface="Symbol"/>
-              <a:buChar char=""/>
-            </a:pPr>
-            <a:r>
-              <a:rPr b="0" lang="en-US" sz="3200" spc="-1" strike="noStrike">
+                <a:ea typeface="DejaVu Sans"/>
+              </a:rPr>
+              <a:t> x ℤ                               Pic(W</a:t>
+            </a:r>
+            <a:r>
+              <a:rPr b="0" lang="en-US" sz="1800" spc="-1" strike="noStrike" baseline="-8000">
                 <a:solidFill>
                   <a:srgbClr val="000000"/>
                 </a:solidFill>
                 <a:latin typeface="Arial"/>
-                <a:ea typeface="Noto Sans CJK SC"/>
-              </a:rPr>
-              <a:t>For even wheel graphs, arbitrary Picard groups of Wheel</a:t>
-            </a:r>
-            <a:r>
-              <a:rPr b="0" i="1" lang="en-US" sz="3200" spc="-1" strike="noStrike" baseline="-8000">
+                <a:ea typeface="DejaVu Sans"/>
+              </a:rPr>
+              <a:t>8</a:t>
+            </a:r>
+            <a:r>
+              <a:rPr b="0" lang="en-US" sz="1800" spc="-1" strike="noStrike">
                 <a:solidFill>
                   <a:srgbClr val="000000"/>
                 </a:solidFill>
                 <a:latin typeface="Arial"/>
-                <a:ea typeface="Noto Sans CJK SC"/>
-              </a:rPr>
-              <a:t>n</a:t>
-            </a:r>
-            <a:r>
-              <a:rPr b="0" lang="en-US" sz="3200" spc="-1" strike="noStrike">
+                <a:ea typeface="DejaVu Sans"/>
+              </a:rPr>
+              <a:t>) = ℤ</a:t>
+            </a:r>
+            <a:r>
+              <a:rPr b="0" lang="en-US" sz="1800" spc="-1" strike="noStrike" baseline="-8000">
                 <a:solidFill>
                   <a:srgbClr val="000000"/>
                 </a:solidFill>
                 <a:latin typeface="Arial"/>
-                <a:ea typeface="Noto Sans CJK SC"/>
-              </a:rPr>
-              <a:t> appear to be </a:t>
-            </a:r>
-            <a:r>
-              <a:rPr b="0" i="1" lang="en-US" sz="3200" spc="-1" strike="noStrike">
+                <a:ea typeface="DejaVu Sans"/>
+              </a:rPr>
+              <a:t>35</a:t>
+            </a:r>
+            <a:r>
+              <a:rPr b="0" lang="en-US" sz="1800" spc="-1" strike="noStrike">
                 <a:solidFill>
                   <a:srgbClr val="000000"/>
                 </a:solidFill>
                 <a:latin typeface="Arial"/>
-                <a:ea typeface="Noto Sans CJK SC"/>
-              </a:rPr>
-              <a:t>ℤ</a:t>
-            </a:r>
-            <a:r>
-              <a:rPr b="0" i="1" lang="en-US" sz="3200" spc="-1" strike="noStrike" baseline="-8000">
-                <a:solidFill>
-                  <a:srgbClr val="000000"/>
-                </a:solidFill>
-                <a:latin typeface="Arial"/>
-                <a:ea typeface="Noto Sans CJK SC"/>
-              </a:rPr>
-              <a:t>(n-1)*a</a:t>
-            </a:r>
-            <a:r>
-              <a:rPr b="0" i="1" lang="en-US" sz="3200" spc="-1" strike="noStrike">
-                <a:solidFill>
-                  <a:srgbClr val="000000"/>
-                </a:solidFill>
-                <a:latin typeface="Arial"/>
-                <a:ea typeface="Noto Sans CJK SC"/>
+                <a:ea typeface="DejaVu Sans"/>
               </a:rPr>
               <a:t> x ℤ</a:t>
             </a:r>
-            <a:r>
-              <a:rPr b="0" lang="en-US" sz="3200" spc="-1" strike="noStrike">
-                <a:solidFill>
-                  <a:srgbClr val="000000"/>
-                </a:solidFill>
-                <a:latin typeface="Arial"/>
-                <a:ea typeface="Noto Sans CJK SC"/>
-              </a:rPr>
-              <a:t> where a is in the Picard group of </a:t>
-            </a:r>
-            <a:r>
-              <a:rPr b="0" i="1" lang="en-US" sz="3200" spc="-1" strike="noStrike">
-                <a:solidFill>
-                  <a:srgbClr val="000000"/>
-                </a:solidFill>
-                <a:latin typeface="Arial"/>
-                <a:ea typeface="Noto Sans CJK SC"/>
-              </a:rPr>
-              <a:t>C</a:t>
-            </a:r>
-            <a:r>
-              <a:rPr b="0" i="1" lang="en-US" sz="3200" spc="-1" strike="noStrike" baseline="-8000">
-                <a:solidFill>
-                  <a:srgbClr val="000000"/>
-                </a:solidFill>
-                <a:latin typeface="Arial"/>
-                <a:ea typeface="Noto Sans CJK SC"/>
-              </a:rPr>
-              <a:t>(n-1)</a:t>
-            </a:r>
-            <a:r>
-              <a:rPr b="0" i="1" lang="en-US" sz="3200" spc="-1" strike="noStrike">
-                <a:solidFill>
-                  <a:srgbClr val="000000"/>
-                </a:solidFill>
-                <a:latin typeface="Arial"/>
-                <a:ea typeface="Noto Sans CJK SC"/>
-              </a:rPr>
-              <a:t>  ℤ</a:t>
-            </a:r>
-            <a:r>
-              <a:rPr b="0" i="1" lang="en-US" sz="3200" spc="-1" strike="noStrike" baseline="-8000">
-                <a:solidFill>
-                  <a:srgbClr val="000000"/>
-                </a:solidFill>
-                <a:latin typeface="Arial"/>
-                <a:ea typeface="Noto Sans CJK SC"/>
-              </a:rPr>
-              <a:t>a</a:t>
-            </a:r>
-            <a:r>
-              <a:rPr b="0" i="1" lang="en-US" sz="3200" spc="-1" strike="noStrike">
-                <a:solidFill>
-                  <a:srgbClr val="000000"/>
-                </a:solidFill>
-                <a:latin typeface="Arial"/>
-                <a:ea typeface="Noto Sans CJK SC"/>
-              </a:rPr>
-              <a:t> x ℤ </a:t>
-            </a:r>
-            <a:r>
-              <a:rPr b="0" lang="en-US" sz="3200" spc="-1" strike="noStrike">
-                <a:solidFill>
-                  <a:srgbClr val="000000"/>
-                </a:solidFill>
-                <a:latin typeface="Arial"/>
-                <a:ea typeface="Noto Sans CJK SC"/>
-              </a:rPr>
-              <a:t>when all spokes point outward.</a:t>
-            </a:r>
-            <a:endParaRPr b="0" lang="en-US" sz="3200" spc="-1" strike="noStrike">
-              <a:latin typeface="Arial"/>
-            </a:endParaRPr>
-          </a:p>
-        </p:txBody>
+            <a:endParaRPr b="0" lang="en-US" sz="1800" spc="-1" strike="noStrike">
+              <a:latin typeface="Arial"/>
+            </a:endParaRPr>
+          </a:p>
+        </p:txBody>
+      </p:sp>
+      <p:sp>
+        <p:nvSpPr>
+          <p:cNvPr id="250" name=""/>
+          <p:cNvSpPr/>
+          <p:nvPr/>
+        </p:nvSpPr>
+        <p:spPr>
+          <a:xfrm flipV="1">
+            <a:off x="1969560" y="3017520"/>
+            <a:ext cx="500040" cy="520200"/>
+          </a:xfrm>
+          <a:prstGeom prst="line">
+            <a:avLst/>
+          </a:prstGeom>
+          <a:ln w="57240">
+            <a:solidFill>
+              <a:srgbClr val="729fcf"/>
+            </a:solidFill>
+            <a:round/>
+            <a:headEnd len="med" type="triangle" w="med"/>
+            <a:tailEnd len="med" type="triangle" w="med"/>
+          </a:ln>
+        </p:spPr>
+        <p:style>
+          <a:lnRef idx="0"/>
+          <a:fillRef idx="0"/>
+          <a:effectRef idx="0"/>
+          <a:fontRef idx="minor"/>
+        </p:style>
+      </p:sp>
+      <p:sp>
+        <p:nvSpPr>
+          <p:cNvPr id="251" name=""/>
+          <p:cNvSpPr/>
+          <p:nvPr/>
+        </p:nvSpPr>
+        <p:spPr>
+          <a:xfrm>
+            <a:off x="7471440" y="2754720"/>
+            <a:ext cx="484200" cy="182880"/>
+          </a:xfrm>
+          <a:prstGeom prst="line">
+            <a:avLst/>
+          </a:prstGeom>
+          <a:ln w="57240">
+            <a:solidFill>
+              <a:srgbClr val="729fcf"/>
+            </a:solidFill>
+            <a:round/>
+            <a:headEnd len="med" type="triangle" w="med"/>
+            <a:tailEnd len="med" type="triangle" w="med"/>
+          </a:ln>
+        </p:spPr>
+        <p:style>
+          <a:lnRef idx="0"/>
+          <a:fillRef idx="0"/>
+          <a:effectRef idx="0"/>
+          <a:fontRef idx="minor"/>
+        </p:style>
+      </p:sp>
+      <p:sp>
+        <p:nvSpPr>
+          <p:cNvPr id="252" name=""/>
+          <p:cNvSpPr/>
+          <p:nvPr/>
+        </p:nvSpPr>
+        <p:spPr>
+          <a:xfrm flipV="1">
+            <a:off x="6450480" y="2758680"/>
+            <a:ext cx="784800" cy="182880"/>
+          </a:xfrm>
+          <a:prstGeom prst="line">
+            <a:avLst/>
+          </a:prstGeom>
+          <a:ln w="57240">
+            <a:solidFill>
+              <a:srgbClr val="729fcf"/>
+            </a:solidFill>
+            <a:round/>
+            <a:headEnd len="med" type="triangle" w="med"/>
+            <a:tailEnd len="med" type="triangle" w="med"/>
+          </a:ln>
+        </p:spPr>
+        <p:style>
+          <a:lnRef idx="0"/>
+          <a:fillRef idx="0"/>
+          <a:effectRef idx="0"/>
+          <a:fontRef idx="minor"/>
+        </p:style>
+      </p:sp>
+      <p:sp>
+        <p:nvSpPr>
+          <p:cNvPr id="253" name=""/>
+          <p:cNvSpPr/>
+          <p:nvPr/>
+        </p:nvSpPr>
+        <p:spPr>
+          <a:xfrm flipV="1">
+            <a:off x="5715000" y="3017520"/>
+            <a:ext cx="510840" cy="182880"/>
+          </a:xfrm>
+          <a:prstGeom prst="line">
+            <a:avLst/>
+          </a:prstGeom>
+          <a:ln w="57240">
+            <a:solidFill>
+              <a:srgbClr val="729fcf"/>
+            </a:solidFill>
+            <a:round/>
+            <a:headEnd len="med" type="triangle" w="med"/>
+            <a:tailEnd len="med" type="triangle" w="med"/>
+          </a:ln>
+        </p:spPr>
+        <p:style>
+          <a:lnRef idx="0"/>
+          <a:fillRef idx="0"/>
+          <a:effectRef idx="0"/>
+          <a:fontRef idx="minor"/>
+        </p:style>
+      </p:sp>
+      <p:sp>
+        <p:nvSpPr>
+          <p:cNvPr id="254" name=""/>
+          <p:cNvSpPr/>
+          <p:nvPr/>
+        </p:nvSpPr>
+        <p:spPr>
+          <a:xfrm>
+            <a:off x="3512880" y="2750760"/>
+            <a:ext cx="659160" cy="160200"/>
+          </a:xfrm>
+          <a:prstGeom prst="line">
+            <a:avLst/>
+          </a:prstGeom>
+          <a:ln w="57240">
+            <a:solidFill>
+              <a:srgbClr val="729fcf"/>
+            </a:solidFill>
+            <a:round/>
+            <a:headEnd len="med" type="triangle" w="med"/>
+            <a:tailEnd len="med" type="triangle" w="med"/>
+          </a:ln>
+        </p:spPr>
+        <p:style>
+          <a:lnRef idx="0"/>
+          <a:fillRef idx="0"/>
+          <a:effectRef idx="0"/>
+          <a:fontRef idx="minor"/>
+        </p:style>
+      </p:sp>
+      <p:sp>
+        <p:nvSpPr>
+          <p:cNvPr id="255" name=""/>
+          <p:cNvSpPr/>
+          <p:nvPr/>
+        </p:nvSpPr>
+        <p:spPr>
+          <a:xfrm flipV="1">
+            <a:off x="2674800" y="2754720"/>
+            <a:ext cx="571680" cy="167400"/>
+          </a:xfrm>
+          <a:prstGeom prst="line">
+            <a:avLst/>
+          </a:prstGeom>
+          <a:ln w="57240">
+            <a:solidFill>
+              <a:srgbClr val="729fcf"/>
+            </a:solidFill>
+            <a:round/>
+            <a:headEnd len="med" type="triangle" w="med"/>
+            <a:tailEnd len="med" type="triangle" w="med"/>
+          </a:ln>
+        </p:spPr>
+        <p:style>
+          <a:lnRef idx="0"/>
+          <a:fillRef idx="0"/>
+          <a:effectRef idx="0"/>
+          <a:fontRef idx="minor"/>
+        </p:style>
       </p:sp>
     </p:spTree>
   </p:cSld>
@@ -15703,7 +15638,7 @@
       </p:grpSpPr>
       <p:sp>
         <p:nvSpPr>
-          <p:cNvPr id="248" name="PlaceHolder 1"/>
+          <p:cNvPr id="256" name="PlaceHolder 1"/>
           <p:cNvSpPr>
             <a:spLocks noGrp="1"/>
           </p:cNvSpPr>
@@ -15714,7 +15649,7 @@
         <p:spPr>
           <a:xfrm>
             <a:off x="360000" y="-39960"/>
-            <a:ext cx="9355320" cy="1245960"/>
+            <a:ext cx="9354960" cy="1245600"/>
           </a:xfrm>
           <a:prstGeom prst="rect">
             <a:avLst/>
@@ -15742,7 +15677,7 @@
                 </a:solidFill>
                 <a:latin typeface="Arial"/>
               </a:rPr>
-              <a:t>Connections Between Wheel and Cycle Graphs</a:t>
+              <a:t>Finding The Picard Group of a Multipartite Graph</a:t>
             </a:r>
             <a:endParaRPr b="0" lang="en-US" sz="4400" spc="-1" strike="noStrike">
               <a:latin typeface="Arial"/>
@@ -15750,446 +15685,9 @@
           </a:p>
         </p:txBody>
       </p:sp>
-      <p:pic>
-        <p:nvPicPr>
-          <p:cNvPr id="249" name="" descr=""/>
-          <p:cNvPicPr/>
-          <p:nvPr/>
-        </p:nvPicPr>
-        <p:blipFill>
-          <a:blip r:embed="rId1"/>
-          <a:stretch/>
-        </p:blipFill>
-        <p:spPr>
-          <a:xfrm>
-            <a:off x="1143000" y="2196720"/>
-            <a:ext cx="3775680" cy="2831400"/>
-          </a:xfrm>
-          <a:prstGeom prst="rect">
-            <a:avLst/>
-          </a:prstGeom>
-          <a:ln w="0">
-            <a:noFill/>
-          </a:ln>
-        </p:spPr>
-      </p:pic>
-      <p:pic>
-        <p:nvPicPr>
-          <p:cNvPr id="250" name="" descr=""/>
-          <p:cNvPicPr/>
-          <p:nvPr/>
-        </p:nvPicPr>
-        <p:blipFill>
-          <a:blip r:embed="rId2"/>
-          <a:stretch/>
-        </p:blipFill>
-        <p:spPr>
-          <a:xfrm>
-            <a:off x="4910040" y="2196720"/>
-            <a:ext cx="3775680" cy="2831400"/>
-          </a:xfrm>
-          <a:prstGeom prst="rect">
-            <a:avLst/>
-          </a:prstGeom>
-          <a:ln w="0">
-            <a:noFill/>
-          </a:ln>
-        </p:spPr>
-      </p:pic>
-      <p:sp>
-        <p:nvSpPr>
-          <p:cNvPr id="251" name=""/>
-          <p:cNvSpPr/>
-          <p:nvPr/>
-        </p:nvSpPr>
-        <p:spPr>
-          <a:xfrm>
-            <a:off x="1600200" y="1828800"/>
-            <a:ext cx="6628320" cy="345240"/>
-          </a:xfrm>
-          <a:prstGeom prst="rect">
-            <a:avLst/>
-          </a:prstGeom>
-          <a:noFill/>
-          <a:ln w="0">
-            <a:noFill/>
-          </a:ln>
-        </p:spPr>
-        <p:style>
-          <a:lnRef idx="0"/>
-          <a:fillRef idx="0"/>
-          <a:effectRef idx="0"/>
-          <a:fontRef idx="minor"/>
-        </p:style>
-        <p:txBody>
-          <a:bodyPr lIns="90000" rIns="90000" tIns="45000" bIns="45000" anchor="t">
-            <a:noAutofit/>
-          </a:bodyPr>
-          <a:p>
-            <a:pPr algn="ctr">
-              <a:lnSpc>
-                <a:spcPct val="100000"/>
-              </a:lnSpc>
-              <a:buNone/>
-            </a:pPr>
-            <a:r>
-              <a:rPr b="0" lang="en-US" sz="1800" spc="-1" strike="noStrike">
-                <a:solidFill>
-                  <a:srgbClr val="000000"/>
-                </a:solidFill>
-                <a:latin typeface="Arial"/>
-                <a:ea typeface="DejaVu Sans"/>
-              </a:rPr>
-              <a:t>Pic(C</a:t>
-            </a:r>
-            <a:r>
-              <a:rPr b="0" lang="en-US" sz="1800" spc="-1" strike="noStrike" baseline="-8000">
-                <a:solidFill>
-                  <a:srgbClr val="000000"/>
-                </a:solidFill>
-                <a:latin typeface="Arial"/>
-                <a:ea typeface="DejaVu Sans"/>
-              </a:rPr>
-              <a:t>7</a:t>
-            </a:r>
-            <a:r>
-              <a:rPr b="0" lang="en-US" sz="1800" spc="-1" strike="noStrike">
-                <a:solidFill>
-                  <a:srgbClr val="000000"/>
-                </a:solidFill>
-                <a:latin typeface="Arial"/>
-                <a:ea typeface="DejaVu Sans"/>
-              </a:rPr>
-              <a:t>) = ℤ</a:t>
-            </a:r>
-            <a:r>
-              <a:rPr b="0" lang="en-US" sz="1800" spc="-1" strike="noStrike" baseline="-8000">
-                <a:solidFill>
-                  <a:srgbClr val="000000"/>
-                </a:solidFill>
-                <a:latin typeface="Arial"/>
-                <a:ea typeface="DejaVu Sans"/>
-              </a:rPr>
-              <a:t>5</a:t>
-            </a:r>
-            <a:r>
-              <a:rPr b="0" lang="en-US" sz="1800" spc="-1" strike="noStrike">
-                <a:solidFill>
-                  <a:srgbClr val="000000"/>
-                </a:solidFill>
-                <a:latin typeface="Arial"/>
-                <a:ea typeface="DejaVu Sans"/>
-              </a:rPr>
-              <a:t> x ℤ                               Pic(W</a:t>
-            </a:r>
-            <a:r>
-              <a:rPr b="0" lang="en-US" sz="1800" spc="-1" strike="noStrike" baseline="-8000">
-                <a:solidFill>
-                  <a:srgbClr val="000000"/>
-                </a:solidFill>
-                <a:latin typeface="Arial"/>
-                <a:ea typeface="DejaVu Sans"/>
-              </a:rPr>
-              <a:t>8</a:t>
-            </a:r>
-            <a:r>
-              <a:rPr b="0" lang="en-US" sz="1800" spc="-1" strike="noStrike">
-                <a:solidFill>
-                  <a:srgbClr val="000000"/>
-                </a:solidFill>
-                <a:latin typeface="Arial"/>
-                <a:ea typeface="DejaVu Sans"/>
-              </a:rPr>
-              <a:t>) = ℤ</a:t>
-            </a:r>
-            <a:r>
-              <a:rPr b="0" lang="en-US" sz="1800" spc="-1" strike="noStrike" baseline="-8000">
-                <a:solidFill>
-                  <a:srgbClr val="000000"/>
-                </a:solidFill>
-                <a:latin typeface="Arial"/>
-                <a:ea typeface="DejaVu Sans"/>
-              </a:rPr>
-              <a:t>35</a:t>
-            </a:r>
-            <a:r>
-              <a:rPr b="0" lang="en-US" sz="1800" spc="-1" strike="noStrike">
-                <a:solidFill>
-                  <a:srgbClr val="000000"/>
-                </a:solidFill>
-                <a:latin typeface="Arial"/>
-                <a:ea typeface="DejaVu Sans"/>
-              </a:rPr>
-              <a:t> x ℤ</a:t>
-            </a:r>
-            <a:endParaRPr b="0" lang="en-US" sz="1800" spc="-1" strike="noStrike">
-              <a:latin typeface="Arial"/>
-            </a:endParaRPr>
-          </a:p>
-        </p:txBody>
-      </p:sp>
-      <p:sp>
-        <p:nvSpPr>
-          <p:cNvPr id="252" name=""/>
-          <p:cNvSpPr/>
-          <p:nvPr/>
-        </p:nvSpPr>
-        <p:spPr>
-          <a:xfrm flipV="1">
-            <a:off x="1969560" y="3017520"/>
-            <a:ext cx="500040" cy="520200"/>
-          </a:xfrm>
-          <a:prstGeom prst="line">
-            <a:avLst/>
-          </a:prstGeom>
-          <a:ln w="57240">
-            <a:solidFill>
-              <a:srgbClr val="729fcf"/>
-            </a:solidFill>
-            <a:round/>
-            <a:headEnd len="med" type="triangle" w="med"/>
-            <a:tailEnd len="med" type="triangle" w="med"/>
-          </a:ln>
-        </p:spPr>
-        <p:style>
-          <a:lnRef idx="0"/>
-          <a:fillRef idx="0"/>
-          <a:effectRef idx="0"/>
-          <a:fontRef idx="minor"/>
-        </p:style>
-      </p:sp>
-      <p:sp>
-        <p:nvSpPr>
-          <p:cNvPr id="253" name=""/>
-          <p:cNvSpPr/>
-          <p:nvPr/>
-        </p:nvSpPr>
-        <p:spPr>
-          <a:xfrm>
-            <a:off x="7471440" y="2754720"/>
-            <a:ext cx="484200" cy="182880"/>
-          </a:xfrm>
-          <a:prstGeom prst="line">
-            <a:avLst/>
-          </a:prstGeom>
-          <a:ln w="57240">
-            <a:solidFill>
-              <a:srgbClr val="729fcf"/>
-            </a:solidFill>
-            <a:round/>
-            <a:headEnd len="med" type="triangle" w="med"/>
-            <a:tailEnd len="med" type="triangle" w="med"/>
-          </a:ln>
-        </p:spPr>
-        <p:style>
-          <a:lnRef idx="0"/>
-          <a:fillRef idx="0"/>
-          <a:effectRef idx="0"/>
-          <a:fontRef idx="minor"/>
-        </p:style>
-      </p:sp>
-      <p:sp>
-        <p:nvSpPr>
-          <p:cNvPr id="254" name=""/>
-          <p:cNvSpPr/>
-          <p:nvPr/>
-        </p:nvSpPr>
-        <p:spPr>
-          <a:xfrm flipV="1">
-            <a:off x="6450480" y="2758680"/>
-            <a:ext cx="784800" cy="182880"/>
-          </a:xfrm>
-          <a:prstGeom prst="line">
-            <a:avLst/>
-          </a:prstGeom>
-          <a:ln w="57240">
-            <a:solidFill>
-              <a:srgbClr val="729fcf"/>
-            </a:solidFill>
-            <a:round/>
-            <a:headEnd len="med" type="triangle" w="med"/>
-            <a:tailEnd len="med" type="triangle" w="med"/>
-          </a:ln>
-        </p:spPr>
-        <p:style>
-          <a:lnRef idx="0"/>
-          <a:fillRef idx="0"/>
-          <a:effectRef idx="0"/>
-          <a:fontRef idx="minor"/>
-        </p:style>
-      </p:sp>
-      <p:sp>
-        <p:nvSpPr>
-          <p:cNvPr id="255" name=""/>
-          <p:cNvSpPr/>
-          <p:nvPr/>
-        </p:nvSpPr>
-        <p:spPr>
-          <a:xfrm flipV="1">
-            <a:off x="5715000" y="3017520"/>
-            <a:ext cx="510840" cy="182880"/>
-          </a:xfrm>
-          <a:prstGeom prst="line">
-            <a:avLst/>
-          </a:prstGeom>
-          <a:ln w="57240">
-            <a:solidFill>
-              <a:srgbClr val="729fcf"/>
-            </a:solidFill>
-            <a:round/>
-            <a:headEnd len="med" type="triangle" w="med"/>
-            <a:tailEnd len="med" type="triangle" w="med"/>
-          </a:ln>
-        </p:spPr>
-        <p:style>
-          <a:lnRef idx="0"/>
-          <a:fillRef idx="0"/>
-          <a:effectRef idx="0"/>
-          <a:fontRef idx="minor"/>
-        </p:style>
-      </p:sp>
-      <p:sp>
-        <p:nvSpPr>
-          <p:cNvPr id="256" name=""/>
-          <p:cNvSpPr/>
-          <p:nvPr/>
-        </p:nvSpPr>
-        <p:spPr>
-          <a:xfrm>
-            <a:off x="3512880" y="2750760"/>
-            <a:ext cx="659160" cy="160200"/>
-          </a:xfrm>
-          <a:prstGeom prst="line">
-            <a:avLst/>
-          </a:prstGeom>
-          <a:ln w="57240">
-            <a:solidFill>
-              <a:srgbClr val="729fcf"/>
-            </a:solidFill>
-            <a:round/>
-            <a:headEnd len="med" type="triangle" w="med"/>
-            <a:tailEnd len="med" type="triangle" w="med"/>
-          </a:ln>
-        </p:spPr>
-        <p:style>
-          <a:lnRef idx="0"/>
-          <a:fillRef idx="0"/>
-          <a:effectRef idx="0"/>
-          <a:fontRef idx="minor"/>
-        </p:style>
-      </p:sp>
-      <p:sp>
-        <p:nvSpPr>
-          <p:cNvPr id="257" name=""/>
-          <p:cNvSpPr/>
-          <p:nvPr/>
-        </p:nvSpPr>
-        <p:spPr>
-          <a:xfrm flipV="1">
-            <a:off x="2674800" y="2754720"/>
-            <a:ext cx="571680" cy="167400"/>
-          </a:xfrm>
-          <a:prstGeom prst="line">
-            <a:avLst/>
-          </a:prstGeom>
-          <a:ln w="57240">
-            <a:solidFill>
-              <a:srgbClr val="729fcf"/>
-            </a:solidFill>
-            <a:round/>
-            <a:headEnd len="med" type="triangle" w="med"/>
-            <a:tailEnd len="med" type="triangle" w="med"/>
-          </a:ln>
-        </p:spPr>
-        <p:style>
-          <a:lnRef idx="0"/>
-          <a:fillRef idx="0"/>
-          <a:effectRef idx="0"/>
-          <a:fontRef idx="minor"/>
-        </p:style>
-      </p:sp>
-    </p:spTree>
-  </p:cSld>
-  <mc:AlternateContent>
-    <mc:Choice Requires="p14">
-      <p:transition spd="slow" p14:dur="2000"/>
-    </mc:Choice>
-    <mc:Fallback>
-      <p:transition spd="slow"/>
-    </mc:Fallback>
-  </mc:AlternateContent>
-</p:sld>
-</file>
-
-<file path=ppt/slides/slide26.xml><?xml version="1.0" encoding="utf-8"?>
-<p:sld xmlns:a="http://schemas.openxmlformats.org/drawingml/2006/main" xmlns:p="http://schemas.openxmlformats.org/presentationml/2006/main" xmlns:r="http://schemas.openxmlformats.org/officeDocument/2006/relationships" xmlns:p14="http://schemas.microsoft.com/office/powerpoint/2010/main" xmlns:p15="http://schemas.microsoft.com/office/powerpoint/2012/main" xmlns:mc="http://schemas.openxmlformats.org/markup-compatibility/2006">
-  <p:cSld>
-    <p:spTree>
-      <p:nvGrpSpPr>
-        <p:cNvPr id="1" name=""/>
-        <p:cNvGrpSpPr/>
-        <p:nvPr/>
-      </p:nvGrpSpPr>
-      <p:grpSpPr>
-        <a:xfrm>
-          <a:off x="0" y="0"/>
-          <a:ext cx="0" cy="0"/>
-          <a:chOff x="0" y="0"/>
-          <a:chExt cx="0" cy="0"/>
-        </a:xfrm>
-      </p:grpSpPr>
-      <p:sp>
-        <p:nvSpPr>
-          <p:cNvPr id="258" name="PlaceHolder 1"/>
-          <p:cNvSpPr>
-            <a:spLocks noGrp="1"/>
-          </p:cNvSpPr>
-          <p:nvPr>
-            <p:ph type="title"/>
-          </p:nvPr>
-        </p:nvSpPr>
-        <p:spPr>
-          <a:xfrm>
-            <a:off x="360000" y="-39960"/>
-            <a:ext cx="9355320" cy="1245960"/>
-          </a:xfrm>
-          <a:prstGeom prst="rect">
-            <a:avLst/>
-          </a:prstGeom>
-          <a:noFill/>
-          <a:ln w="0">
-            <a:noFill/>
-          </a:ln>
-        </p:spPr>
-        <p:txBody>
-          <a:bodyPr lIns="0" rIns="0" tIns="0" bIns="0" anchor="ctr">
-            <a:noAutofit/>
-          </a:bodyPr>
-          <a:p>
-            <a:pPr algn="ctr">
-              <a:lnSpc>
-                <a:spcPct val="100000"/>
-              </a:lnSpc>
-              <a:buNone/>
-            </a:pPr>
-            <a:r>
-              <a:rPr b="0" lang="en-US" sz="4400" spc="-1" strike="noStrike">
-                <a:solidFill>
-                  <a:srgbClr val="ffffff"/>
-                </a:solidFill>
-                <a:latin typeface="Arial"/>
-              </a:rPr>
-              <a:t>Finding The Picard Group of a Multipartite Graph</a:t>
-            </a:r>
-            <a:endParaRPr b="0" lang="en-US" sz="4400" spc="-1" strike="noStrike">
-              <a:latin typeface="Arial"/>
-            </a:endParaRPr>
-          </a:p>
-        </p:txBody>
-      </p:sp>
-      <p:sp>
-        <p:nvSpPr>
-          <p:cNvPr id="259" name="PlaceHolder 2"/>
+      <p:sp>
+        <p:nvSpPr>
+          <p:cNvPr id="257" name="PlaceHolder 2"/>
           <p:cNvSpPr>
             <a:spLocks noGrp="1"/>
           </p:cNvSpPr>
@@ -16200,7 +15698,7 @@
         <p:spPr>
           <a:xfrm>
             <a:off x="360000" y="1485000"/>
-            <a:ext cx="9355320" cy="3775320"/>
+            <a:ext cx="9354960" cy="3774960"/>
           </a:xfrm>
           <a:prstGeom prst="rect">
             <a:avLst/>
@@ -16233,7 +15731,7 @@
               <a:rPr b="0" lang="en-US" sz="3200" spc="-1" strike="noStrike">
                 <a:latin typeface="Arial"/>
               </a:rPr>
-              <a:t>The  structure  of  the  graphs  that  we  investigate  are  intentionally  designed  to  resemble  artificial neural networks.</a:t>
+              <a:t>The  structure  of  these  graphs  that  we  investigate  are  intentionally  designed  to  resemble  artificial neural networks.</a:t>
             </a:r>
             <a:endParaRPr b="0" lang="en-US" sz="3200" spc="-1" strike="noStrike">
               <a:latin typeface="Arial"/>
@@ -16511,7 +16009,7 @@
         <p:spPr>
           <a:xfrm>
             <a:off x="360000" y="225720"/>
-            <a:ext cx="9355320" cy="714240"/>
+            <a:ext cx="9354960" cy="713880"/>
           </a:xfrm>
           <a:prstGeom prst="rect">
             <a:avLst/>
@@ -16590,7 +16088,7 @@
         <p:spPr>
           <a:xfrm>
             <a:off x="360000" y="225720"/>
-            <a:ext cx="9355320" cy="714240"/>
+            <a:ext cx="9354960" cy="713880"/>
           </a:xfrm>
           <a:prstGeom prst="rect">
             <a:avLst/>
@@ -16639,7 +16137,7 @@
         <p:spPr>
           <a:xfrm>
             <a:off x="797400" y="1870560"/>
-            <a:ext cx="8574120" cy="2471760"/>
+            <a:ext cx="8573760" cy="2471400"/>
           </a:xfrm>
           <a:prstGeom prst="rect">
             <a:avLst/>
@@ -16692,7 +16190,7 @@
         <p:spPr>
           <a:xfrm>
             <a:off x="360000" y="225720"/>
-            <a:ext cx="9355320" cy="714240"/>
+            <a:ext cx="9354960" cy="713880"/>
           </a:xfrm>
           <a:prstGeom prst="rect">
             <a:avLst/>
@@ -16741,7 +16239,7 @@
         <p:spPr>
           <a:xfrm>
             <a:off x="360000" y="1485000"/>
-            <a:ext cx="9355320" cy="3775320"/>
+            <a:ext cx="9354960" cy="3774960"/>
           </a:xfrm>
           <a:prstGeom prst="rect">
             <a:avLst/>
@@ -16900,7 +16398,7 @@
         <p:spPr>
           <a:xfrm>
             <a:off x="360000" y="-39960"/>
-            <a:ext cx="9355320" cy="1245960"/>
+            <a:ext cx="9354960" cy="1245600"/>
           </a:xfrm>
           <a:prstGeom prst="rect">
             <a:avLst/>
@@ -16949,7 +16447,7 @@
         <p:spPr>
           <a:xfrm>
             <a:off x="360000" y="1485000"/>
-            <a:ext cx="9465840" cy="3775320"/>
+            <a:ext cx="9465480" cy="3774960"/>
           </a:xfrm>
           <a:prstGeom prst="rect">
             <a:avLst/>
@@ -17066,7 +16564,7 @@
         <p:spPr>
           <a:xfrm>
             <a:off x="360000" y="-39960"/>
-            <a:ext cx="9355320" cy="1245960"/>
+            <a:ext cx="9354960" cy="1245600"/>
           </a:xfrm>
           <a:prstGeom prst="rect">
             <a:avLst/>
@@ -17115,7 +16613,7 @@
         <p:spPr>
           <a:xfrm>
             <a:off x="360000" y="1485000"/>
-            <a:ext cx="9465840" cy="3775320"/>
+            <a:ext cx="9465480" cy="3774960"/>
           </a:xfrm>
           <a:prstGeom prst="rect">
             <a:avLst/>
@@ -17127,7 +16625,7 @@
         </p:spPr>
         <p:txBody>
           <a:bodyPr lIns="0" rIns="0" tIns="0" bIns="0" anchor="t">
-            <a:normAutofit/>
+            <a:normAutofit fontScale="96000"/>
           </a:bodyPr>
           <a:p>
             <a:pPr marL="432000" indent="-324000">
@@ -17145,7 +16643,7 @@
               <a:buChar char=""/>
             </a:pPr>
             <a:r>
-              <a:rPr b="0" lang="en-US" sz="2100" spc="-1" strike="noStrike">
+              <a:rPr b="0" lang="en-US" sz="2400" spc="-1" strike="noStrike">
                 <a:solidFill>
                   <a:srgbClr val="000000"/>
                 </a:solidFill>
@@ -17154,7 +16652,7 @@
               </a:rPr>
               <a:t>Terminal strong components are sub-sections of a larger oriented graph.</a:t>
             </a:r>
-            <a:endParaRPr b="0" lang="en-US" sz="2100" spc="-1" strike="noStrike">
+            <a:endParaRPr b="0" lang="en-US" sz="2400" spc="-1" strike="noStrike">
               <a:latin typeface="Arial"/>
             </a:endParaRPr>
           </a:p>
@@ -17174,7 +16672,7 @@
               <a:buChar char=""/>
             </a:pPr>
             <a:r>
-              <a:rPr b="0" lang="en-US" sz="2100" spc="-1" strike="noStrike">
+              <a:rPr b="0" lang="en-US" sz="2400" spc="-1" strike="noStrike">
                 <a:solidFill>
                   <a:srgbClr val="000000"/>
                 </a:solidFill>
@@ -17183,7 +16681,7 @@
               </a:rPr>
               <a:t>Regions of a graph that are strongly connected.</a:t>
             </a:r>
-            <a:endParaRPr b="0" lang="en-US" sz="2100" spc="-1" strike="noStrike">
+            <a:endParaRPr b="0" lang="en-US" sz="2400" spc="-1" strike="noStrike">
               <a:latin typeface="Arial"/>
             </a:endParaRPr>
           </a:p>
@@ -17203,16 +16701,16 @@
               <a:buChar char=""/>
             </a:pPr>
             <a:r>
-              <a:rPr b="0" lang="en-US" sz="2100" spc="-1" strike="noStrike">
+              <a:rPr b="0" lang="en-US" sz="2400" spc="-1" strike="noStrike">
                 <a:solidFill>
                   <a:srgbClr val="000000"/>
                 </a:solidFill>
                 <a:latin typeface="Arial"/>
                 <a:ea typeface="JetBrains Mono"/>
               </a:rPr>
-              <a:t>They are also terminal, as in there are only edges pointing into the sub-section, with none coming out of it.</a:t>
-            </a:r>
-            <a:endParaRPr b="0" lang="en-US" sz="2100" spc="-1" strike="noStrike">
+              <a:t>They are also terminal, with edges only going in.</a:t>
+            </a:r>
+            <a:endParaRPr b="0" lang="en-US" sz="2400" spc="-1" strike="noStrike">
               <a:latin typeface="Arial"/>
             </a:endParaRPr>
           </a:p>
@@ -17232,7 +16730,7 @@
               <a:buChar char=""/>
             </a:pPr>
             <a:r>
-              <a:rPr b="0" lang="en-US" sz="2100" spc="-1" strike="noStrike">
+              <a:rPr b="0" lang="en-US" sz="2400" spc="-1" strike="noStrike">
                 <a:solidFill>
                   <a:srgbClr val="000000"/>
                 </a:solidFill>
@@ -17241,7 +16739,7 @@
               </a:rPr>
               <a:t>Understanding these regions is important for understanding how the game is played.</a:t>
             </a:r>
-            <a:endParaRPr b="0" lang="en-US" sz="2100" spc="-1" strike="noStrike">
+            <a:endParaRPr b="0" lang="en-US" sz="2400" spc="-1" strike="noStrike">
               <a:latin typeface="Arial"/>
             </a:endParaRPr>
           </a:p>
@@ -17261,7 +16759,7 @@
               <a:buChar char=""/>
             </a:pPr>
             <a:r>
-              <a:rPr b="0" lang="en-US" sz="2100" spc="-1" strike="noStrike">
+              <a:rPr b="0" lang="en-US" sz="2400" spc="-1" strike="noStrike">
                 <a:solidFill>
                   <a:srgbClr val="000000"/>
                 </a:solidFill>
@@ -17270,7 +16768,7 @@
               </a:rPr>
               <a:t>An example of their importance is how chips can only be lent into these regions, trapping them until a borrowing move has been made.</a:t>
             </a:r>
-            <a:endParaRPr b="0" lang="en-US" sz="2100" spc="-1" strike="noStrike">
+            <a:endParaRPr b="0" lang="en-US" sz="2400" spc="-1" strike="noStrike">
               <a:latin typeface="Arial"/>
             </a:endParaRPr>
           </a:p>
@@ -17319,7 +16817,7 @@
         <p:spPr>
           <a:xfrm>
             <a:off x="360000" y="225720"/>
-            <a:ext cx="9355320" cy="714240"/>
+            <a:ext cx="9354960" cy="713880"/>
           </a:xfrm>
           <a:prstGeom prst="rect">
             <a:avLst/>
@@ -17368,7 +16866,7 @@
         <p:spPr>
           <a:xfrm>
             <a:off x="1022400" y="1509840"/>
-            <a:ext cx="4688280" cy="3515040"/>
+            <a:ext cx="4687920" cy="3514680"/>
           </a:xfrm>
           <a:prstGeom prst="rect">
             <a:avLst/>
@@ -17391,7 +16889,7 @@
         <p:spPr>
           <a:xfrm>
             <a:off x="360000" y="2507760"/>
-            <a:ext cx="1464480" cy="1602720"/>
+            <a:ext cx="1464120" cy="1602360"/>
           </a:xfrm>
           <a:prstGeom prst="rect">
             <a:avLst/>
@@ -17433,7 +16931,7 @@
         <p:spPr>
           <a:xfrm>
             <a:off x="5486400" y="1828800"/>
-            <a:ext cx="4339080" cy="1480320"/>
+            <a:ext cx="4338720" cy="1479960"/>
           </a:xfrm>
           <a:prstGeom prst="rect">
             <a:avLst/>
@@ -17671,7 +17169,7 @@
         <p:spPr>
           <a:xfrm>
             <a:off x="360000" y="1485000"/>
-            <a:ext cx="9355320" cy="3775320"/>
+            <a:ext cx="9354960" cy="3774960"/>
           </a:xfrm>
           <a:prstGeom prst="rect">
             <a:avLst/>
@@ -17808,7 +17306,7 @@
                 <a:latin typeface="Arial"/>
                 <a:ea typeface="Noto Sans CJK SC"/>
               </a:rPr>
-              <a:t>) if one divisor can be obtained from the other by a finite series of lending or borrowing moves.   </a:t>
+              <a:t>) if one divisor can be obtained from the other by lending or borrowing moves.   </a:t>
             </a:r>
             <a:endParaRPr b="0" lang="en-US" sz="3200" spc="-1" strike="noStrike">
               <a:latin typeface="Arial"/>
@@ -17902,7 +17400,7 @@
         <p:spPr>
           <a:xfrm>
             <a:off x="360000" y="225720"/>
-            <a:ext cx="9355320" cy="714240"/>
+            <a:ext cx="9354960" cy="713880"/>
           </a:xfrm>
           <a:prstGeom prst="rect">
             <a:avLst/>

--- a/Docs/JMMPresentationStripped.pptx
+++ b/Docs/JMMPresentationStripped.pptx
@@ -33,6 +33,7 @@
     <p:sldId id="278" r:id="rId28"/>
     <p:sldId id="279" r:id="rId29"/>
     <p:sldId id="280" r:id="rId30"/>
+    <p:sldId id="281" r:id="rId31"/>
   </p:sldIdLst>
   <p:sldSz cx="10080625" cy="5670550"/>
   <p:notesSz cx="7772400" cy="10058400"/>
@@ -90,7 +91,7 @@
         <p:txBody>
           <a:bodyPr/>
           <a:p>
-            <a:fld id="{C9B15BBE-3D09-434D-9AC9-3E0ECE36ECE1}" type="slidenum">
+            <a:fld id="{66B0D2E2-F70B-4F34-B394-5551BD7DA031}" type="slidenum">
               <a:t>&lt;#&gt;</a:t>
             </a:fld>
           </a:p>
@@ -278,7 +279,7 @@
         <p:txBody>
           <a:bodyPr/>
           <a:p>
-            <a:fld id="{7B1B2DC8-DA09-44A4-8F1B-24AAA6407519}" type="slidenum">
+            <a:fld id="{AF7188FC-537E-4699-8B8B-A31A2DAC90EF}" type="slidenum">
               <a:t>&lt;#&gt;</a:t>
             </a:fld>
           </a:p>
@@ -534,7 +535,7 @@
         <p:txBody>
           <a:bodyPr/>
           <a:p>
-            <a:fld id="{D85579C9-9FF4-4C97-847F-9BC43F573344}" type="slidenum">
+            <a:fld id="{5D8C95DC-0683-45D9-AC91-13EFDD229858}" type="slidenum">
               <a:t>&lt;#&gt;</a:t>
             </a:fld>
           </a:p>
@@ -858,7 +859,7 @@
         <p:txBody>
           <a:bodyPr/>
           <a:p>
-            <a:fld id="{A933CDFA-BF09-4CE3-8961-1538BBCEBDBE}" type="slidenum">
+            <a:fld id="{BB9D41ED-02B6-4571-AE9F-9974BCBCC196}" type="slidenum">
               <a:t>&lt;#&gt;</a:t>
             </a:fld>
           </a:p>
@@ -1919,7 +1920,7 @@
         <p:txBody>
           <a:bodyPr/>
           <a:p>
-            <a:fld id="{F652B1AC-CFFE-41F0-BF11-035F9188FF65}" type="slidenum">
+            <a:fld id="{3AE0C926-1433-4687-82C9-A85040A28B6D}" type="slidenum">
               <a:t>&lt;#&gt;</a:t>
             </a:fld>
           </a:p>
@@ -3787,7 +3788,7 @@
         <p:txBody>
           <a:bodyPr/>
           <a:p>
-            <a:fld id="{341BE634-7871-43F4-8B0E-0E15C8018660}" type="slidenum">
+            <a:fld id="{648E5910-85B3-44B6-88D6-FEB3F43CB037}" type="slidenum">
               <a:t>&lt;#&gt;</a:t>
             </a:fld>
           </a:p>
@@ -5723,7 +5724,7 @@
         <p:txBody>
           <a:bodyPr/>
           <a:p>
-            <a:fld id="{1ABB5923-EFE7-47C2-AF6C-25526F3101ED}" type="slidenum">
+            <a:fld id="{2DBF085E-60E5-4CBD-A8CD-8BE83FB65D75}" type="slidenum">
               <a:t>&lt;#&gt;</a:t>
             </a:fld>
           </a:p>
@@ -7525,7 +7526,7 @@
         <p:txBody>
           <a:bodyPr/>
           <a:p>
-            <a:fld id="{A7CA5296-FFFF-49FC-AFE7-B3A9DD4F1EAF}" type="slidenum">
+            <a:fld id="{5A9D96F6-40B6-40DB-8F0A-F4C9A739D1F8}" type="slidenum">
               <a:t>&lt;#&gt;</a:t>
             </a:fld>
           </a:p>
@@ -7645,7 +7646,7 @@
         <p:txBody>
           <a:bodyPr/>
           <a:p>
-            <a:fld id="{BEDE241F-A100-428A-B30E-C65FC511DDA2}" type="slidenum">
+            <a:fld id="{406EED0C-FF4B-4096-9596-B680A199757C}" type="slidenum">
               <a:t>&lt;#&gt;</a:t>
             </a:fld>
           </a:p>
@@ -7867,7 +7868,7 @@
         <p:txBody>
           <a:bodyPr/>
           <a:p>
-            <a:fld id="{83CF3327-6433-45BA-B4EB-A57AF1D5C074}" type="slidenum">
+            <a:fld id="{2D36A1A1-1D45-4245-9396-E29726557813}" type="slidenum">
               <a:t>&lt;#&gt;</a:t>
             </a:fld>
           </a:p>
@@ -8089,7 +8090,7 @@
         <p:txBody>
           <a:bodyPr/>
           <a:p>
-            <a:fld id="{BAEBFC27-D3D0-4E84-A6BA-B67520EFE6ED}" type="slidenum">
+            <a:fld id="{176AB6AB-532D-462A-9BB5-EB0B118A5300}" type="slidenum">
               <a:t>&lt;#&gt;</a:t>
             </a:fld>
           </a:p>
@@ -8311,7 +8312,7 @@
         <p:txBody>
           <a:bodyPr/>
           <a:p>
-            <a:fld id="{BC4051D6-A511-4198-A75C-45DFAF6214D0}" type="slidenum">
+            <a:fld id="{36A7A393-29B5-4348-B045-BE799A55E046}" type="slidenum">
               <a:t>&lt;#&gt;</a:t>
             </a:fld>
           </a:p>
@@ -8369,7 +8370,7 @@
         <p:spPr>
           <a:xfrm>
             <a:off x="0" y="0"/>
-            <a:ext cx="10074960" cy="5664960"/>
+            <a:ext cx="10074600" cy="5664600"/>
           </a:xfrm>
           <a:prstGeom prst="rect">
             <a:avLst/>
@@ -8397,7 +8398,7 @@
         <p:spPr>
           <a:xfrm>
             <a:off x="0" y="0"/>
-            <a:ext cx="10074960" cy="3774960"/>
+            <a:ext cx="10074600" cy="3774600"/>
           </a:xfrm>
           <a:prstGeom prst="rect">
             <a:avLst/>
@@ -8432,7 +8433,7 @@
         <p:spPr>
           <a:xfrm>
             <a:off x="3420000" y="5400000"/>
-            <a:ext cx="3234960" cy="264960"/>
+            <a:ext cx="3234600" cy="264600"/>
           </a:xfrm>
           <a:prstGeom prst="rect">
             <a:avLst/>
@@ -8474,7 +8475,7 @@
                 </a:solidFill>
                 <a:latin typeface="Noto Sans"/>
               </a:rPr>
-              <a:t>&lt;footer&gt;</a:t>
+              <a:t> </a:t>
             </a:r>
             <a:endParaRPr b="0" lang="en-US" sz="1800" spc="-1" strike="noStrike">
               <a:latin typeface="Times New Roman"/>
@@ -8495,7 +8496,7 @@
         <p:spPr>
           <a:xfrm>
             <a:off x="9180000" y="5130000"/>
-            <a:ext cx="714960" cy="534960"/>
+            <a:ext cx="714600" cy="534600"/>
           </a:xfrm>
           <a:prstGeom prst="rect">
             <a:avLst/>
@@ -8530,14 +8531,14 @@
               </a:lnSpc>
               <a:buNone/>
             </a:pPr>
-            <a:fld id="{70F3F285-071D-43C0-8A6F-C1426BCA7B0C}" type="slidenum">
+            <a:fld id="{A6C7306F-AC60-47CF-9181-8F668B99C998}" type="slidenum">
               <a:rPr b="1" lang="en-US" sz="1800" spc="-1" strike="noStrike">
                 <a:solidFill>
                   <a:srgbClr val="ffffff"/>
                 </a:solidFill>
                 <a:latin typeface="Noto Sans"/>
               </a:rPr>
-              <a:t>&lt;number&gt;</a:t>
+              <a:t>24</a:t>
             </a:fld>
             <a:endParaRPr b="0" lang="en-US" sz="1800" spc="-1" strike="noStrike">
               <a:latin typeface="Times New Roman"/>
@@ -8558,7 +8559,7 @@
         <p:spPr>
           <a:xfrm>
             <a:off x="360000" y="5400000"/>
-            <a:ext cx="2874960" cy="264960"/>
+            <a:ext cx="2874600" cy="264600"/>
           </a:xfrm>
           <a:prstGeom prst="rect">
             <a:avLst/>
@@ -8584,7 +8585,7 @@
               <a:rPr b="0" lang="en-US" sz="1400" spc="-1" strike="noStrike">
                 <a:latin typeface="Times New Roman"/>
               </a:rPr>
-              <a:t>&lt;date/time&gt;</a:t>
+              <a:t> </a:t>
             </a:r>
             <a:endParaRPr b="0" lang="en-US" sz="1400" spc="-1" strike="noStrike">
               <a:latin typeface="Times New Roman"/>
@@ -8864,7 +8865,7 @@
         <p:spPr>
           <a:xfrm>
             <a:off x="0" y="5400000"/>
-            <a:ext cx="10074960" cy="264960"/>
+            <a:ext cx="10074600" cy="264600"/>
           </a:xfrm>
           <a:prstGeom prst="rect">
             <a:avLst/>
@@ -8892,7 +8893,7 @@
         <p:spPr>
           <a:xfrm>
             <a:off x="0" y="0"/>
-            <a:ext cx="10074960" cy="1209960"/>
+            <a:ext cx="10074600" cy="1209600"/>
           </a:xfrm>
           <a:prstGeom prst="rect">
             <a:avLst/>
@@ -8920,7 +8921,7 @@
         <p:spPr>
           <a:xfrm>
             <a:off x="9315000" y="5175000"/>
-            <a:ext cx="444960" cy="444960"/>
+            <a:ext cx="444600" cy="444600"/>
           </a:xfrm>
           <a:prstGeom prst="ellipse">
             <a:avLst/>
@@ -8951,7 +8952,7 @@
         <p:spPr>
           <a:xfrm>
             <a:off x="9180000" y="5130000"/>
-            <a:ext cx="714960" cy="534960"/>
+            <a:ext cx="714600" cy="534600"/>
           </a:xfrm>
           <a:prstGeom prst="rect">
             <a:avLst/>
@@ -8978,7 +8979,7 @@
               </a:lnSpc>
               <a:buNone/>
             </a:pPr>
-            <a:fld id="{52F11576-F6D4-4139-BC65-4B3E57D8FC98}" type="slidenum">
+            <a:fld id="{94797DC3-C099-4B7D-BB1A-E49A6499C258}" type="slidenum">
               <a:rPr b="1" lang="en-US" sz="1800" spc="-1" strike="noStrike">
                 <a:solidFill>
                   <a:srgbClr val="ffffff"/>
@@ -9007,7 +9008,7 @@
         <p:spPr>
           <a:xfrm>
             <a:off x="3420000" y="5400000"/>
-            <a:ext cx="3234960" cy="264960"/>
+            <a:ext cx="3234600" cy="264600"/>
           </a:xfrm>
           <a:prstGeom prst="rect">
             <a:avLst/>
@@ -9070,7 +9071,7 @@
         <p:spPr>
           <a:xfrm>
             <a:off x="360000" y="5400000"/>
-            <a:ext cx="2874960" cy="264960"/>
+            <a:ext cx="2874600" cy="264600"/>
           </a:xfrm>
           <a:prstGeom prst="rect">
             <a:avLst/>
@@ -9376,7 +9377,7 @@
         <p:spPr>
           <a:xfrm>
             <a:off x="0" y="5400000"/>
-            <a:ext cx="10074960" cy="264960"/>
+            <a:ext cx="10074600" cy="264600"/>
           </a:xfrm>
           <a:prstGeom prst="rect">
             <a:avLst/>
@@ -9404,7 +9405,7 @@
         <p:spPr>
           <a:xfrm>
             <a:off x="0" y="0"/>
-            <a:ext cx="10074960" cy="1209960"/>
+            <a:ext cx="10074600" cy="1209600"/>
           </a:xfrm>
           <a:prstGeom prst="rect">
             <a:avLst/>
@@ -9432,7 +9433,7 @@
         <p:spPr>
           <a:xfrm>
             <a:off x="9315000" y="5175000"/>
-            <a:ext cx="444960" cy="444960"/>
+            <a:ext cx="444600" cy="444600"/>
           </a:xfrm>
           <a:prstGeom prst="ellipse">
             <a:avLst/>
@@ -9463,7 +9464,7 @@
         <p:spPr>
           <a:xfrm>
             <a:off x="9180000" y="5130000"/>
-            <a:ext cx="714960" cy="534960"/>
+            <a:ext cx="714600" cy="534600"/>
           </a:xfrm>
           <a:prstGeom prst="rect">
             <a:avLst/>
@@ -9490,7 +9491,7 @@
               </a:lnSpc>
               <a:buNone/>
             </a:pPr>
-            <a:fld id="{5975FD8C-4392-4C32-8C03-EC37368D3F2B}" type="slidenum">
+            <a:fld id="{2E9768A6-46FA-4488-AA88-A58620A0D866}" type="slidenum">
               <a:rPr b="1" lang="en-US" sz="1800" spc="-1" strike="noStrike">
                 <a:solidFill>
                   <a:srgbClr val="ffffff"/>
@@ -9559,7 +9560,7 @@
         <p:spPr>
           <a:xfrm>
             <a:off x="3420000" y="5400000"/>
-            <a:ext cx="3234960" cy="264960"/>
+            <a:ext cx="3234600" cy="264600"/>
           </a:xfrm>
           <a:prstGeom prst="rect">
             <a:avLst/>
@@ -9622,7 +9623,7 @@
         <p:spPr>
           <a:xfrm>
             <a:off x="360000" y="5400000"/>
-            <a:ext cx="2874960" cy="264960"/>
+            <a:ext cx="2874600" cy="264600"/>
           </a:xfrm>
           <a:prstGeom prst="rect">
             <a:avLst/>
@@ -9885,7 +9886,7 @@
         <p:spPr>
           <a:xfrm>
             <a:off x="0" y="5400000"/>
-            <a:ext cx="10074960" cy="264960"/>
+            <a:ext cx="10074600" cy="264600"/>
           </a:xfrm>
           <a:prstGeom prst="rect">
             <a:avLst/>
@@ -9913,7 +9914,7 @@
         <p:spPr>
           <a:xfrm>
             <a:off x="0" y="0"/>
-            <a:ext cx="10074960" cy="1209960"/>
+            <a:ext cx="10074600" cy="1209600"/>
           </a:xfrm>
           <a:prstGeom prst="rect">
             <a:avLst/>
@@ -9941,7 +9942,7 @@
         <p:spPr>
           <a:xfrm>
             <a:off x="9315000" y="5175000"/>
-            <a:ext cx="444960" cy="444960"/>
+            <a:ext cx="444600" cy="444600"/>
           </a:xfrm>
           <a:prstGeom prst="ellipse">
             <a:avLst/>
@@ -9972,7 +9973,7 @@
         <p:spPr>
           <a:xfrm>
             <a:off x="9180000" y="5130000"/>
-            <a:ext cx="714960" cy="534960"/>
+            <a:ext cx="714600" cy="534600"/>
           </a:xfrm>
           <a:prstGeom prst="rect">
             <a:avLst/>
@@ -9999,7 +10000,7 @@
               </a:lnSpc>
               <a:buNone/>
             </a:pPr>
-            <a:fld id="{8A4026D2-8DAB-4978-8734-1BD9CEF1CE98}" type="slidenum">
+            <a:fld id="{540B4EF9-9829-48F7-9B16-1AA5B1CB1EB2}" type="slidenum">
               <a:rPr b="1" lang="en-US" sz="1800" spc="-1" strike="noStrike">
                 <a:solidFill>
                   <a:srgbClr val="ffffff"/>
@@ -10028,7 +10029,7 @@
         <p:spPr>
           <a:xfrm>
             <a:off x="3420000" y="5400000"/>
-            <a:ext cx="3234960" cy="264960"/>
+            <a:ext cx="3234600" cy="264600"/>
           </a:xfrm>
           <a:prstGeom prst="rect">
             <a:avLst/>
@@ -10091,7 +10092,7 @@
         <p:spPr>
           <a:xfrm>
             <a:off x="360000" y="5400000"/>
-            <a:ext cx="2874960" cy="264960"/>
+            <a:ext cx="2874600" cy="264600"/>
           </a:xfrm>
           <a:prstGeom prst="rect">
             <a:avLst/>
@@ -10401,7 +10402,7 @@
         <p:spPr>
           <a:xfrm>
             <a:off x="360000" y="225720"/>
-            <a:ext cx="9354960" cy="2741400"/>
+            <a:ext cx="9354600" cy="2741040"/>
           </a:xfrm>
           <a:prstGeom prst="rect">
             <a:avLst/>
@@ -10447,7 +10448,7 @@
         <p:spPr>
           <a:xfrm>
             <a:off x="504000" y="4071960"/>
-            <a:ext cx="9067320" cy="1181520"/>
+            <a:ext cx="9066960" cy="1181160"/>
           </a:xfrm>
           <a:prstGeom prst="rect">
             <a:avLst/>
@@ -10566,7 +10567,7 @@
         <p:spPr>
           <a:xfrm>
             <a:off x="360000" y="225720"/>
-            <a:ext cx="9354960" cy="713880"/>
+            <a:ext cx="9354600" cy="713520"/>
           </a:xfrm>
           <a:prstGeom prst="rect">
             <a:avLst/>
@@ -10615,7 +10616,7 @@
         <p:spPr>
           <a:xfrm>
             <a:off x="360000" y="1485000"/>
-            <a:ext cx="9354960" cy="3774960"/>
+            <a:ext cx="9354600" cy="3774600"/>
           </a:xfrm>
           <a:prstGeom prst="rect">
             <a:avLst/>
@@ -10627,7 +10628,7 @@
         </p:spPr>
         <p:txBody>
           <a:bodyPr lIns="0" rIns="0" tIns="0" bIns="0" anchor="t">
-            <a:normAutofit fontScale="77000"/>
+            <a:normAutofit fontScale="73000"/>
           </a:bodyPr>
           <a:p>
             <a:pPr marL="432000" indent="-324000">
@@ -10691,6 +10692,31 @@
             </a:endParaRPr>
           </a:p>
           <a:p>
+            <a:pPr lvl="1" marL="864000" indent="-324000">
+              <a:lnSpc>
+                <a:spcPct val="100000"/>
+              </a:lnSpc>
+              <a:spcBef>
+                <a:spcPts val="1134"/>
+              </a:spcBef>
+              <a:buClr>
+                <a:srgbClr val="000000"/>
+              </a:buClr>
+              <a:buSzPct val="75000"/>
+              <a:buFont typeface="Symbol" charset="2"/>
+              <a:buChar char=""/>
+            </a:pPr>
+            <a:r>
+              <a:rPr b="0" lang="en-US" sz="3200" spc="-1" strike="noStrike">
+                <a:latin typeface="Arial"/>
+              </a:rPr>
+              <a:t>The Picard Group is a finitely generated abelian group.</a:t>
+            </a:r>
+            <a:endParaRPr b="0" lang="en-US" sz="3200" spc="-1" strike="noStrike">
+              <a:latin typeface="Arial"/>
+            </a:endParaRPr>
+          </a:p>
+          <a:p>
             <a:pPr marL="432000" indent="-324000">
               <a:lnSpc>
                 <a:spcPct val="100000"/>
@@ -10710,7 +10736,7 @@
                 <a:latin typeface="Arial"/>
                 <a:ea typeface="Noto Sans CJK SC"/>
               </a:rPr>
-              <a:t>The degree of a divisor or an equivalency class is the sum of each of the divisor’s elements.</a:t>
+              <a:t>The degree of a divisor or an equivalence class is the sum of each of the divisor’s elements.</a:t>
             </a:r>
             <a:endParaRPr b="0" lang="en-US" sz="3200" spc="-1" strike="noStrike">
               <a:latin typeface="Arial"/>
@@ -10764,7 +10790,7 @@
                 <a:latin typeface="Arial"/>
                 <a:ea typeface="Noto Sans CJK SC"/>
               </a:rPr>
-              <a:t>, is a special subset of </a:t>
+              <a:t>, is the torsion sub-group of </a:t>
             </a:r>
             <a:r>
               <a:rPr b="0" i="1" lang="en-US" sz="3200" spc="-1" strike="noStrike">
@@ -10778,7 +10804,7 @@
                 <a:latin typeface="Arial"/>
                 <a:ea typeface="Noto Sans CJK SC"/>
               </a:rPr>
-              <a:t> such that every divisor in each equivalency class has a degree of </a:t>
+              <a:t> such that every divisor in each equivalence class has a degree of </a:t>
             </a:r>
             <a:r>
               <a:rPr b="0" i="1" lang="en-US" sz="3200" spc="-1" strike="noStrike">
@@ -10792,7 +10818,33 @@
                 <a:latin typeface="Arial"/>
                 <a:ea typeface="Noto Sans CJK SC"/>
               </a:rPr>
-              <a:t>  If a divisor is in one of the Jacobian’s classes, it can be made winning after a finite series of moves.</a:t>
+              <a:t>  </a:t>
+            </a:r>
+            <a:endParaRPr b="0" lang="en-US" sz="3200" spc="-1" strike="noStrike">
+              <a:latin typeface="Arial"/>
+            </a:endParaRPr>
+          </a:p>
+          <a:p>
+            <a:pPr lvl="1" marL="864000" indent="-324000">
+              <a:lnSpc>
+                <a:spcPct val="100000"/>
+              </a:lnSpc>
+              <a:spcBef>
+                <a:spcPts val="1134"/>
+              </a:spcBef>
+              <a:buClr>
+                <a:srgbClr val="000000"/>
+              </a:buClr>
+              <a:buSzPct val="75000"/>
+              <a:buFont typeface="Symbol" charset="2"/>
+              <a:buChar char=""/>
+            </a:pPr>
+            <a:r>
+              <a:rPr b="0" lang="en-US" sz="3200" spc="-1" strike="noStrike">
+                <a:latin typeface="Arial"/>
+                <a:ea typeface="Noto Sans CJK SC"/>
+              </a:rPr>
+              <a:t>If a divisor is in one of the Jacobian’s classes, it can be made winning after a finite series of moves.</a:t>
             </a:r>
             <a:endParaRPr b="0" lang="en-US" sz="3200" spc="-1" strike="noStrike">
               <a:latin typeface="Arial"/>
@@ -10843,7 +10895,7 @@
         <p:spPr>
           <a:xfrm>
             <a:off x="360000" y="225720"/>
-            <a:ext cx="9354960" cy="713880"/>
+            <a:ext cx="9354600" cy="713520"/>
           </a:xfrm>
           <a:prstGeom prst="rect">
             <a:avLst/>
@@ -10892,7 +10944,7 @@
         <p:spPr>
           <a:xfrm>
             <a:off x="360000" y="1485000"/>
-            <a:ext cx="9354960" cy="3774960"/>
+            <a:ext cx="9354600" cy="3774600"/>
           </a:xfrm>
           <a:prstGeom prst="rect">
             <a:avLst/>
@@ -10911,13 +10963,39 @@
               <a:lnSpc>
                 <a:spcPct val="100000"/>
               </a:lnSpc>
-              <a:buNone/>
+              <a:buClr>
+                <a:srgbClr val="000000"/>
+              </a:buClr>
+              <a:buSzPct val="45000"/>
+              <a:buFont typeface="Wingdings" charset="2"/>
+              <a:buChar char=""/>
             </a:pPr>
             <a:r>
               <a:rPr b="0" lang="en-US" sz="3200" spc="-1" strike="noStrike">
                 <a:latin typeface="Arial"/>
-              </a:rPr>
-              <a:t>The Picard Group is comprised of two parts, the Jacobian and the rank:</a:t>
+                <a:ea typeface="Noto Sans CJK SC"/>
+              </a:rPr>
+              <a:t>The Picard Group is comprised of two parts, the Jacobian and </a:t>
+            </a:r>
+            <a:r>
+              <a:rPr b="0" i="1" lang="en-US" sz="3200" spc="-1" strike="noStrike">
+                <a:latin typeface="Arial"/>
+                <a:ea typeface="Noto Sans CJK SC"/>
+              </a:rPr>
+              <a:t>ℤ</a:t>
+            </a:r>
+            <a:r>
+              <a:rPr b="0" i="1" lang="en-US" sz="3200" spc="-1" strike="noStrike" baseline="33000">
+                <a:latin typeface="Arial"/>
+                <a:ea typeface="Noto Sans CJK SC"/>
+              </a:rPr>
+              <a:t>n</a:t>
+            </a:r>
+            <a:r>
+              <a:rPr b="0" lang="en-US" sz="3200" spc="-1" strike="noStrike">
+                <a:latin typeface="Arial"/>
+              </a:rPr>
+              <a:t>:</a:t>
             </a:r>
             <a:endParaRPr b="0" lang="en-US" sz="3200" spc="-1" strike="noStrike">
               <a:latin typeface="Arial"/>
@@ -11116,7 +11194,7 @@
         <p:spPr>
           <a:xfrm>
             <a:off x="360000" y="225720"/>
-            <a:ext cx="9354960" cy="713880"/>
+            <a:ext cx="9354600" cy="713520"/>
           </a:xfrm>
           <a:prstGeom prst="rect">
             <a:avLst/>
@@ -11177,7 +11255,7 @@
         <p:spPr>
           <a:xfrm>
             <a:off x="360000" y="1485000"/>
-            <a:ext cx="9354960" cy="3774960"/>
+            <a:ext cx="9354600" cy="3774600"/>
           </a:xfrm>
           <a:prstGeom prst="rect">
             <a:avLst/>
@@ -11370,7 +11448,7 @@
         <p:spPr>
           <a:xfrm>
             <a:off x="360000" y="225720"/>
-            <a:ext cx="9354960" cy="713880"/>
+            <a:ext cx="9354600" cy="713520"/>
           </a:xfrm>
           <a:prstGeom prst="rect">
             <a:avLst/>
@@ -11431,7 +11509,7 @@
         <p:spPr>
           <a:xfrm>
             <a:off x="457200" y="1744920"/>
-            <a:ext cx="1111680" cy="3051720"/>
+            <a:ext cx="1111320" cy="3051360"/>
           </a:xfrm>
           <a:prstGeom prst="rect">
             <a:avLst/>
@@ -11571,7 +11649,7 @@
         <p:spPr>
           <a:xfrm>
             <a:off x="1572840" y="1371600"/>
-            <a:ext cx="6195600" cy="2014560"/>
+            <a:ext cx="6195240" cy="2014200"/>
           </a:xfrm>
           <a:prstGeom prst="rect">
             <a:avLst/>
@@ -11594,7 +11672,7 @@
         <p:spPr>
           <a:xfrm>
             <a:off x="1572840" y="3390120"/>
-            <a:ext cx="6195600" cy="2014560"/>
+            <a:ext cx="6195240" cy="2014200"/>
           </a:xfrm>
           <a:prstGeom prst="rect">
             <a:avLst/>
@@ -11613,7 +11691,7 @@
         <p:spPr>
           <a:xfrm>
             <a:off x="7772400" y="1371600"/>
-            <a:ext cx="2282040" cy="3884760"/>
+            <a:ext cx="2281680" cy="3884400"/>
           </a:xfrm>
           <a:prstGeom prst="rect">
             <a:avLst/>
@@ -11830,7 +11908,7 @@
         <p:spPr>
           <a:xfrm>
             <a:off x="360000" y="225720"/>
-            <a:ext cx="9354960" cy="713880"/>
+            <a:ext cx="9354600" cy="713520"/>
           </a:xfrm>
           <a:prstGeom prst="rect">
             <a:avLst/>
@@ -11879,7 +11957,7 @@
         <p:spPr>
           <a:xfrm>
             <a:off x="228600" y="1279440"/>
-            <a:ext cx="2741760" cy="2055960"/>
+            <a:ext cx="2741400" cy="2055600"/>
           </a:xfrm>
           <a:prstGeom prst="rect">
             <a:avLst/>
@@ -11902,7 +11980,7 @@
         <p:spPr>
           <a:xfrm>
             <a:off x="228600" y="3336840"/>
-            <a:ext cx="2741760" cy="2055960"/>
+            <a:ext cx="2741400" cy="2055600"/>
           </a:xfrm>
           <a:prstGeom prst="rect">
             <a:avLst/>
@@ -11925,7 +12003,7 @@
         <p:spPr>
           <a:xfrm>
             <a:off x="3657600" y="1279440"/>
-            <a:ext cx="2741760" cy="2055960"/>
+            <a:ext cx="2741400" cy="2055600"/>
           </a:xfrm>
           <a:prstGeom prst="rect">
             <a:avLst/>
@@ -11948,7 +12026,7 @@
         <p:spPr>
           <a:xfrm>
             <a:off x="3657600" y="3336840"/>
-            <a:ext cx="2741760" cy="2055960"/>
+            <a:ext cx="2741400" cy="2055600"/>
           </a:xfrm>
           <a:prstGeom prst="rect">
             <a:avLst/>
@@ -11971,7 +12049,7 @@
         <p:spPr>
           <a:xfrm>
             <a:off x="6354000" y="1828800"/>
-            <a:ext cx="3474360" cy="2605320"/>
+            <a:ext cx="3474000" cy="2604960"/>
           </a:xfrm>
           <a:prstGeom prst="rect">
             <a:avLst/>
@@ -11990,7 +12068,7 @@
         <p:spPr>
           <a:xfrm>
             <a:off x="457200" y="1143000"/>
-            <a:ext cx="2284560" cy="344880"/>
+            <a:ext cx="2284200" cy="344520"/>
           </a:xfrm>
           <a:prstGeom prst="rect">
             <a:avLst/>
@@ -12042,7 +12120,7 @@
         <p:spPr>
           <a:xfrm>
             <a:off x="7086600" y="1711080"/>
-            <a:ext cx="2284560" cy="344880"/>
+            <a:ext cx="2284200" cy="344520"/>
           </a:xfrm>
           <a:prstGeom prst="rect">
             <a:avLst/>
@@ -12094,7 +12172,7 @@
         <p:spPr>
           <a:xfrm>
             <a:off x="3909240" y="3207600"/>
-            <a:ext cx="2284560" cy="344880"/>
+            <a:ext cx="2284200" cy="344520"/>
           </a:xfrm>
           <a:prstGeom prst="rect">
             <a:avLst/>
@@ -12146,7 +12224,7 @@
         <p:spPr>
           <a:xfrm>
             <a:off x="3886200" y="1143000"/>
-            <a:ext cx="2284560" cy="344880"/>
+            <a:ext cx="2284200" cy="344520"/>
           </a:xfrm>
           <a:prstGeom prst="rect">
             <a:avLst/>
@@ -12198,7 +12276,7 @@
         <p:spPr>
           <a:xfrm>
             <a:off x="457200" y="3200400"/>
-            <a:ext cx="2284560" cy="344880"/>
+            <a:ext cx="2284200" cy="344520"/>
           </a:xfrm>
           <a:prstGeom prst="rect">
             <a:avLst/>
@@ -12284,7 +12362,7 @@
         <p:spPr>
           <a:xfrm>
             <a:off x="360000" y="225720"/>
-            <a:ext cx="9354960" cy="713880"/>
+            <a:ext cx="9354600" cy="713520"/>
           </a:xfrm>
           <a:prstGeom prst="rect">
             <a:avLst/>
@@ -12363,7 +12441,7 @@
         <p:spPr>
           <a:xfrm>
             <a:off x="360000" y="225720"/>
-            <a:ext cx="9354960" cy="713880"/>
+            <a:ext cx="9354600" cy="713520"/>
           </a:xfrm>
           <a:prstGeom prst="rect">
             <a:avLst/>
@@ -12412,7 +12490,7 @@
         <p:spPr>
           <a:xfrm>
             <a:off x="360000" y="1485000"/>
-            <a:ext cx="9354960" cy="3774960"/>
+            <a:ext cx="9354600" cy="3774600"/>
           </a:xfrm>
           <a:prstGeom prst="rect">
             <a:avLst/>
@@ -12521,7 +12599,7 @@
         <p:spPr>
           <a:xfrm>
             <a:off x="360000" y="225720"/>
-            <a:ext cx="9354960" cy="713880"/>
+            <a:ext cx="9354600" cy="713520"/>
           </a:xfrm>
           <a:prstGeom prst="rect">
             <a:avLst/>
@@ -12570,7 +12648,7 @@
         <p:spPr>
           <a:xfrm>
             <a:off x="360000" y="1485000"/>
-            <a:ext cx="9354960" cy="3774960"/>
+            <a:ext cx="9354600" cy="3774600"/>
           </a:xfrm>
           <a:prstGeom prst="rect">
             <a:avLst/>
@@ -12704,7 +12782,7 @@
         <p:spPr>
           <a:xfrm>
             <a:off x="360000" y="-39960"/>
-            <a:ext cx="9354960" cy="1245600"/>
+            <a:ext cx="9354600" cy="1245240"/>
           </a:xfrm>
           <a:prstGeom prst="rect">
             <a:avLst/>
@@ -12753,7 +12831,7 @@
         <p:spPr>
           <a:xfrm>
             <a:off x="360000" y="1485000"/>
-            <a:ext cx="9354960" cy="3774960"/>
+            <a:ext cx="9354600" cy="3774600"/>
           </a:xfrm>
           <a:prstGeom prst="rect">
             <a:avLst/>
@@ -12765,7 +12843,7 @@
         </p:spPr>
         <p:txBody>
           <a:bodyPr lIns="0" rIns="0" tIns="0" bIns="0" anchor="t">
-            <a:normAutofit fontScale="66000"/>
+            <a:normAutofit fontScale="68000"/>
           </a:bodyPr>
           <a:p>
             <a:pPr marL="216000" indent="-216000">
@@ -12964,7 +13042,7 @@
                 </a:solidFill>
                 <a:latin typeface="Arial"/>
               </a:rPr>
-              <a:t>This comes from the directed version of the matrix tree theorem, where the rank of a graph corresponds to the number of spanning trees.  This is one in the case of tree graphs.</a:t>
+              <a:t>We have also proven this through induction</a:t>
             </a:r>
             <a:endParaRPr b="0" lang="en-US" sz="3200" spc="-1" strike="noStrike">
               <a:latin typeface="Arial"/>
@@ -13015,7 +13093,7 @@
         <p:spPr>
           <a:xfrm>
             <a:off x="360000" y="-39960"/>
-            <a:ext cx="9354960" cy="1245600"/>
+            <a:ext cx="9354600" cy="1245240"/>
           </a:xfrm>
           <a:prstGeom prst="rect">
             <a:avLst/>
@@ -13064,7 +13142,7 @@
         <p:spPr>
           <a:xfrm>
             <a:off x="360000" y="1485000"/>
-            <a:ext cx="9465480" cy="3774960"/>
+            <a:ext cx="9465120" cy="3774600"/>
           </a:xfrm>
           <a:prstGeom prst="rect">
             <a:avLst/>
@@ -13240,7 +13318,7 @@
         <p:spPr>
           <a:xfrm>
             <a:off x="360000" y="225720"/>
-            <a:ext cx="9354960" cy="713880"/>
+            <a:ext cx="9354600" cy="713520"/>
           </a:xfrm>
           <a:prstGeom prst="rect">
             <a:avLst/>
@@ -13289,7 +13367,7 @@
         <p:spPr>
           <a:xfrm>
             <a:off x="360000" y="1485000"/>
-            <a:ext cx="9354960" cy="3774960"/>
+            <a:ext cx="9354600" cy="3774600"/>
           </a:xfrm>
           <a:prstGeom prst="rect">
             <a:avLst/>
@@ -13448,7 +13526,7 @@
         <p:spPr>
           <a:xfrm>
             <a:off x="360000" y="-39960"/>
-            <a:ext cx="9354960" cy="1245600"/>
+            <a:ext cx="9354600" cy="1245240"/>
           </a:xfrm>
           <a:prstGeom prst="rect">
             <a:avLst/>
@@ -13497,7 +13575,7 @@
         <p:spPr>
           <a:xfrm>
             <a:off x="360000" y="1485000"/>
-            <a:ext cx="9354960" cy="3774960"/>
+            <a:ext cx="9354600" cy="3774600"/>
           </a:xfrm>
           <a:prstGeom prst="rect">
             <a:avLst/>
@@ -13892,7 +13970,7 @@
         <p:spPr>
           <a:xfrm>
             <a:off x="360000" y="225720"/>
-            <a:ext cx="9354960" cy="713880"/>
+            <a:ext cx="9353880" cy="712800"/>
           </a:xfrm>
           <a:prstGeom prst="rect">
             <a:avLst/>
@@ -13920,7 +13998,7 @@
                 </a:solidFill>
                 <a:latin typeface="Arial"/>
               </a:rPr>
-              <a:t>Finding The Jacobian of a Cycle Graph</a:t>
+              <a:t>Finding The Picard Group of a Cycle Graph</a:t>
             </a:r>
             <a:endParaRPr b="0" lang="en-US" sz="4400" spc="-1" strike="noStrike">
               <a:latin typeface="Arial"/>
@@ -13940,8 +14018,8 @@
         </p:blipFill>
         <p:spPr>
           <a:xfrm>
-            <a:off x="2514600" y="2373120"/>
-            <a:ext cx="2929320" cy="2196000"/>
+            <a:off x="6672960" y="2286000"/>
+            <a:ext cx="2928240" cy="2194920"/>
           </a:xfrm>
           <a:prstGeom prst="rect">
             <a:avLst/>
@@ -13964,8 +14042,8 @@
         </p:blipFill>
         <p:spPr>
           <a:xfrm>
-            <a:off x="209520" y="1290960"/>
-            <a:ext cx="2416320" cy="1925640"/>
+            <a:off x="914400" y="2286000"/>
+            <a:ext cx="2415240" cy="1924560"/>
           </a:xfrm>
           <a:prstGeom prst="rect">
             <a:avLst/>
@@ -13988,8 +14066,8 @@
         </p:blipFill>
         <p:spPr>
           <a:xfrm>
-            <a:off x="0" y="3200400"/>
-            <a:ext cx="2739960" cy="2054520"/>
+            <a:off x="3657600" y="2289960"/>
+            <a:ext cx="2738880" cy="2053440"/>
           </a:xfrm>
           <a:prstGeom prst="rect">
             <a:avLst/>
@@ -14007,8 +14085,8 @@
         </p:nvSpPr>
         <p:spPr>
           <a:xfrm rot="18160800">
-            <a:off x="218520" y="2125440"/>
-            <a:ext cx="1367280" cy="224280"/>
+            <a:off x="911160" y="3038040"/>
+            <a:ext cx="1366200" cy="223200"/>
           </a:xfrm>
           <a:custGeom>
             <a:avLst/>
@@ -14075,8 +14153,8 @@
         </p:nvSpPr>
         <p:spPr>
           <a:xfrm rot="3178800">
-            <a:off x="1719720" y="1997280"/>
-            <a:ext cx="910080" cy="224280"/>
+            <a:off x="2383200" y="3115800"/>
+            <a:ext cx="909000" cy="223200"/>
           </a:xfrm>
           <a:custGeom>
             <a:avLst/>
@@ -14134,8 +14212,8 @@
         </p:nvSpPr>
         <p:spPr>
           <a:xfrm>
-            <a:off x="1143000" y="2973240"/>
-            <a:ext cx="910080" cy="224280"/>
+            <a:off x="1834200" y="4120200"/>
+            <a:ext cx="909000" cy="223200"/>
           </a:xfrm>
           <a:custGeom>
             <a:avLst/>
@@ -14193,8 +14271,8 @@
         </p:nvSpPr>
         <p:spPr>
           <a:xfrm rot="18160800">
-            <a:off x="218520" y="4049640"/>
-            <a:ext cx="1367280" cy="224280"/>
+            <a:off x="3882960" y="3139200"/>
+            <a:ext cx="1366200" cy="223200"/>
           </a:xfrm>
           <a:custGeom>
             <a:avLst/>
@@ -14261,8 +14339,8 @@
         </p:nvSpPr>
         <p:spPr>
           <a:xfrm rot="14195400">
-            <a:off x="1585080" y="4054680"/>
-            <a:ext cx="1367280" cy="224280"/>
+            <a:off x="5248080" y="3142800"/>
+            <a:ext cx="1366200" cy="223200"/>
           </a:xfrm>
           <a:custGeom>
             <a:avLst/>
@@ -14329,8 +14407,8 @@
         </p:nvSpPr>
         <p:spPr>
           <a:xfrm rot="21568800">
-            <a:off x="829800" y="5018760"/>
-            <a:ext cx="1367280" cy="224280"/>
+            <a:off x="4576320" y="4120560"/>
+            <a:ext cx="1366200" cy="223200"/>
           </a:xfrm>
           <a:custGeom>
             <a:avLst/>
@@ -14397,8 +14475,8 @@
         </p:nvSpPr>
         <p:spPr>
           <a:xfrm>
-            <a:off x="3657600" y="4116240"/>
-            <a:ext cx="910080" cy="224280"/>
+            <a:off x="7777800" y="4120200"/>
+            <a:ext cx="909000" cy="223200"/>
           </a:xfrm>
           <a:custGeom>
             <a:avLst/>
@@ -14456,8 +14534,8 @@
         </p:nvSpPr>
         <p:spPr>
           <a:xfrm rot="13918800">
-            <a:off x="4201560" y="3116520"/>
-            <a:ext cx="910080" cy="224280"/>
+            <a:off x="8371440" y="3058200"/>
+            <a:ext cx="909000" cy="223200"/>
           </a:xfrm>
           <a:custGeom>
             <a:avLst/>
@@ -14515,8 +14593,8 @@
         </p:nvSpPr>
         <p:spPr>
           <a:xfrm rot="7579800">
-            <a:off x="2879280" y="3292920"/>
-            <a:ext cx="910080" cy="224280"/>
+            <a:off x="6990840" y="3113640"/>
+            <a:ext cx="909000" cy="223200"/>
           </a:xfrm>
           <a:custGeom>
             <a:avLst/>
@@ -14566,29 +14644,6 @@
           <a:fontRef idx="minor"/>
         </p:style>
       </p:sp>
-      <p:pic>
-        <p:nvPicPr>
-          <p:cNvPr id="241" name="" descr=""/>
-          <p:cNvPicPr/>
-          <p:nvPr/>
-        </p:nvPicPr>
-        <p:blipFill>
-          <a:blip r:embed="rId4"/>
-          <a:stretch/>
-        </p:blipFill>
-        <p:spPr>
-          <a:xfrm>
-            <a:off x="5181840" y="1600200"/>
-            <a:ext cx="4873680" cy="3654720"/>
-          </a:xfrm>
-          <a:prstGeom prst="rect">
-            <a:avLst/>
-          </a:prstGeom>
-          <a:ln w="0">
-            <a:noFill/>
-          </a:ln>
-        </p:spPr>
-      </p:pic>
     </p:spTree>
   </p:cSld>
   <mc:AlternateContent>
@@ -14621,7 +14676,7 @@
       </p:grpSpPr>
       <p:sp>
         <p:nvSpPr>
-          <p:cNvPr id="242" name="PlaceHolder 1"/>
+          <p:cNvPr id="241" name="PlaceHolder 1"/>
           <p:cNvSpPr>
             <a:spLocks noGrp="1"/>
           </p:cNvSpPr>
@@ -14632,7 +14687,7 @@
         <p:spPr>
           <a:xfrm>
             <a:off x="360000" y="-39960"/>
-            <a:ext cx="9354960" cy="1245600"/>
+            <a:ext cx="9354600" cy="1245240"/>
           </a:xfrm>
           <a:prstGeom prst="rect">
             <a:avLst/>
@@ -14670,7 +14725,7 @@
       </p:sp>
       <p:sp>
         <p:nvSpPr>
-          <p:cNvPr id="243" name="PlaceHolder 2"/>
+          <p:cNvPr id="242" name="PlaceHolder 2"/>
           <p:cNvSpPr>
             <a:spLocks noGrp="1"/>
           </p:cNvSpPr>
@@ -14681,7 +14736,7 @@
         <p:spPr>
           <a:xfrm>
             <a:off x="360000" y="1485000"/>
-            <a:ext cx="9354960" cy="3774960"/>
+            <a:ext cx="9354600" cy="3774600"/>
           </a:xfrm>
           <a:prstGeom prst="rect">
             <a:avLst/>
@@ -14747,17 +14802,7 @@
                 <a:latin typeface="Arial"/>
                 <a:ea typeface="Noto Sans CJK SC"/>
               </a:rPr>
-              <a:t>The most interesting of these cases was for graphs whose rims were bidirectional and whose spokes pointed inward.  Here, the size of each invariant factor was proportional to </a:t>
-            </a:r>
-            <a:r>
-              <a:rPr b="0" lang="en-US" sz="3200" spc="-1" strike="noStrike">
-                <a:solidFill>
-                  <a:srgbClr val="000000"/>
-                </a:solidFill>
-                <a:latin typeface="Arial"/>
-                <a:ea typeface="Noto Sans CJK SC"/>
-              </a:rPr>
-              <a:t>φ</a:t>
+              <a:t>The most interesting of these cases was for graphs whose rims were bidirectional and whose spokes pointed inward.  Here, the size of each invariant factor was proportional to φ</a:t>
             </a:r>
             <a:r>
               <a:rPr b="0" lang="en-US" sz="3200" spc="-1" strike="noStrike" baseline="33000">
@@ -14837,7 +14882,7 @@
       </p:grpSpPr>
       <p:sp>
         <p:nvSpPr>
-          <p:cNvPr id="244" name="PlaceHolder 1"/>
+          <p:cNvPr id="243" name="PlaceHolder 1"/>
           <p:cNvSpPr>
             <a:spLocks noGrp="1"/>
           </p:cNvSpPr>
@@ -14847,8 +14892,8 @@
         </p:nvSpPr>
         <p:spPr>
           <a:xfrm>
-            <a:off x="360000" y="-39960"/>
-            <a:ext cx="9354960" cy="1245600"/>
+            <a:off x="360000" y="225720"/>
+            <a:ext cx="9353880" cy="712800"/>
           </a:xfrm>
           <a:prstGeom prst="rect">
             <a:avLst/>
@@ -14876,7 +14921,7 @@
                 </a:solidFill>
                 <a:latin typeface="Arial"/>
               </a:rPr>
-              <a:t>Connections Between Wheel and Cycle Graphs</a:t>
+              <a:t>Finding The Picard Group of a Cycle Graph</a:t>
             </a:r>
             <a:endParaRPr b="0" lang="en-US" sz="4400" spc="-1" strike="noStrike">
               <a:latin typeface="Arial"/>
@@ -14884,286 +14929,60 @@
           </a:p>
         </p:txBody>
       </p:sp>
-      <p:sp>
-        <p:nvSpPr>
-          <p:cNvPr id="245" name="PlaceHolder 2"/>
-          <p:cNvSpPr>
-            <a:spLocks noGrp="1"/>
-          </p:cNvSpPr>
-          <p:nvPr>
-            <p:ph/>
-          </p:nvPr>
-        </p:nvSpPr>
-        <p:spPr>
-          <a:xfrm>
-            <a:off x="360000" y="1485000"/>
-            <a:ext cx="9354960" cy="3774960"/>
-          </a:xfrm>
-          <a:prstGeom prst="rect">
-            <a:avLst/>
-          </a:prstGeom>
-          <a:noFill/>
-          <a:ln w="0">
-            <a:noFill/>
-          </a:ln>
-        </p:spPr>
-        <p:txBody>
-          <a:bodyPr lIns="0" rIns="0" tIns="0" bIns="0" anchor="t">
-            <a:normAutofit fontScale="76000"/>
-          </a:bodyPr>
-          <a:p>
-            <a:pPr marL="432000" indent="-324000">
-              <a:lnSpc>
-                <a:spcPct val="100000"/>
-              </a:lnSpc>
-              <a:spcBef>
-                <a:spcPts val="1417"/>
-              </a:spcBef>
-              <a:buClr>
-                <a:srgbClr val="000000"/>
-              </a:buClr>
-              <a:buSzPct val="45000"/>
-              <a:buFont typeface="Wingdings" charset="2"/>
-              <a:buChar char=""/>
-            </a:pPr>
-            <a:r>
-              <a:rPr b="0" lang="en-US" sz="3200" spc="-1" strike="noStrike">
-                <a:solidFill>
-                  <a:srgbClr val="000000"/>
-                </a:solidFill>
-                <a:latin typeface="Arial"/>
-                <a:ea typeface="Noto Sans CJK SC"/>
-              </a:rPr>
-              <a:t>During our experiments with wheel graphs whose spokes pointed outward, their Picard groups behave similarly to the cycle graph one size smaller, as if the central vertex was not there at all </a:t>
-            </a:r>
-            <a:r>
-              <a:rPr b="0" i="1" lang="en-US" sz="2200" spc="-1" strike="noStrike">
-                <a:solidFill>
-                  <a:srgbClr val="000000"/>
-                </a:solidFill>
-                <a:latin typeface="Arial"/>
-                <a:ea typeface="Noto Sans CJK SC"/>
-              </a:rPr>
-              <a:t>(thrm)</a:t>
-            </a:r>
-            <a:r>
-              <a:rPr b="0" lang="en-US" sz="3200" spc="-1" strike="noStrike">
-                <a:solidFill>
-                  <a:srgbClr val="000000"/>
-                </a:solidFill>
-                <a:latin typeface="Arial"/>
-                <a:ea typeface="Noto Sans CJK SC"/>
-              </a:rPr>
-              <a:t>.</a:t>
-            </a:r>
-            <a:endParaRPr b="0" lang="en-US" sz="3200" spc="-1" strike="noStrike">
-              <a:latin typeface="Arial"/>
-            </a:endParaRPr>
-          </a:p>
-          <a:p>
-            <a:pPr marL="432000" indent="-324000">
-              <a:lnSpc>
-                <a:spcPct val="100000"/>
-              </a:lnSpc>
-              <a:spcBef>
-                <a:spcPts val="1417"/>
-              </a:spcBef>
-              <a:buClr>
-                <a:srgbClr val="000000"/>
-              </a:buClr>
-              <a:buSzPct val="45000"/>
-              <a:buFont typeface="Wingdings" charset="2"/>
-              <a:buChar char=""/>
-            </a:pPr>
-            <a:r>
-              <a:rPr b="0" lang="en-US" sz="3200" spc="-1" strike="noStrike">
-                <a:solidFill>
-                  <a:srgbClr val="000000"/>
-                </a:solidFill>
-                <a:latin typeface="Arial"/>
-                <a:ea typeface="Noto Sans CJK SC"/>
-              </a:rPr>
-              <a:t>This is due to the fact that chips are only fired along outgoing edges.</a:t>
-            </a:r>
-            <a:endParaRPr b="0" lang="en-US" sz="3200" spc="-1" strike="noStrike">
-              <a:latin typeface="Arial"/>
-            </a:endParaRPr>
-          </a:p>
-          <a:p>
-            <a:pPr marL="432000" indent="-324000">
-              <a:lnSpc>
-                <a:spcPct val="100000"/>
-              </a:lnSpc>
-              <a:spcBef>
-                <a:spcPts val="1417"/>
-              </a:spcBef>
-              <a:buClr>
-                <a:srgbClr val="000000"/>
-              </a:buClr>
-              <a:buSzPct val="45000"/>
-              <a:buFont typeface="Wingdings" charset="2"/>
-              <a:buChar char=""/>
-            </a:pPr>
-            <a:r>
-              <a:rPr b="0" lang="en-US" sz="3200" spc="-1" strike="noStrike">
-                <a:solidFill>
-                  <a:srgbClr val="000000"/>
-                </a:solidFill>
-                <a:latin typeface="Arial"/>
-                <a:ea typeface="Noto Sans CJK SC"/>
-              </a:rPr>
-              <a:t>These relations are also split into several cases, for example:</a:t>
-            </a:r>
-            <a:endParaRPr b="0" lang="en-US" sz="3200" spc="-1" strike="noStrike">
-              <a:latin typeface="Arial"/>
-            </a:endParaRPr>
-          </a:p>
-          <a:p>
-            <a:pPr lvl="1" marL="864000" indent="-324000">
-              <a:lnSpc>
-                <a:spcPct val="100000"/>
-              </a:lnSpc>
-              <a:spcBef>
-                <a:spcPts val="1134"/>
-              </a:spcBef>
-              <a:buClr>
-                <a:srgbClr val="000000"/>
-              </a:buClr>
-              <a:buSzPct val="75000"/>
-              <a:buFont typeface="Symbol"/>
-              <a:buChar char=""/>
-            </a:pPr>
-            <a:r>
-              <a:rPr b="0" lang="en-US" sz="3200" spc="-1" strike="noStrike">
-                <a:solidFill>
-                  <a:srgbClr val="000000"/>
-                </a:solidFill>
-                <a:latin typeface="Arial"/>
-                <a:ea typeface="Noto Sans CJK SC"/>
-              </a:rPr>
-              <a:t>For even wheel graphs, arbitrary Picard groups of Wheel</a:t>
-            </a:r>
-            <a:r>
-              <a:rPr b="0" i="1" lang="en-US" sz="3200" spc="-1" strike="noStrike" baseline="-8000">
-                <a:solidFill>
-                  <a:srgbClr val="000000"/>
-                </a:solidFill>
-                <a:latin typeface="Arial"/>
-                <a:ea typeface="Noto Sans CJK SC"/>
-              </a:rPr>
-              <a:t>n</a:t>
-            </a:r>
-            <a:r>
-              <a:rPr b="0" lang="en-US" sz="3200" spc="-1" strike="noStrike">
-                <a:solidFill>
-                  <a:srgbClr val="000000"/>
-                </a:solidFill>
-                <a:latin typeface="Arial"/>
-                <a:ea typeface="Noto Sans CJK SC"/>
-              </a:rPr>
-              <a:t> appear to be </a:t>
-            </a:r>
-            <a:r>
-              <a:rPr b="0" i="1" lang="en-US" sz="3200" spc="-1" strike="noStrike">
-                <a:solidFill>
-                  <a:srgbClr val="000000"/>
-                </a:solidFill>
-                <a:latin typeface="Arial"/>
-                <a:ea typeface="Noto Sans CJK SC"/>
-              </a:rPr>
-              <a:t>ℤ</a:t>
-            </a:r>
-            <a:r>
-              <a:rPr b="0" i="1" lang="en-US" sz="3200" spc="-1" strike="noStrike" baseline="-8000">
-                <a:solidFill>
-                  <a:srgbClr val="000000"/>
-                </a:solidFill>
-                <a:latin typeface="Arial"/>
-                <a:ea typeface="Noto Sans CJK SC"/>
-              </a:rPr>
-              <a:t>(n-1)*a</a:t>
-            </a:r>
-            <a:r>
-              <a:rPr b="0" i="1" lang="en-US" sz="3200" spc="-1" strike="noStrike">
-                <a:solidFill>
-                  <a:srgbClr val="000000"/>
-                </a:solidFill>
-                <a:latin typeface="Arial"/>
-                <a:ea typeface="Noto Sans CJK SC"/>
-              </a:rPr>
-              <a:t> x ℤ</a:t>
-            </a:r>
-            <a:r>
-              <a:rPr b="0" lang="en-US" sz="3200" spc="-1" strike="noStrike">
-                <a:solidFill>
-                  <a:srgbClr val="000000"/>
-                </a:solidFill>
-                <a:latin typeface="Arial"/>
-                <a:ea typeface="Noto Sans CJK SC"/>
-              </a:rPr>
-              <a:t> where a is in the Picard group of </a:t>
-            </a:r>
-            <a:r>
-              <a:rPr b="0" i="1" lang="en-US" sz="3200" spc="-1" strike="noStrike">
-                <a:solidFill>
-                  <a:srgbClr val="000000"/>
-                </a:solidFill>
-                <a:latin typeface="Arial"/>
-                <a:ea typeface="Noto Sans CJK SC"/>
-              </a:rPr>
-              <a:t>C</a:t>
-            </a:r>
-            <a:r>
-              <a:rPr b="0" i="1" lang="en-US" sz="3200" spc="-1" strike="noStrike" baseline="-8000">
-                <a:solidFill>
-                  <a:srgbClr val="000000"/>
-                </a:solidFill>
-                <a:latin typeface="Arial"/>
-                <a:ea typeface="Noto Sans CJK SC"/>
-              </a:rPr>
-              <a:t>(n-1)</a:t>
-            </a:r>
-            <a:r>
-              <a:rPr b="0" i="1" lang="en-US" sz="3200" spc="-1" strike="noStrike">
-                <a:solidFill>
-                  <a:srgbClr val="000000"/>
-                </a:solidFill>
-                <a:latin typeface="Arial"/>
-                <a:ea typeface="Noto Sans CJK SC"/>
-              </a:rPr>
-              <a:t>  ℤ</a:t>
-            </a:r>
-            <a:r>
-              <a:rPr b="0" i="1" lang="en-US" sz="3200" spc="-1" strike="noStrike" baseline="-8000">
-                <a:solidFill>
-                  <a:srgbClr val="000000"/>
-                </a:solidFill>
-                <a:latin typeface="Arial"/>
-                <a:ea typeface="Noto Sans CJK SC"/>
-              </a:rPr>
-              <a:t>a</a:t>
-            </a:r>
-            <a:r>
-              <a:rPr b="0" i="1" lang="en-US" sz="3200" spc="-1" strike="noStrike">
-                <a:solidFill>
-                  <a:srgbClr val="000000"/>
-                </a:solidFill>
-                <a:latin typeface="Arial"/>
-                <a:ea typeface="Noto Sans CJK SC"/>
-              </a:rPr>
-              <a:t> x ℤ </a:t>
-            </a:r>
-            <a:r>
-              <a:rPr b="0" lang="en-US" sz="3200" spc="-1" strike="noStrike">
-                <a:solidFill>
-                  <a:srgbClr val="000000"/>
-                </a:solidFill>
-                <a:latin typeface="Arial"/>
-                <a:ea typeface="Noto Sans CJK SC"/>
-              </a:rPr>
-              <a:t>when all spokes point outward.</a:t>
-            </a:r>
-            <a:endParaRPr b="0" lang="en-US" sz="3200" spc="-1" strike="noStrike">
+      <p:pic>
+        <p:nvPicPr>
+          <p:cNvPr id="244" name="" descr=""/>
+          <p:cNvPicPr/>
+          <p:nvPr/>
+        </p:nvPicPr>
+        <p:blipFill>
+          <a:blip r:embed="rId1"/>
+          <a:stretch/>
+        </p:blipFill>
+        <p:spPr>
+          <a:xfrm>
+            <a:off x="2671200" y="1604160"/>
+            <a:ext cx="4872600" cy="3653640"/>
+          </a:xfrm>
+          <a:prstGeom prst="rect">
+            <a:avLst/>
+          </a:prstGeom>
+          <a:ln w="0">
+            <a:noFill/>
+          </a:ln>
+        </p:spPr>
+      </p:pic>
+      <p:sp>
+        <p:nvSpPr>
+          <p:cNvPr id="245" name=""/>
+          <p:cNvSpPr txBox="1"/>
+          <p:nvPr/>
+        </p:nvSpPr>
+        <p:spPr>
+          <a:xfrm>
+            <a:off x="2514600" y="1371600"/>
+            <a:ext cx="5715000" cy="346320"/>
+          </a:xfrm>
+          <a:prstGeom prst="rect">
+            <a:avLst/>
+          </a:prstGeom>
+          <a:noFill/>
+          <a:ln w="0">
+            <a:noFill/>
+          </a:ln>
+        </p:spPr>
+        <p:txBody>
+          <a:bodyPr lIns="90000" rIns="90000" tIns="45000" bIns="45000" anchor="t">
+            <a:noAutofit/>
+          </a:bodyPr>
+          <a:p>
+            <a:r>
+              <a:rPr b="0" lang="en-US" sz="1800" spc="-1" strike="noStrike">
+                <a:latin typeface="Arial"/>
+              </a:rPr>
+              <a:t>A demonstration of the distribution of invariant factors</a:t>
+            </a:r>
+            <a:endParaRPr b="0" lang="en-US" sz="1800" spc="-1" strike="noStrike">
               <a:latin typeface="Arial"/>
             </a:endParaRPr>
           </a:p>
@@ -15212,7 +15031,7 @@
         <p:spPr>
           <a:xfrm>
             <a:off x="360000" y="-39960"/>
-            <a:ext cx="9354960" cy="1245600"/>
+            <a:ext cx="9354600" cy="1245240"/>
           </a:xfrm>
           <a:prstGeom prst="rect">
             <a:avLst/>
@@ -15261,7 +15080,7 @@
         <p:spPr>
           <a:xfrm>
             <a:off x="1143000" y="2196720"/>
-            <a:ext cx="3775320" cy="2831040"/>
+            <a:ext cx="3774960" cy="2830680"/>
           </a:xfrm>
           <a:prstGeom prst="rect">
             <a:avLst/>
@@ -15284,7 +15103,7 @@
         <p:spPr>
           <a:xfrm>
             <a:off x="4910040" y="2196720"/>
-            <a:ext cx="3775320" cy="2831040"/>
+            <a:ext cx="3774960" cy="2830680"/>
           </a:xfrm>
           <a:prstGeom prst="rect">
             <a:avLst/>
@@ -15303,7 +15122,7 @@
         <p:spPr>
           <a:xfrm>
             <a:off x="1600200" y="1828800"/>
-            <a:ext cx="6627960" cy="344880"/>
+            <a:ext cx="6627600" cy="344520"/>
           </a:xfrm>
           <a:prstGeom prst="rect">
             <a:avLst/>
@@ -15649,7 +15468,7 @@
         <p:spPr>
           <a:xfrm>
             <a:off x="360000" y="-39960"/>
-            <a:ext cx="9354960" cy="1245600"/>
+            <a:ext cx="9354600" cy="1245240"/>
           </a:xfrm>
           <a:prstGeom prst="rect">
             <a:avLst/>
@@ -15677,6 +15496,370 @@
                 </a:solidFill>
                 <a:latin typeface="Arial"/>
               </a:rPr>
+              <a:t>Connections Between Wheel and Cycle Graphs</a:t>
+            </a:r>
+            <a:endParaRPr b="0" lang="en-US" sz="4400" spc="-1" strike="noStrike">
+              <a:latin typeface="Arial"/>
+            </a:endParaRPr>
+          </a:p>
+        </p:txBody>
+      </p:sp>
+      <p:sp>
+        <p:nvSpPr>
+          <p:cNvPr id="257" name="PlaceHolder 2"/>
+          <p:cNvSpPr>
+            <a:spLocks noGrp="1"/>
+          </p:cNvSpPr>
+          <p:nvPr>
+            <p:ph/>
+          </p:nvPr>
+        </p:nvSpPr>
+        <p:spPr>
+          <a:xfrm>
+            <a:off x="360000" y="1485000"/>
+            <a:ext cx="9354600" cy="3774600"/>
+          </a:xfrm>
+          <a:prstGeom prst="rect">
+            <a:avLst/>
+          </a:prstGeom>
+          <a:noFill/>
+          <a:ln w="0">
+            <a:noFill/>
+          </a:ln>
+        </p:spPr>
+        <p:txBody>
+          <a:bodyPr lIns="0" rIns="0" tIns="0" bIns="0" anchor="t">
+            <a:normAutofit fontScale="76000"/>
+          </a:bodyPr>
+          <a:p>
+            <a:pPr marL="432000" indent="-324000">
+              <a:lnSpc>
+                <a:spcPct val="100000"/>
+              </a:lnSpc>
+              <a:spcBef>
+                <a:spcPts val="1417"/>
+              </a:spcBef>
+              <a:buClr>
+                <a:srgbClr val="000000"/>
+              </a:buClr>
+              <a:buSzPct val="45000"/>
+              <a:buFont typeface="Wingdings" charset="2"/>
+              <a:buChar char=""/>
+            </a:pPr>
+            <a:r>
+              <a:rPr b="0" lang="en-US" sz="3200" spc="-1" strike="noStrike">
+                <a:solidFill>
+                  <a:srgbClr val="000000"/>
+                </a:solidFill>
+                <a:latin typeface="Arial"/>
+                <a:ea typeface="Noto Sans CJK SC"/>
+              </a:rPr>
+              <a:t>During our experiments with wheel graphs whose spokes pointed outward, their Picard groups behave similarly to the cycle graph one size smaller, as if the central vertex was not there at all </a:t>
+            </a:r>
+            <a:r>
+              <a:rPr b="0" i="1" lang="en-US" sz="2200" spc="-1" strike="noStrike">
+                <a:solidFill>
+                  <a:srgbClr val="000000"/>
+                </a:solidFill>
+                <a:latin typeface="Arial"/>
+                <a:ea typeface="Noto Sans CJK SC"/>
+              </a:rPr>
+              <a:t>(thrm)</a:t>
+            </a:r>
+            <a:r>
+              <a:rPr b="0" lang="en-US" sz="3200" spc="-1" strike="noStrike">
+                <a:solidFill>
+                  <a:srgbClr val="000000"/>
+                </a:solidFill>
+                <a:latin typeface="Arial"/>
+                <a:ea typeface="Noto Sans CJK SC"/>
+              </a:rPr>
+              <a:t>.</a:t>
+            </a:r>
+            <a:endParaRPr b="0" lang="en-US" sz="3200" spc="-1" strike="noStrike">
+              <a:latin typeface="Arial"/>
+            </a:endParaRPr>
+          </a:p>
+          <a:p>
+            <a:pPr marL="432000" indent="-324000">
+              <a:lnSpc>
+                <a:spcPct val="100000"/>
+              </a:lnSpc>
+              <a:spcBef>
+                <a:spcPts val="1417"/>
+              </a:spcBef>
+              <a:buClr>
+                <a:srgbClr val="000000"/>
+              </a:buClr>
+              <a:buSzPct val="45000"/>
+              <a:buFont typeface="Wingdings" charset="2"/>
+              <a:buChar char=""/>
+            </a:pPr>
+            <a:r>
+              <a:rPr b="0" lang="en-US" sz="3200" spc="-1" strike="noStrike">
+                <a:solidFill>
+                  <a:srgbClr val="000000"/>
+                </a:solidFill>
+                <a:latin typeface="Arial"/>
+                <a:ea typeface="Noto Sans CJK SC"/>
+              </a:rPr>
+              <a:t>This is due to the fact that chips are only fired along outgoing edges.</a:t>
+            </a:r>
+            <a:endParaRPr b="0" lang="en-US" sz="3200" spc="-1" strike="noStrike">
+              <a:latin typeface="Arial"/>
+            </a:endParaRPr>
+          </a:p>
+          <a:p>
+            <a:pPr marL="432000" indent="-324000">
+              <a:lnSpc>
+                <a:spcPct val="100000"/>
+              </a:lnSpc>
+              <a:spcBef>
+                <a:spcPts val="1417"/>
+              </a:spcBef>
+              <a:buClr>
+                <a:srgbClr val="000000"/>
+              </a:buClr>
+              <a:buSzPct val="45000"/>
+              <a:buFont typeface="Wingdings" charset="2"/>
+              <a:buChar char=""/>
+            </a:pPr>
+            <a:r>
+              <a:rPr b="0" lang="en-US" sz="3200" spc="-1" strike="noStrike">
+                <a:solidFill>
+                  <a:srgbClr val="000000"/>
+                </a:solidFill>
+                <a:latin typeface="Arial"/>
+                <a:ea typeface="Noto Sans CJK SC"/>
+              </a:rPr>
+              <a:t>These relations are also split into several cases, for example:</a:t>
+            </a:r>
+            <a:endParaRPr b="0" lang="en-US" sz="3200" spc="-1" strike="noStrike">
+              <a:latin typeface="Arial"/>
+            </a:endParaRPr>
+          </a:p>
+          <a:p>
+            <a:pPr lvl="1" marL="864000" indent="-324000">
+              <a:lnSpc>
+                <a:spcPct val="100000"/>
+              </a:lnSpc>
+              <a:spcBef>
+                <a:spcPts val="1134"/>
+              </a:spcBef>
+              <a:buClr>
+                <a:srgbClr val="000000"/>
+              </a:buClr>
+              <a:buSzPct val="75000"/>
+              <a:buFont typeface="Symbol"/>
+              <a:buChar char=""/>
+            </a:pPr>
+            <a:r>
+              <a:rPr b="0" lang="en-US" sz="3200" spc="-1" strike="noStrike">
+                <a:solidFill>
+                  <a:srgbClr val="000000"/>
+                </a:solidFill>
+                <a:latin typeface="Arial"/>
+                <a:ea typeface="Noto Sans CJK SC"/>
+              </a:rPr>
+              <a:t>For even wheel graphs, arbitrary Picard groups of Wheel</a:t>
+            </a:r>
+            <a:r>
+              <a:rPr b="0" i="1" lang="en-US" sz="3200" spc="-1" strike="noStrike" baseline="-8000">
+                <a:solidFill>
+                  <a:srgbClr val="000000"/>
+                </a:solidFill>
+                <a:latin typeface="Arial"/>
+                <a:ea typeface="Noto Sans CJK SC"/>
+              </a:rPr>
+              <a:t>n</a:t>
+            </a:r>
+            <a:r>
+              <a:rPr b="0" lang="en-US" sz="3200" spc="-1" strike="noStrike">
+                <a:solidFill>
+                  <a:srgbClr val="000000"/>
+                </a:solidFill>
+                <a:latin typeface="Arial"/>
+                <a:ea typeface="Noto Sans CJK SC"/>
+              </a:rPr>
+              <a:t> appear to be </a:t>
+            </a:r>
+            <a:r>
+              <a:rPr b="0" i="1" lang="en-US" sz="3200" spc="-1" strike="noStrike">
+                <a:solidFill>
+                  <a:srgbClr val="000000"/>
+                </a:solidFill>
+                <a:latin typeface="Arial"/>
+                <a:ea typeface="Noto Sans CJK SC"/>
+              </a:rPr>
+              <a:t>ℤ</a:t>
+            </a:r>
+            <a:r>
+              <a:rPr b="0" i="1" lang="en-US" sz="3200" spc="-1" strike="noStrike" baseline="-8000">
+                <a:solidFill>
+                  <a:srgbClr val="000000"/>
+                </a:solidFill>
+                <a:latin typeface="Arial"/>
+                <a:ea typeface="Noto Sans CJK SC"/>
+              </a:rPr>
+              <a:t>(n-1)*a</a:t>
+            </a:r>
+            <a:r>
+              <a:rPr b="0" i="1" lang="en-US" sz="3200" spc="-1" strike="noStrike">
+                <a:solidFill>
+                  <a:srgbClr val="000000"/>
+                </a:solidFill>
+                <a:latin typeface="Arial"/>
+                <a:ea typeface="Noto Sans CJK SC"/>
+              </a:rPr>
+              <a:t> x ℤ</a:t>
+            </a:r>
+            <a:r>
+              <a:rPr b="0" lang="en-US" sz="3200" spc="-1" strike="noStrike">
+                <a:solidFill>
+                  <a:srgbClr val="000000"/>
+                </a:solidFill>
+                <a:latin typeface="Arial"/>
+                <a:ea typeface="Noto Sans CJK SC"/>
+              </a:rPr>
+              <a:t> where a is in the Picard group of </a:t>
+            </a:r>
+            <a:r>
+              <a:rPr b="0" i="1" lang="en-US" sz="3200" spc="-1" strike="noStrike">
+                <a:solidFill>
+                  <a:srgbClr val="000000"/>
+                </a:solidFill>
+                <a:latin typeface="Arial"/>
+                <a:ea typeface="Noto Sans CJK SC"/>
+              </a:rPr>
+              <a:t>C</a:t>
+            </a:r>
+            <a:r>
+              <a:rPr b="0" i="1" lang="en-US" sz="3200" spc="-1" strike="noStrike" baseline="-8000">
+                <a:solidFill>
+                  <a:srgbClr val="000000"/>
+                </a:solidFill>
+                <a:latin typeface="Arial"/>
+                <a:ea typeface="Noto Sans CJK SC"/>
+              </a:rPr>
+              <a:t>(n-1)</a:t>
+            </a:r>
+            <a:r>
+              <a:rPr b="0" i="1" lang="en-US" sz="3200" spc="-1" strike="noStrike">
+                <a:solidFill>
+                  <a:srgbClr val="000000"/>
+                </a:solidFill>
+                <a:latin typeface="Arial"/>
+                <a:ea typeface="Noto Sans CJK SC"/>
+              </a:rPr>
+              <a:t>  ℤ</a:t>
+            </a:r>
+            <a:r>
+              <a:rPr b="0" i="1" lang="en-US" sz="3200" spc="-1" strike="noStrike" baseline="-8000">
+                <a:solidFill>
+                  <a:srgbClr val="000000"/>
+                </a:solidFill>
+                <a:latin typeface="Arial"/>
+                <a:ea typeface="Noto Sans CJK SC"/>
+              </a:rPr>
+              <a:t>a</a:t>
+            </a:r>
+            <a:r>
+              <a:rPr b="0" i="1" lang="en-US" sz="3200" spc="-1" strike="noStrike">
+                <a:solidFill>
+                  <a:srgbClr val="000000"/>
+                </a:solidFill>
+                <a:latin typeface="Arial"/>
+                <a:ea typeface="Noto Sans CJK SC"/>
+              </a:rPr>
+              <a:t> x ℤ </a:t>
+            </a:r>
+            <a:r>
+              <a:rPr b="0" lang="en-US" sz="3200" spc="-1" strike="noStrike">
+                <a:solidFill>
+                  <a:srgbClr val="000000"/>
+                </a:solidFill>
+                <a:latin typeface="Arial"/>
+                <a:ea typeface="Noto Sans CJK SC"/>
+              </a:rPr>
+              <a:t>when all spokes point outward.</a:t>
+            </a:r>
+            <a:endParaRPr b="0" lang="en-US" sz="3200" spc="-1" strike="noStrike">
+              <a:latin typeface="Arial"/>
+            </a:endParaRPr>
+          </a:p>
+        </p:txBody>
+      </p:sp>
+    </p:spTree>
+  </p:cSld>
+  <mc:AlternateContent>
+    <mc:Choice Requires="p14">
+      <p:transition spd="slow" p14:dur="2000"/>
+    </mc:Choice>
+    <mc:Fallback>
+      <p:transition spd="slow"/>
+    </mc:Fallback>
+  </mc:AlternateContent>
+</p:sld>
+</file>
+
+<file path=ppt/slides/slide26.xml><?xml version="1.0" encoding="utf-8"?>
+<p:sld xmlns:a="http://schemas.openxmlformats.org/drawingml/2006/main" xmlns:p="http://schemas.openxmlformats.org/presentationml/2006/main" xmlns:r="http://schemas.openxmlformats.org/officeDocument/2006/relationships" xmlns:p14="http://schemas.microsoft.com/office/powerpoint/2010/main" xmlns:p15="http://schemas.microsoft.com/office/powerpoint/2012/main" xmlns:mc="http://schemas.openxmlformats.org/markup-compatibility/2006">
+  <p:cSld>
+    <p:spTree>
+      <p:nvGrpSpPr>
+        <p:cNvPr id="1" name=""/>
+        <p:cNvGrpSpPr/>
+        <p:nvPr/>
+      </p:nvGrpSpPr>
+      <p:grpSpPr>
+        <a:xfrm>
+          <a:off x="0" y="0"/>
+          <a:ext cx="0" cy="0"/>
+          <a:chOff x="0" y="0"/>
+          <a:chExt cx="0" cy="0"/>
+        </a:xfrm>
+      </p:grpSpPr>
+      <p:sp>
+        <p:nvSpPr>
+          <p:cNvPr id="258" name="PlaceHolder 1"/>
+          <p:cNvSpPr>
+            <a:spLocks noGrp="1"/>
+          </p:cNvSpPr>
+          <p:nvPr>
+            <p:ph type="title"/>
+          </p:nvPr>
+        </p:nvSpPr>
+        <p:spPr>
+          <a:xfrm>
+            <a:off x="360000" y="-39960"/>
+            <a:ext cx="9354600" cy="1245240"/>
+          </a:xfrm>
+          <a:prstGeom prst="rect">
+            <a:avLst/>
+          </a:prstGeom>
+          <a:noFill/>
+          <a:ln w="0">
+            <a:noFill/>
+          </a:ln>
+        </p:spPr>
+        <p:txBody>
+          <a:bodyPr lIns="0" rIns="0" tIns="0" bIns="0" anchor="ctr">
+            <a:noAutofit/>
+          </a:bodyPr>
+          <a:p>
+            <a:pPr algn="ctr">
+              <a:lnSpc>
+                <a:spcPct val="100000"/>
+              </a:lnSpc>
+              <a:buNone/>
+            </a:pPr>
+            <a:r>
+              <a:rPr b="0" lang="en-US" sz="4400" spc="-1" strike="noStrike">
+                <a:solidFill>
+                  <a:srgbClr val="ffffff"/>
+                </a:solidFill>
+                <a:latin typeface="Arial"/>
+              </a:rPr>
               <a:t>Finding The Picard Group of a Multipartite Graph</a:t>
             </a:r>
             <a:endParaRPr b="0" lang="en-US" sz="4400" spc="-1" strike="noStrike">
@@ -15687,7 +15870,7 @@
       </p:sp>
       <p:sp>
         <p:nvSpPr>
-          <p:cNvPr id="257" name="PlaceHolder 2"/>
+          <p:cNvPr id="259" name="PlaceHolder 2"/>
           <p:cNvSpPr>
             <a:spLocks noGrp="1"/>
           </p:cNvSpPr>
@@ -15698,7 +15881,7 @@
         <p:spPr>
           <a:xfrm>
             <a:off x="360000" y="1485000"/>
-            <a:ext cx="9354960" cy="3774960"/>
+            <a:ext cx="9354600" cy="3774600"/>
           </a:xfrm>
           <a:prstGeom prst="rect">
             <a:avLst/>
@@ -16009,7 +16192,7 @@
         <p:spPr>
           <a:xfrm>
             <a:off x="360000" y="225720"/>
-            <a:ext cx="9354960" cy="713880"/>
+            <a:ext cx="9354600" cy="713520"/>
           </a:xfrm>
           <a:prstGeom prst="rect">
             <a:avLst/>
@@ -16088,7 +16271,7 @@
         <p:spPr>
           <a:xfrm>
             <a:off x="360000" y="225720"/>
-            <a:ext cx="9354960" cy="713880"/>
+            <a:ext cx="9354600" cy="713520"/>
           </a:xfrm>
           <a:prstGeom prst="rect">
             <a:avLst/>
@@ -16137,7 +16320,7 @@
         <p:spPr>
           <a:xfrm>
             <a:off x="797400" y="1870560"/>
-            <a:ext cx="8573760" cy="2471400"/>
+            <a:ext cx="8573400" cy="2471040"/>
           </a:xfrm>
           <a:prstGeom prst="rect">
             <a:avLst/>
@@ -16190,7 +16373,7 @@
         <p:spPr>
           <a:xfrm>
             <a:off x="360000" y="225720"/>
-            <a:ext cx="9354960" cy="713880"/>
+            <a:ext cx="9354600" cy="713520"/>
           </a:xfrm>
           <a:prstGeom prst="rect">
             <a:avLst/>
@@ -16239,7 +16422,7 @@
         <p:spPr>
           <a:xfrm>
             <a:off x="360000" y="1485000"/>
-            <a:ext cx="9354960" cy="3774960"/>
+            <a:ext cx="9354600" cy="3774600"/>
           </a:xfrm>
           <a:prstGeom prst="rect">
             <a:avLst/>
@@ -16398,7 +16581,7 @@
         <p:spPr>
           <a:xfrm>
             <a:off x="360000" y="-39960"/>
-            <a:ext cx="9354960" cy="1245600"/>
+            <a:ext cx="9354600" cy="1245240"/>
           </a:xfrm>
           <a:prstGeom prst="rect">
             <a:avLst/>
@@ -16447,7 +16630,7 @@
         <p:spPr>
           <a:xfrm>
             <a:off x="360000" y="1485000"/>
-            <a:ext cx="9465480" cy="3774960"/>
+            <a:ext cx="9465120" cy="3774600"/>
           </a:xfrm>
           <a:prstGeom prst="rect">
             <a:avLst/>
@@ -16564,7 +16747,7 @@
         <p:spPr>
           <a:xfrm>
             <a:off x="360000" y="-39960"/>
-            <a:ext cx="9354960" cy="1245600"/>
+            <a:ext cx="9354600" cy="1245240"/>
           </a:xfrm>
           <a:prstGeom prst="rect">
             <a:avLst/>
@@ -16613,7 +16796,7 @@
         <p:spPr>
           <a:xfrm>
             <a:off x="360000" y="1485000"/>
-            <a:ext cx="9465480" cy="3774960"/>
+            <a:ext cx="9465120" cy="3774600"/>
           </a:xfrm>
           <a:prstGeom prst="rect">
             <a:avLst/>
@@ -16650,7 +16833,7 @@
                 <a:latin typeface="Arial"/>
                 <a:ea typeface="JetBrains Mono"/>
               </a:rPr>
-              <a:t>Terminal strong components are sub-sections of a larger oriented graph.</a:t>
+              <a:t>Terminal strong components are sub-graphs of a larger oriented graph.</a:t>
             </a:r>
             <a:endParaRPr b="0" lang="en-US" sz="2400" spc="-1" strike="noStrike">
               <a:latin typeface="Arial"/>
@@ -16817,7 +17000,7 @@
         <p:spPr>
           <a:xfrm>
             <a:off x="360000" y="225720"/>
-            <a:ext cx="9354960" cy="713880"/>
+            <a:ext cx="9354600" cy="713520"/>
           </a:xfrm>
           <a:prstGeom prst="rect">
             <a:avLst/>
@@ -16866,7 +17049,7 @@
         <p:spPr>
           <a:xfrm>
             <a:off x="1022400" y="1509840"/>
-            <a:ext cx="4687920" cy="3514680"/>
+            <a:ext cx="4687560" cy="3514320"/>
           </a:xfrm>
           <a:prstGeom prst="rect">
             <a:avLst/>
@@ -16889,7 +17072,7 @@
         <p:spPr>
           <a:xfrm>
             <a:off x="360000" y="2507760"/>
-            <a:ext cx="1464120" cy="1602360"/>
+            <a:ext cx="1463760" cy="1602000"/>
           </a:xfrm>
           <a:prstGeom prst="rect">
             <a:avLst/>
@@ -16931,7 +17114,7 @@
         <p:spPr>
           <a:xfrm>
             <a:off x="5486400" y="1828800"/>
-            <a:ext cx="4338720" cy="1479960"/>
+            <a:ext cx="4338360" cy="1479600"/>
           </a:xfrm>
           <a:prstGeom prst="rect">
             <a:avLst/>
@@ -17169,7 +17352,7 @@
         <p:spPr>
           <a:xfrm>
             <a:off x="360000" y="1485000"/>
-            <a:ext cx="9354960" cy="3774960"/>
+            <a:ext cx="9354600" cy="3774600"/>
           </a:xfrm>
           <a:prstGeom prst="rect">
             <a:avLst/>
@@ -17400,7 +17583,7 @@
         <p:spPr>
           <a:xfrm>
             <a:off x="360000" y="225720"/>
-            <a:ext cx="9354960" cy="713880"/>
+            <a:ext cx="9354600" cy="713520"/>
           </a:xfrm>
           <a:prstGeom prst="rect">
             <a:avLst/>

--- a/Docs/JMMPresentationStripped.pptx
+++ b/Docs/JMMPresentationStripped.pptx
@@ -91,7 +91,7 @@
         <p:txBody>
           <a:bodyPr/>
           <a:p>
-            <a:fld id="{66B0D2E2-F70B-4F34-B394-5551BD7DA031}" type="slidenum">
+            <a:fld id="{31ADB08F-FAF6-45BA-9135-7547EB2778AA}" type="slidenum">
               <a:t>&lt;#&gt;</a:t>
             </a:fld>
           </a:p>
@@ -279,7 +279,7 @@
         <p:txBody>
           <a:bodyPr/>
           <a:p>
-            <a:fld id="{AF7188FC-537E-4699-8B8B-A31A2DAC90EF}" type="slidenum">
+            <a:fld id="{FB03864D-D7AD-4F68-AA5A-EC3E79E103AE}" type="slidenum">
               <a:t>&lt;#&gt;</a:t>
             </a:fld>
           </a:p>
@@ -535,7 +535,7 @@
         <p:txBody>
           <a:bodyPr/>
           <a:p>
-            <a:fld id="{5D8C95DC-0683-45D9-AC91-13EFDD229858}" type="slidenum">
+            <a:fld id="{F77FE94D-F1C0-4F92-9D7B-D343598EFBB7}" type="slidenum">
               <a:t>&lt;#&gt;</a:t>
             </a:fld>
           </a:p>
@@ -859,7 +859,7 @@
         <p:txBody>
           <a:bodyPr/>
           <a:p>
-            <a:fld id="{BB9D41ED-02B6-4571-AE9F-9974BCBCC196}" type="slidenum">
+            <a:fld id="{91910E80-58F2-4FE2-A137-F285F449CAA6}" type="slidenum">
               <a:t>&lt;#&gt;</a:t>
             </a:fld>
           </a:p>
@@ -1920,7 +1920,7 @@
         <p:txBody>
           <a:bodyPr/>
           <a:p>
-            <a:fld id="{3AE0C926-1433-4687-82C9-A85040A28B6D}" type="slidenum">
+            <a:fld id="{5253D5E9-FC9F-47F6-9FE3-B3FE636852E5}" type="slidenum">
               <a:t>&lt;#&gt;</a:t>
             </a:fld>
           </a:p>
@@ -3788,7 +3788,7 @@
         <p:txBody>
           <a:bodyPr/>
           <a:p>
-            <a:fld id="{648E5910-85B3-44B6-88D6-FEB3F43CB037}" type="slidenum">
+            <a:fld id="{BE211E80-27AD-4541-AA62-84C4B9BA0727}" type="slidenum">
               <a:t>&lt;#&gt;</a:t>
             </a:fld>
           </a:p>
@@ -5724,7 +5724,7 @@
         <p:txBody>
           <a:bodyPr/>
           <a:p>
-            <a:fld id="{2DBF085E-60E5-4CBD-A8CD-8BE83FB65D75}" type="slidenum">
+            <a:fld id="{8C2B079B-7F5B-49EC-8F32-AA6DB21CF49F}" type="slidenum">
               <a:t>&lt;#&gt;</a:t>
             </a:fld>
           </a:p>
@@ -7526,7 +7526,7 @@
         <p:txBody>
           <a:bodyPr/>
           <a:p>
-            <a:fld id="{5A9D96F6-40B6-40DB-8F0A-F4C9A739D1F8}" type="slidenum">
+            <a:fld id="{9BCB4771-4D0F-4014-980D-AA6BE5BA92A4}" type="slidenum">
               <a:t>&lt;#&gt;</a:t>
             </a:fld>
           </a:p>
@@ -7646,7 +7646,7 @@
         <p:txBody>
           <a:bodyPr/>
           <a:p>
-            <a:fld id="{406EED0C-FF4B-4096-9596-B680A199757C}" type="slidenum">
+            <a:fld id="{6FB44D9E-C017-4B0A-8F77-34B3A32FEEFF}" type="slidenum">
               <a:t>&lt;#&gt;</a:t>
             </a:fld>
           </a:p>
@@ -7868,7 +7868,7 @@
         <p:txBody>
           <a:bodyPr/>
           <a:p>
-            <a:fld id="{2D36A1A1-1D45-4245-9396-E29726557813}" type="slidenum">
+            <a:fld id="{64F4A660-6083-4214-99AB-3DDF339A5AD6}" type="slidenum">
               <a:t>&lt;#&gt;</a:t>
             </a:fld>
           </a:p>
@@ -8090,7 +8090,7 @@
         <p:txBody>
           <a:bodyPr/>
           <a:p>
-            <a:fld id="{176AB6AB-532D-462A-9BB5-EB0B118A5300}" type="slidenum">
+            <a:fld id="{9380E74B-EBE8-4090-ADE4-465AF6D31514}" type="slidenum">
               <a:t>&lt;#&gt;</a:t>
             </a:fld>
           </a:p>
@@ -8312,7 +8312,7 @@
         <p:txBody>
           <a:bodyPr/>
           <a:p>
-            <a:fld id="{36A7A393-29B5-4348-B045-BE799A55E046}" type="slidenum">
+            <a:fld id="{9301CEE0-485A-4711-BA27-484CC328B94D}" type="slidenum">
               <a:t>&lt;#&gt;</a:t>
             </a:fld>
           </a:p>
@@ -8370,7 +8370,7 @@
         <p:spPr>
           <a:xfrm>
             <a:off x="0" y="0"/>
-            <a:ext cx="10074600" cy="5664600"/>
+            <a:ext cx="10074240" cy="5664240"/>
           </a:xfrm>
           <a:prstGeom prst="rect">
             <a:avLst/>
@@ -8398,7 +8398,7 @@
         <p:spPr>
           <a:xfrm>
             <a:off x="0" y="0"/>
-            <a:ext cx="10074600" cy="3774600"/>
+            <a:ext cx="10074240" cy="3774240"/>
           </a:xfrm>
           <a:prstGeom prst="rect">
             <a:avLst/>
@@ -8433,7 +8433,7 @@
         <p:spPr>
           <a:xfrm>
             <a:off x="3420000" y="5400000"/>
-            <a:ext cx="3234600" cy="264600"/>
+            <a:ext cx="3234240" cy="264240"/>
           </a:xfrm>
           <a:prstGeom prst="rect">
             <a:avLst/>
@@ -8475,7 +8475,7 @@
                 </a:solidFill>
                 <a:latin typeface="Noto Sans"/>
               </a:rPr>
-              <a:t> </a:t>
+              <a:t>&lt;footer&gt;</a:t>
             </a:r>
             <a:endParaRPr b="0" lang="en-US" sz="1800" spc="-1" strike="noStrike">
               <a:latin typeface="Times New Roman"/>
@@ -8496,7 +8496,7 @@
         <p:spPr>
           <a:xfrm>
             <a:off x="9180000" y="5130000"/>
-            <a:ext cx="714600" cy="534600"/>
+            <a:ext cx="714240" cy="534240"/>
           </a:xfrm>
           <a:prstGeom prst="rect">
             <a:avLst/>
@@ -8531,14 +8531,14 @@
               </a:lnSpc>
               <a:buNone/>
             </a:pPr>
-            <a:fld id="{A6C7306F-AC60-47CF-9181-8F668B99C998}" type="slidenum">
+            <a:fld id="{839271C3-9AC2-4714-82E2-1ABF3CFA2E8D}" type="slidenum">
               <a:rPr b="1" lang="en-US" sz="1800" spc="-1" strike="noStrike">
                 <a:solidFill>
                   <a:srgbClr val="ffffff"/>
                 </a:solidFill>
                 <a:latin typeface="Noto Sans"/>
               </a:rPr>
-              <a:t>24</a:t>
+              <a:t>&lt;number&gt;</a:t>
             </a:fld>
             <a:endParaRPr b="0" lang="en-US" sz="1800" spc="-1" strike="noStrike">
               <a:latin typeface="Times New Roman"/>
@@ -8559,7 +8559,7 @@
         <p:spPr>
           <a:xfrm>
             <a:off x="360000" y="5400000"/>
-            <a:ext cx="2874600" cy="264600"/>
+            <a:ext cx="2874240" cy="264240"/>
           </a:xfrm>
           <a:prstGeom prst="rect">
             <a:avLst/>
@@ -8585,7 +8585,7 @@
               <a:rPr b="0" lang="en-US" sz="1400" spc="-1" strike="noStrike">
                 <a:latin typeface="Times New Roman"/>
               </a:rPr>
-              <a:t> </a:t>
+              <a:t>&lt;date/time&gt;</a:t>
             </a:r>
             <a:endParaRPr b="0" lang="en-US" sz="1400" spc="-1" strike="noStrike">
               <a:latin typeface="Times New Roman"/>
@@ -8865,7 +8865,7 @@
         <p:spPr>
           <a:xfrm>
             <a:off x="0" y="5400000"/>
-            <a:ext cx="10074600" cy="264600"/>
+            <a:ext cx="10074240" cy="264240"/>
           </a:xfrm>
           <a:prstGeom prst="rect">
             <a:avLst/>
@@ -8893,7 +8893,7 @@
         <p:spPr>
           <a:xfrm>
             <a:off x="0" y="0"/>
-            <a:ext cx="10074600" cy="1209600"/>
+            <a:ext cx="10074240" cy="1209240"/>
           </a:xfrm>
           <a:prstGeom prst="rect">
             <a:avLst/>
@@ -8921,7 +8921,7 @@
         <p:spPr>
           <a:xfrm>
             <a:off x="9315000" y="5175000"/>
-            <a:ext cx="444600" cy="444600"/>
+            <a:ext cx="444240" cy="444240"/>
           </a:xfrm>
           <a:prstGeom prst="ellipse">
             <a:avLst/>
@@ -8952,7 +8952,7 @@
         <p:spPr>
           <a:xfrm>
             <a:off x="9180000" y="5130000"/>
-            <a:ext cx="714600" cy="534600"/>
+            <a:ext cx="714240" cy="534240"/>
           </a:xfrm>
           <a:prstGeom prst="rect">
             <a:avLst/>
@@ -8979,7 +8979,7 @@
               </a:lnSpc>
               <a:buNone/>
             </a:pPr>
-            <a:fld id="{94797DC3-C099-4B7D-BB1A-E49A6499C258}" type="slidenum">
+            <a:fld id="{2EE61069-6AC8-4CBE-B40B-4F9098B56971}" type="slidenum">
               <a:rPr b="1" lang="en-US" sz="1800" spc="-1" strike="noStrike">
                 <a:solidFill>
                   <a:srgbClr val="ffffff"/>
@@ -9008,7 +9008,7 @@
         <p:spPr>
           <a:xfrm>
             <a:off x="3420000" y="5400000"/>
-            <a:ext cx="3234600" cy="264600"/>
+            <a:ext cx="3234240" cy="264240"/>
           </a:xfrm>
           <a:prstGeom prst="rect">
             <a:avLst/>
@@ -9071,7 +9071,7 @@
         <p:spPr>
           <a:xfrm>
             <a:off x="360000" y="5400000"/>
-            <a:ext cx="2874600" cy="264600"/>
+            <a:ext cx="2874240" cy="264240"/>
           </a:xfrm>
           <a:prstGeom prst="rect">
             <a:avLst/>
@@ -9377,7 +9377,7 @@
         <p:spPr>
           <a:xfrm>
             <a:off x="0" y="5400000"/>
-            <a:ext cx="10074600" cy="264600"/>
+            <a:ext cx="10074240" cy="264240"/>
           </a:xfrm>
           <a:prstGeom prst="rect">
             <a:avLst/>
@@ -9405,7 +9405,7 @@
         <p:spPr>
           <a:xfrm>
             <a:off x="0" y="0"/>
-            <a:ext cx="10074600" cy="1209600"/>
+            <a:ext cx="10074240" cy="1209240"/>
           </a:xfrm>
           <a:prstGeom prst="rect">
             <a:avLst/>
@@ -9433,7 +9433,7 @@
         <p:spPr>
           <a:xfrm>
             <a:off x="9315000" y="5175000"/>
-            <a:ext cx="444600" cy="444600"/>
+            <a:ext cx="444240" cy="444240"/>
           </a:xfrm>
           <a:prstGeom prst="ellipse">
             <a:avLst/>
@@ -9464,7 +9464,7 @@
         <p:spPr>
           <a:xfrm>
             <a:off x="9180000" y="5130000"/>
-            <a:ext cx="714600" cy="534600"/>
+            <a:ext cx="714240" cy="534240"/>
           </a:xfrm>
           <a:prstGeom prst="rect">
             <a:avLst/>
@@ -9491,7 +9491,7 @@
               </a:lnSpc>
               <a:buNone/>
             </a:pPr>
-            <a:fld id="{2E9768A6-46FA-4488-AA88-A58620A0D866}" type="slidenum">
+            <a:fld id="{219FF7A7-6DEF-4152-B825-FB558C4DC0E9}" type="slidenum">
               <a:rPr b="1" lang="en-US" sz="1800" spc="-1" strike="noStrike">
                 <a:solidFill>
                   <a:srgbClr val="ffffff"/>
@@ -9560,7 +9560,7 @@
         <p:spPr>
           <a:xfrm>
             <a:off x="3420000" y="5400000"/>
-            <a:ext cx="3234600" cy="264600"/>
+            <a:ext cx="3234240" cy="264240"/>
           </a:xfrm>
           <a:prstGeom prst="rect">
             <a:avLst/>
@@ -9623,7 +9623,7 @@
         <p:spPr>
           <a:xfrm>
             <a:off x="360000" y="5400000"/>
-            <a:ext cx="2874600" cy="264600"/>
+            <a:ext cx="2874240" cy="264240"/>
           </a:xfrm>
           <a:prstGeom prst="rect">
             <a:avLst/>
@@ -9886,7 +9886,7 @@
         <p:spPr>
           <a:xfrm>
             <a:off x="0" y="5400000"/>
-            <a:ext cx="10074600" cy="264600"/>
+            <a:ext cx="10074240" cy="264240"/>
           </a:xfrm>
           <a:prstGeom prst="rect">
             <a:avLst/>
@@ -9914,7 +9914,7 @@
         <p:spPr>
           <a:xfrm>
             <a:off x="0" y="0"/>
-            <a:ext cx="10074600" cy="1209600"/>
+            <a:ext cx="10074240" cy="1209240"/>
           </a:xfrm>
           <a:prstGeom prst="rect">
             <a:avLst/>
@@ -9942,7 +9942,7 @@
         <p:spPr>
           <a:xfrm>
             <a:off x="9315000" y="5175000"/>
-            <a:ext cx="444600" cy="444600"/>
+            <a:ext cx="444240" cy="444240"/>
           </a:xfrm>
           <a:prstGeom prst="ellipse">
             <a:avLst/>
@@ -9973,7 +9973,7 @@
         <p:spPr>
           <a:xfrm>
             <a:off x="9180000" y="5130000"/>
-            <a:ext cx="714600" cy="534600"/>
+            <a:ext cx="714240" cy="534240"/>
           </a:xfrm>
           <a:prstGeom prst="rect">
             <a:avLst/>
@@ -10000,7 +10000,7 @@
               </a:lnSpc>
               <a:buNone/>
             </a:pPr>
-            <a:fld id="{540B4EF9-9829-48F7-9B16-1AA5B1CB1EB2}" type="slidenum">
+            <a:fld id="{A4C9CA9C-4A34-4D28-A77B-DC28EF8CAFCF}" type="slidenum">
               <a:rPr b="1" lang="en-US" sz="1800" spc="-1" strike="noStrike">
                 <a:solidFill>
                   <a:srgbClr val="ffffff"/>
@@ -10029,7 +10029,7 @@
         <p:spPr>
           <a:xfrm>
             <a:off x="3420000" y="5400000"/>
-            <a:ext cx="3234600" cy="264600"/>
+            <a:ext cx="3234240" cy="264240"/>
           </a:xfrm>
           <a:prstGeom prst="rect">
             <a:avLst/>
@@ -10092,7 +10092,7 @@
         <p:spPr>
           <a:xfrm>
             <a:off x="360000" y="5400000"/>
-            <a:ext cx="2874600" cy="264600"/>
+            <a:ext cx="2874240" cy="264240"/>
           </a:xfrm>
           <a:prstGeom prst="rect">
             <a:avLst/>
@@ -10402,7 +10402,7 @@
         <p:spPr>
           <a:xfrm>
             <a:off x="360000" y="225720"/>
-            <a:ext cx="9354600" cy="2741040"/>
+            <a:ext cx="9354240" cy="2740680"/>
           </a:xfrm>
           <a:prstGeom prst="rect">
             <a:avLst/>
@@ -10448,7 +10448,7 @@
         <p:spPr>
           <a:xfrm>
             <a:off x="504000" y="4071960"/>
-            <a:ext cx="9066960" cy="1181160"/>
+            <a:ext cx="9066600" cy="1180800"/>
           </a:xfrm>
           <a:prstGeom prst="rect">
             <a:avLst/>
@@ -10567,7 +10567,7 @@
         <p:spPr>
           <a:xfrm>
             <a:off x="360000" y="225720"/>
-            <a:ext cx="9354600" cy="713520"/>
+            <a:ext cx="9354240" cy="713160"/>
           </a:xfrm>
           <a:prstGeom prst="rect">
             <a:avLst/>
@@ -10616,7 +10616,7 @@
         <p:spPr>
           <a:xfrm>
             <a:off x="360000" y="1485000"/>
-            <a:ext cx="9354600" cy="3774600"/>
+            <a:ext cx="9354240" cy="3774240"/>
           </a:xfrm>
           <a:prstGeom prst="rect">
             <a:avLst/>
@@ -10703,7 +10703,7 @@
                 <a:srgbClr val="000000"/>
               </a:buClr>
               <a:buSzPct val="75000"/>
-              <a:buFont typeface="Symbol" charset="2"/>
+              <a:buFont typeface="Symbol"/>
               <a:buChar char=""/>
             </a:pPr>
             <a:r>
@@ -10836,7 +10836,7 @@
                 <a:srgbClr val="000000"/>
               </a:buClr>
               <a:buSzPct val="75000"/>
-              <a:buFont typeface="Symbol" charset="2"/>
+              <a:buFont typeface="Symbol"/>
               <a:buChar char=""/>
             </a:pPr>
             <a:r>
@@ -10895,7 +10895,7 @@
         <p:spPr>
           <a:xfrm>
             <a:off x="360000" y="225720"/>
-            <a:ext cx="9354600" cy="713520"/>
+            <a:ext cx="9354240" cy="713160"/>
           </a:xfrm>
           <a:prstGeom prst="rect">
             <a:avLst/>
@@ -10944,7 +10944,7 @@
         <p:spPr>
           <a:xfrm>
             <a:off x="360000" y="1485000"/>
-            <a:ext cx="9354600" cy="3774600"/>
+            <a:ext cx="9354240" cy="3774240"/>
           </a:xfrm>
           <a:prstGeom prst="rect">
             <a:avLst/>
@@ -10959,7 +10959,7 @@
             <a:normAutofit fontScale="66000"/>
           </a:bodyPr>
           <a:p>
-            <a:pPr marL="91440">
+            <a:pPr marL="91440" indent="-324000">
               <a:lnSpc>
                 <a:spcPct val="100000"/>
               </a:lnSpc>
@@ -10994,6 +10994,7 @@
             <a:r>
               <a:rPr b="0" lang="en-US" sz="3200" spc="-1" strike="noStrike">
                 <a:latin typeface="Arial"/>
+                <a:ea typeface="Noto Sans CJK SC"/>
               </a:rPr>
               <a:t>:</a:t>
             </a:r>
@@ -11115,7 +11116,7 @@
                 <a:latin typeface="Arial"/>
                 <a:ea typeface="Noto Sans CJK SC"/>
               </a:rPr>
-              <a:t>(an n-tuple of integers)</a:t>
+              <a:t>(an n-tuple of integers where n is the rank)</a:t>
             </a:r>
             <a:r>
               <a:rPr b="0" lang="en-US" sz="3200" spc="-1" strike="noStrike">
@@ -11194,7 +11195,7 @@
         <p:spPr>
           <a:xfrm>
             <a:off x="360000" y="225720"/>
-            <a:ext cx="9354600" cy="713520"/>
+            <a:ext cx="9354240" cy="713160"/>
           </a:xfrm>
           <a:prstGeom prst="rect">
             <a:avLst/>
@@ -11255,7 +11256,7 @@
         <p:spPr>
           <a:xfrm>
             <a:off x="360000" y="1485000"/>
-            <a:ext cx="9354600" cy="3774600"/>
+            <a:ext cx="9354240" cy="3774240"/>
           </a:xfrm>
           <a:prstGeom prst="rect">
             <a:avLst/>
@@ -11448,7 +11449,7 @@
         <p:spPr>
           <a:xfrm>
             <a:off x="360000" y="225720"/>
-            <a:ext cx="9354600" cy="713520"/>
+            <a:ext cx="9354240" cy="713160"/>
           </a:xfrm>
           <a:prstGeom prst="rect">
             <a:avLst/>
@@ -11509,7 +11510,7 @@
         <p:spPr>
           <a:xfrm>
             <a:off x="457200" y="1744920"/>
-            <a:ext cx="1111320" cy="3051360"/>
+            <a:ext cx="1110960" cy="3051000"/>
           </a:xfrm>
           <a:prstGeom prst="rect">
             <a:avLst/>
@@ -11649,7 +11650,7 @@
         <p:spPr>
           <a:xfrm>
             <a:off x="1572840" y="1371600"/>
-            <a:ext cx="6195240" cy="2014200"/>
+            <a:ext cx="6194880" cy="2013840"/>
           </a:xfrm>
           <a:prstGeom prst="rect">
             <a:avLst/>
@@ -11672,7 +11673,7 @@
         <p:spPr>
           <a:xfrm>
             <a:off x="1572840" y="3390120"/>
-            <a:ext cx="6195240" cy="2014200"/>
+            <a:ext cx="6194880" cy="2013840"/>
           </a:xfrm>
           <a:prstGeom prst="rect">
             <a:avLst/>
@@ -11691,7 +11692,7 @@
         <p:spPr>
           <a:xfrm>
             <a:off x="7772400" y="1371600"/>
-            <a:ext cx="2281680" cy="3884400"/>
+            <a:ext cx="2281320" cy="3884040"/>
           </a:xfrm>
           <a:prstGeom prst="rect">
             <a:avLst/>
@@ -11908,7 +11909,7 @@
         <p:spPr>
           <a:xfrm>
             <a:off x="360000" y="225720"/>
-            <a:ext cx="9354600" cy="713520"/>
+            <a:ext cx="9354240" cy="713160"/>
           </a:xfrm>
           <a:prstGeom prst="rect">
             <a:avLst/>
@@ -11957,7 +11958,7 @@
         <p:spPr>
           <a:xfrm>
             <a:off x="228600" y="1279440"/>
-            <a:ext cx="2741400" cy="2055600"/>
+            <a:ext cx="2741040" cy="2055240"/>
           </a:xfrm>
           <a:prstGeom prst="rect">
             <a:avLst/>
@@ -11980,7 +11981,7 @@
         <p:spPr>
           <a:xfrm>
             <a:off x="228600" y="3336840"/>
-            <a:ext cx="2741400" cy="2055600"/>
+            <a:ext cx="2741040" cy="2055240"/>
           </a:xfrm>
           <a:prstGeom prst="rect">
             <a:avLst/>
@@ -12003,7 +12004,7 @@
         <p:spPr>
           <a:xfrm>
             <a:off x="3657600" y="1279440"/>
-            <a:ext cx="2741400" cy="2055600"/>
+            <a:ext cx="2741040" cy="2055240"/>
           </a:xfrm>
           <a:prstGeom prst="rect">
             <a:avLst/>
@@ -12026,7 +12027,7 @@
         <p:spPr>
           <a:xfrm>
             <a:off x="3657600" y="3336840"/>
-            <a:ext cx="2741400" cy="2055600"/>
+            <a:ext cx="2741040" cy="2055240"/>
           </a:xfrm>
           <a:prstGeom prst="rect">
             <a:avLst/>
@@ -12049,7 +12050,7 @@
         <p:spPr>
           <a:xfrm>
             <a:off x="6354000" y="1828800"/>
-            <a:ext cx="3474000" cy="2604960"/>
+            <a:ext cx="3473640" cy="2604600"/>
           </a:xfrm>
           <a:prstGeom prst="rect">
             <a:avLst/>
@@ -12068,7 +12069,7 @@
         <p:spPr>
           <a:xfrm>
             <a:off x="457200" y="1143000"/>
-            <a:ext cx="2284200" cy="344520"/>
+            <a:ext cx="2283840" cy="344160"/>
           </a:xfrm>
           <a:prstGeom prst="rect">
             <a:avLst/>
@@ -12120,7 +12121,7 @@
         <p:spPr>
           <a:xfrm>
             <a:off x="7086600" y="1711080"/>
-            <a:ext cx="2284200" cy="344520"/>
+            <a:ext cx="2283840" cy="344160"/>
           </a:xfrm>
           <a:prstGeom prst="rect">
             <a:avLst/>
@@ -12172,7 +12173,7 @@
         <p:spPr>
           <a:xfrm>
             <a:off x="3909240" y="3207600"/>
-            <a:ext cx="2284200" cy="344520"/>
+            <a:ext cx="2283840" cy="344160"/>
           </a:xfrm>
           <a:prstGeom prst="rect">
             <a:avLst/>
@@ -12224,7 +12225,7 @@
         <p:spPr>
           <a:xfrm>
             <a:off x="3886200" y="1143000"/>
-            <a:ext cx="2284200" cy="344520"/>
+            <a:ext cx="2283840" cy="344160"/>
           </a:xfrm>
           <a:prstGeom prst="rect">
             <a:avLst/>
@@ -12276,7 +12277,7 @@
         <p:spPr>
           <a:xfrm>
             <a:off x="457200" y="3200400"/>
-            <a:ext cx="2284200" cy="344520"/>
+            <a:ext cx="2283840" cy="344160"/>
           </a:xfrm>
           <a:prstGeom prst="rect">
             <a:avLst/>
@@ -12362,7 +12363,7 @@
         <p:spPr>
           <a:xfrm>
             <a:off x="360000" y="225720"/>
-            <a:ext cx="9354600" cy="713520"/>
+            <a:ext cx="9354240" cy="713160"/>
           </a:xfrm>
           <a:prstGeom prst="rect">
             <a:avLst/>
@@ -12441,7 +12442,7 @@
         <p:spPr>
           <a:xfrm>
             <a:off x="360000" y="225720"/>
-            <a:ext cx="9354600" cy="713520"/>
+            <a:ext cx="9354240" cy="713160"/>
           </a:xfrm>
           <a:prstGeom prst="rect">
             <a:avLst/>
@@ -12490,7 +12491,7 @@
         <p:spPr>
           <a:xfrm>
             <a:off x="360000" y="1485000"/>
-            <a:ext cx="9354600" cy="3774600"/>
+            <a:ext cx="9354240" cy="3774240"/>
           </a:xfrm>
           <a:prstGeom prst="rect">
             <a:avLst/>
@@ -12599,7 +12600,7 @@
         <p:spPr>
           <a:xfrm>
             <a:off x="360000" y="225720"/>
-            <a:ext cx="9354600" cy="713520"/>
+            <a:ext cx="9354240" cy="713160"/>
           </a:xfrm>
           <a:prstGeom prst="rect">
             <a:avLst/>
@@ -12648,7 +12649,7 @@
         <p:spPr>
           <a:xfrm>
             <a:off x="360000" y="1485000"/>
-            <a:ext cx="9354600" cy="3774600"/>
+            <a:ext cx="9354240" cy="3774240"/>
           </a:xfrm>
           <a:prstGeom prst="rect">
             <a:avLst/>
@@ -12782,7 +12783,7 @@
         <p:spPr>
           <a:xfrm>
             <a:off x="360000" y="-39960"/>
-            <a:ext cx="9354600" cy="1245240"/>
+            <a:ext cx="9354240" cy="1244880"/>
           </a:xfrm>
           <a:prstGeom prst="rect">
             <a:avLst/>
@@ -12831,7 +12832,7 @@
         <p:spPr>
           <a:xfrm>
             <a:off x="360000" y="1485000"/>
-            <a:ext cx="9354600" cy="3774600"/>
+            <a:ext cx="9354240" cy="3774240"/>
           </a:xfrm>
           <a:prstGeom prst="rect">
             <a:avLst/>
@@ -13093,7 +13094,7 @@
         <p:spPr>
           <a:xfrm>
             <a:off x="360000" y="-39960"/>
-            <a:ext cx="9354600" cy="1245240"/>
+            <a:ext cx="9354240" cy="1244880"/>
           </a:xfrm>
           <a:prstGeom prst="rect">
             <a:avLst/>
@@ -13142,7 +13143,7 @@
         <p:spPr>
           <a:xfrm>
             <a:off x="360000" y="1485000"/>
-            <a:ext cx="9465120" cy="3774600"/>
+            <a:ext cx="9464760" cy="3774240"/>
           </a:xfrm>
           <a:prstGeom prst="rect">
             <a:avLst/>
@@ -13318,7 +13319,7 @@
         <p:spPr>
           <a:xfrm>
             <a:off x="360000" y="225720"/>
-            <a:ext cx="9354600" cy="713520"/>
+            <a:ext cx="9354240" cy="713160"/>
           </a:xfrm>
           <a:prstGeom prst="rect">
             <a:avLst/>
@@ -13367,7 +13368,7 @@
         <p:spPr>
           <a:xfrm>
             <a:off x="360000" y="1485000"/>
-            <a:ext cx="9354600" cy="3774600"/>
+            <a:ext cx="9354240" cy="3774240"/>
           </a:xfrm>
           <a:prstGeom prst="rect">
             <a:avLst/>
@@ -13526,7 +13527,7 @@
         <p:spPr>
           <a:xfrm>
             <a:off x="360000" y="-39960"/>
-            <a:ext cx="9354600" cy="1245240"/>
+            <a:ext cx="9354240" cy="1244880"/>
           </a:xfrm>
           <a:prstGeom prst="rect">
             <a:avLst/>
@@ -13575,7 +13576,7 @@
         <p:spPr>
           <a:xfrm>
             <a:off x="360000" y="1485000"/>
-            <a:ext cx="9354600" cy="3774600"/>
+            <a:ext cx="9354240" cy="3774240"/>
           </a:xfrm>
           <a:prstGeom prst="rect">
             <a:avLst/>
@@ -13970,7 +13971,7 @@
         <p:spPr>
           <a:xfrm>
             <a:off x="360000" y="225720"/>
-            <a:ext cx="9353880" cy="712800"/>
+            <a:ext cx="9353520" cy="712440"/>
           </a:xfrm>
           <a:prstGeom prst="rect">
             <a:avLst/>
@@ -14019,7 +14020,7 @@
         <p:spPr>
           <a:xfrm>
             <a:off x="6672960" y="2286000"/>
-            <a:ext cx="2928240" cy="2194920"/>
+            <a:ext cx="2927880" cy="2194560"/>
           </a:xfrm>
           <a:prstGeom prst="rect">
             <a:avLst/>
@@ -14043,7 +14044,7 @@
         <p:spPr>
           <a:xfrm>
             <a:off x="914400" y="2286000"/>
-            <a:ext cx="2415240" cy="1924560"/>
+            <a:ext cx="2414880" cy="1924200"/>
           </a:xfrm>
           <a:prstGeom prst="rect">
             <a:avLst/>
@@ -14067,7 +14068,7 @@
         <p:spPr>
           <a:xfrm>
             <a:off x="3657600" y="2289960"/>
-            <a:ext cx="2738880" cy="2053440"/>
+            <a:ext cx="2738520" cy="2053080"/>
           </a:xfrm>
           <a:prstGeom prst="rect">
             <a:avLst/>
@@ -14085,8 +14086,8 @@
         </p:nvSpPr>
         <p:spPr>
           <a:xfrm rot="18160800">
-            <a:off x="911160" y="3038040"/>
-            <a:ext cx="1366200" cy="223200"/>
+            <a:off x="910800" y="3038040"/>
+            <a:ext cx="1365840" cy="222840"/>
           </a:xfrm>
           <a:custGeom>
             <a:avLst/>
@@ -14153,8 +14154,8 @@
         </p:nvSpPr>
         <p:spPr>
           <a:xfrm rot="3178800">
-            <a:off x="2383200" y="3115800"/>
-            <a:ext cx="909000" cy="223200"/>
+            <a:off x="2383200" y="3115440"/>
+            <a:ext cx="908640" cy="222840"/>
           </a:xfrm>
           <a:custGeom>
             <a:avLst/>
@@ -14213,7 +14214,7 @@
         <p:spPr>
           <a:xfrm>
             <a:off x="1834200" y="4120200"/>
-            <a:ext cx="909000" cy="223200"/>
+            <a:ext cx="908640" cy="222840"/>
           </a:xfrm>
           <a:custGeom>
             <a:avLst/>
@@ -14271,8 +14272,8 @@
         </p:nvSpPr>
         <p:spPr>
           <a:xfrm rot="18160800">
-            <a:off x="3882960" y="3139200"/>
-            <a:ext cx="1366200" cy="223200"/>
+            <a:off x="3882600" y="3139200"/>
+            <a:ext cx="1365840" cy="222840"/>
           </a:xfrm>
           <a:custGeom>
             <a:avLst/>
@@ -14339,8 +14340,8 @@
         </p:nvSpPr>
         <p:spPr>
           <a:xfrm rot="14195400">
-            <a:off x="5248080" y="3142800"/>
-            <a:ext cx="1366200" cy="223200"/>
+            <a:off x="5248080" y="3143160"/>
+            <a:ext cx="1365840" cy="222840"/>
           </a:xfrm>
           <a:custGeom>
             <a:avLst/>
@@ -14407,8 +14408,8 @@
         </p:nvSpPr>
         <p:spPr>
           <a:xfrm rot="21568800">
-            <a:off x="4576320" y="4120560"/>
-            <a:ext cx="1366200" cy="223200"/>
+            <a:off x="4575960" y="4120200"/>
+            <a:ext cx="1365840" cy="222840"/>
           </a:xfrm>
           <a:custGeom>
             <a:avLst/>
@@ -14476,7 +14477,7 @@
         <p:spPr>
           <a:xfrm>
             <a:off x="7777800" y="4120200"/>
-            <a:ext cx="909000" cy="223200"/>
+            <a:ext cx="908640" cy="222840"/>
           </a:xfrm>
           <a:custGeom>
             <a:avLst/>
@@ -14534,8 +14535,8 @@
         </p:nvSpPr>
         <p:spPr>
           <a:xfrm rot="13918800">
-            <a:off x="8371440" y="3058200"/>
-            <a:ext cx="909000" cy="223200"/>
+            <a:off x="8371440" y="3058560"/>
+            <a:ext cx="908640" cy="222840"/>
           </a:xfrm>
           <a:custGeom>
             <a:avLst/>
@@ -14593,8 +14594,8 @@
         </p:nvSpPr>
         <p:spPr>
           <a:xfrm rot="7579800">
-            <a:off x="6990840" y="3113640"/>
-            <a:ext cx="909000" cy="223200"/>
+            <a:off x="6991200" y="3113640"/>
+            <a:ext cx="908640" cy="222840"/>
           </a:xfrm>
           <a:custGeom>
             <a:avLst/>
@@ -14687,7 +14688,7 @@
         <p:spPr>
           <a:xfrm>
             <a:off x="360000" y="-39960"/>
-            <a:ext cx="9354600" cy="1245240"/>
+            <a:ext cx="9354240" cy="1244880"/>
           </a:xfrm>
           <a:prstGeom prst="rect">
             <a:avLst/>
@@ -14736,7 +14737,7 @@
         <p:spPr>
           <a:xfrm>
             <a:off x="360000" y="1485000"/>
-            <a:ext cx="9354600" cy="3774600"/>
+            <a:ext cx="9354240" cy="3774240"/>
           </a:xfrm>
           <a:prstGeom prst="rect">
             <a:avLst/>
@@ -14893,7 +14894,7 @@
         <p:spPr>
           <a:xfrm>
             <a:off x="360000" y="225720"/>
-            <a:ext cx="9353880" cy="712800"/>
+            <a:ext cx="9353520" cy="712440"/>
           </a:xfrm>
           <a:prstGeom prst="rect">
             <a:avLst/>
@@ -14942,7 +14943,7 @@
         <p:spPr>
           <a:xfrm>
             <a:off x="2671200" y="1604160"/>
-            <a:ext cx="4872600" cy="3653640"/>
+            <a:ext cx="4872240" cy="3653280"/>
           </a:xfrm>
           <a:prstGeom prst="rect">
             <a:avLst/>
@@ -14955,27 +14956,39 @@
       <p:sp>
         <p:nvSpPr>
           <p:cNvPr id="245" name=""/>
-          <p:cNvSpPr txBox="1"/>
+          <p:cNvSpPr/>
           <p:nvPr/>
         </p:nvSpPr>
         <p:spPr>
           <a:xfrm>
             <a:off x="2514600" y="1371600"/>
-            <a:ext cx="5715000" cy="346320"/>
-          </a:xfrm>
-          <a:prstGeom prst="rect">
-            <a:avLst/>
-          </a:prstGeom>
-          <a:noFill/>
-          <a:ln w="0">
-            <a:noFill/>
-          </a:ln>
-        </p:spPr>
+            <a:ext cx="5714640" cy="345960"/>
+          </a:xfrm>
+          <a:prstGeom prst="rect">
+            <a:avLst/>
+          </a:prstGeom>
+          <a:noFill/>
+          <a:ln w="0">
+            <a:noFill/>
+          </a:ln>
+        </p:spPr>
+        <p:style>
+          <a:lnRef idx="0"/>
+          <a:fillRef idx="0"/>
+          <a:effectRef idx="0"/>
+          <a:fontRef idx="minor"/>
+        </p:style>
         <p:txBody>
           <a:bodyPr lIns="90000" rIns="90000" tIns="45000" bIns="45000" anchor="t">
             <a:noAutofit/>
           </a:bodyPr>
           <a:p>
+            <a:pPr>
+              <a:lnSpc>
+                <a:spcPct val="100000"/>
+              </a:lnSpc>
+              <a:buNone/>
+            </a:pPr>
             <a:r>
               <a:rPr b="0" lang="en-US" sz="1800" spc="-1" strike="noStrike">
                 <a:latin typeface="Arial"/>
@@ -15031,7 +15044,7 @@
         <p:spPr>
           <a:xfrm>
             <a:off x="360000" y="-39960"/>
-            <a:ext cx="9354600" cy="1245240"/>
+            <a:ext cx="9354240" cy="1244880"/>
           </a:xfrm>
           <a:prstGeom prst="rect">
             <a:avLst/>
@@ -15080,7 +15093,7 @@
         <p:spPr>
           <a:xfrm>
             <a:off x="1143000" y="2196720"/>
-            <a:ext cx="3774960" cy="2830680"/>
+            <a:ext cx="3774600" cy="2830320"/>
           </a:xfrm>
           <a:prstGeom prst="rect">
             <a:avLst/>
@@ -15103,7 +15116,7 @@
         <p:spPr>
           <a:xfrm>
             <a:off x="4910040" y="2196720"/>
-            <a:ext cx="3774960" cy="2830680"/>
+            <a:ext cx="3774600" cy="2830320"/>
           </a:xfrm>
           <a:prstGeom prst="rect">
             <a:avLst/>
@@ -15122,7 +15135,7 @@
         <p:spPr>
           <a:xfrm>
             <a:off x="1600200" y="1828800"/>
-            <a:ext cx="6627600" cy="344520"/>
+            <a:ext cx="6627240" cy="344160"/>
           </a:xfrm>
           <a:prstGeom prst="rect">
             <a:avLst/>
@@ -15468,7 +15481,7 @@
         <p:spPr>
           <a:xfrm>
             <a:off x="360000" y="-39960"/>
-            <a:ext cx="9354600" cy="1245240"/>
+            <a:ext cx="9354240" cy="1244880"/>
           </a:xfrm>
           <a:prstGeom prst="rect">
             <a:avLst/>
@@ -15517,7 +15530,7 @@
         <p:spPr>
           <a:xfrm>
             <a:off x="360000" y="1485000"/>
-            <a:ext cx="9354600" cy="3774600"/>
+            <a:ext cx="9354240" cy="3774240"/>
           </a:xfrm>
           <a:prstGeom prst="rect">
             <a:avLst/>
@@ -15661,7 +15674,7 @@
                 <a:latin typeface="Arial"/>
                 <a:ea typeface="Noto Sans CJK SC"/>
               </a:rPr>
-              <a:t>For even wheel graphs, arbitrary Picard groups of Wheel</a:t>
+              <a:t>For prime cycle graphs, arbitrary Picard groups of wheel</a:t>
             </a:r>
             <a:r>
               <a:rPr b="0" i="1" lang="en-US" sz="3200" spc="-1" strike="noStrike" baseline="-8000">
@@ -15832,7 +15845,7 @@
         <p:spPr>
           <a:xfrm>
             <a:off x="360000" y="-39960"/>
-            <a:ext cx="9354600" cy="1245240"/>
+            <a:ext cx="9354240" cy="1244880"/>
           </a:xfrm>
           <a:prstGeom prst="rect">
             <a:avLst/>
@@ -15881,7 +15894,7 @@
         <p:spPr>
           <a:xfrm>
             <a:off x="360000" y="1485000"/>
-            <a:ext cx="9354600" cy="3774600"/>
+            <a:ext cx="9354240" cy="3774240"/>
           </a:xfrm>
           <a:prstGeom prst="rect">
             <a:avLst/>
@@ -16192,7 +16205,7 @@
         <p:spPr>
           <a:xfrm>
             <a:off x="360000" y="225720"/>
-            <a:ext cx="9354600" cy="713520"/>
+            <a:ext cx="9354240" cy="713160"/>
           </a:xfrm>
           <a:prstGeom prst="rect">
             <a:avLst/>
@@ -16271,7 +16284,7 @@
         <p:spPr>
           <a:xfrm>
             <a:off x="360000" y="225720"/>
-            <a:ext cx="9354600" cy="713520"/>
+            <a:ext cx="9354240" cy="713160"/>
           </a:xfrm>
           <a:prstGeom prst="rect">
             <a:avLst/>
@@ -16320,7 +16333,7 @@
         <p:spPr>
           <a:xfrm>
             <a:off x="797400" y="1870560"/>
-            <a:ext cx="8573400" cy="2471040"/>
+            <a:ext cx="8573040" cy="2470680"/>
           </a:xfrm>
           <a:prstGeom prst="rect">
             <a:avLst/>
@@ -16373,7 +16386,7 @@
         <p:spPr>
           <a:xfrm>
             <a:off x="360000" y="225720"/>
-            <a:ext cx="9354600" cy="713520"/>
+            <a:ext cx="9354240" cy="713160"/>
           </a:xfrm>
           <a:prstGeom prst="rect">
             <a:avLst/>
@@ -16422,7 +16435,7 @@
         <p:spPr>
           <a:xfrm>
             <a:off x="360000" y="1485000"/>
-            <a:ext cx="9354600" cy="3774600"/>
+            <a:ext cx="9354240" cy="3774240"/>
           </a:xfrm>
           <a:prstGeom prst="rect">
             <a:avLst/>
@@ -16581,7 +16594,7 @@
         <p:spPr>
           <a:xfrm>
             <a:off x="360000" y="-39960"/>
-            <a:ext cx="9354600" cy="1245240"/>
+            <a:ext cx="9354240" cy="1244880"/>
           </a:xfrm>
           <a:prstGeom prst="rect">
             <a:avLst/>
@@ -16630,7 +16643,7 @@
         <p:spPr>
           <a:xfrm>
             <a:off x="360000" y="1485000"/>
-            <a:ext cx="9465120" cy="3774600"/>
+            <a:ext cx="9464760" cy="3774240"/>
           </a:xfrm>
           <a:prstGeom prst="rect">
             <a:avLst/>
@@ -16747,7 +16760,7 @@
         <p:spPr>
           <a:xfrm>
             <a:off x="360000" y="-39960"/>
-            <a:ext cx="9354600" cy="1245240"/>
+            <a:ext cx="9354240" cy="1244880"/>
           </a:xfrm>
           <a:prstGeom prst="rect">
             <a:avLst/>
@@ -16796,7 +16809,7 @@
         <p:spPr>
           <a:xfrm>
             <a:off x="360000" y="1485000"/>
-            <a:ext cx="9465120" cy="3774600"/>
+            <a:ext cx="9464760" cy="3774240"/>
           </a:xfrm>
           <a:prstGeom prst="rect">
             <a:avLst/>
@@ -17000,7 +17013,7 @@
         <p:spPr>
           <a:xfrm>
             <a:off x="360000" y="225720"/>
-            <a:ext cx="9354600" cy="713520"/>
+            <a:ext cx="9354240" cy="713160"/>
           </a:xfrm>
           <a:prstGeom prst="rect">
             <a:avLst/>
@@ -17049,7 +17062,7 @@
         <p:spPr>
           <a:xfrm>
             <a:off x="1022400" y="1509840"/>
-            <a:ext cx="4687560" cy="3514320"/>
+            <a:ext cx="4687200" cy="3513960"/>
           </a:xfrm>
           <a:prstGeom prst="rect">
             <a:avLst/>
@@ -17072,7 +17085,7 @@
         <p:spPr>
           <a:xfrm>
             <a:off x="360000" y="2507760"/>
-            <a:ext cx="1463760" cy="1602000"/>
+            <a:ext cx="1463400" cy="1601640"/>
           </a:xfrm>
           <a:prstGeom prst="rect">
             <a:avLst/>
@@ -17114,7 +17127,7 @@
         <p:spPr>
           <a:xfrm>
             <a:off x="5486400" y="1828800"/>
-            <a:ext cx="4338360" cy="1479600"/>
+            <a:ext cx="4338000" cy="1479240"/>
           </a:xfrm>
           <a:prstGeom prst="rect">
             <a:avLst/>
@@ -17352,7 +17365,7 @@
         <p:spPr>
           <a:xfrm>
             <a:off x="360000" y="1485000"/>
-            <a:ext cx="9354600" cy="3774600"/>
+            <a:ext cx="9354240" cy="3774240"/>
           </a:xfrm>
           <a:prstGeom prst="rect">
             <a:avLst/>
@@ -17583,7 +17596,7 @@
         <p:spPr>
           <a:xfrm>
             <a:off x="360000" y="225720"/>
-            <a:ext cx="9354600" cy="713520"/>
+            <a:ext cx="9354240" cy="713160"/>
           </a:xfrm>
           <a:prstGeom prst="rect">
             <a:avLst/>
